--- a/teaching/CSEx0647Fall17-09-DataWarehouse.pptx
+++ b/teaching/CSEx0647Fall17-09-DataWarehouse.pptx
@@ -5,41 +5,42 @@
     <p:sldMasterId id="2147483648" r:id="rId1"/>
   </p:sldMasterIdLst>
   <p:notesMasterIdLst>
-    <p:notesMasterId r:id="rId31"/>
+    <p:notesMasterId r:id="rId32"/>
   </p:notesMasterIdLst>
   <p:handoutMasterIdLst>
-    <p:handoutMasterId r:id="rId32"/>
+    <p:handoutMasterId r:id="rId33"/>
   </p:handoutMasterIdLst>
   <p:sldIdLst>
     <p:sldId id="454" r:id="rId2"/>
-    <p:sldId id="455" r:id="rId3"/>
-    <p:sldId id="456" r:id="rId4"/>
-    <p:sldId id="450" r:id="rId5"/>
-    <p:sldId id="453" r:id="rId6"/>
-    <p:sldId id="403" r:id="rId7"/>
-    <p:sldId id="404" r:id="rId8"/>
-    <p:sldId id="405" r:id="rId9"/>
-    <p:sldId id="409" r:id="rId10"/>
-    <p:sldId id="410" r:id="rId11"/>
-    <p:sldId id="451" r:id="rId12"/>
-    <p:sldId id="452" r:id="rId13"/>
-    <p:sldId id="415" r:id="rId14"/>
-    <p:sldId id="416" r:id="rId15"/>
-    <p:sldId id="417" r:id="rId16"/>
-    <p:sldId id="418" r:id="rId17"/>
-    <p:sldId id="419" r:id="rId18"/>
-    <p:sldId id="420" r:id="rId19"/>
-    <p:sldId id="421" r:id="rId20"/>
-    <p:sldId id="422" r:id="rId21"/>
-    <p:sldId id="423" r:id="rId22"/>
-    <p:sldId id="424" r:id="rId23"/>
-    <p:sldId id="426" r:id="rId24"/>
-    <p:sldId id="427" r:id="rId25"/>
-    <p:sldId id="429" r:id="rId26"/>
-    <p:sldId id="457" r:id="rId27"/>
-    <p:sldId id="430" r:id="rId28"/>
-    <p:sldId id="436" r:id="rId29"/>
-    <p:sldId id="437" r:id="rId30"/>
+    <p:sldId id="458" r:id="rId3"/>
+    <p:sldId id="455" r:id="rId4"/>
+    <p:sldId id="456" r:id="rId5"/>
+    <p:sldId id="450" r:id="rId6"/>
+    <p:sldId id="453" r:id="rId7"/>
+    <p:sldId id="403" r:id="rId8"/>
+    <p:sldId id="404" r:id="rId9"/>
+    <p:sldId id="405" r:id="rId10"/>
+    <p:sldId id="409" r:id="rId11"/>
+    <p:sldId id="410" r:id="rId12"/>
+    <p:sldId id="451" r:id="rId13"/>
+    <p:sldId id="452" r:id="rId14"/>
+    <p:sldId id="415" r:id="rId15"/>
+    <p:sldId id="416" r:id="rId16"/>
+    <p:sldId id="417" r:id="rId17"/>
+    <p:sldId id="418" r:id="rId18"/>
+    <p:sldId id="419" r:id="rId19"/>
+    <p:sldId id="420" r:id="rId20"/>
+    <p:sldId id="421" r:id="rId21"/>
+    <p:sldId id="422" r:id="rId22"/>
+    <p:sldId id="423" r:id="rId23"/>
+    <p:sldId id="424" r:id="rId24"/>
+    <p:sldId id="426" r:id="rId25"/>
+    <p:sldId id="427" r:id="rId26"/>
+    <p:sldId id="429" r:id="rId27"/>
+    <p:sldId id="457" r:id="rId28"/>
+    <p:sldId id="430" r:id="rId29"/>
+    <p:sldId id="436" r:id="rId30"/>
+    <p:sldId id="437" r:id="rId31"/>
   </p:sldIdLst>
   <p:sldSz cx="9144000" cy="6858000" type="screen4x3"/>
   <p:notesSz cx="6858000" cy="9144000"/>
@@ -245,7 +246,7 @@
           <a:p>
             <a:fld id="{43492DA4-7033-254B-9755-02E963D2D60B}" type="datetimeFigureOut">
               <a:rPr lang="en-US" smtClean="0"/>
-              <a:t>9/17/17</a:t>
+              <a:t>9/18/17</a:t>
             </a:fld>
             <a:endParaRPr lang="en-US"/>
           </a:p>
@@ -411,7 +412,7 @@
           <a:p>
             <a:fld id="{3233186B-3F56-2747-A708-0F062C13EF5A}" type="datetimeFigureOut">
               <a:rPr lang="en-US" smtClean="0"/>
-              <a:t>9/17/17</a:t>
+              <a:t>9/18/17</a:t>
             </a:fld>
             <a:endParaRPr lang="en-US"/>
           </a:p>
@@ -745,7 +746,7 @@
           <a:p>
             <a:fld id="{09C9EB6B-96A1-6146-928C-891905651823}" type="slidenum">
               <a:rPr lang="en-US" smtClean="0"/>
-              <a:t>5</a:t>
+              <a:t>6</a:t>
             </a:fld>
             <a:endParaRPr lang="en-US"/>
           </a:p>
@@ -849,7 +850,7 @@
           <a:p>
             <a:fld id="{09C9EB6B-96A1-6146-928C-891905651823}" type="slidenum">
               <a:rPr lang="en-US" smtClean="0"/>
-              <a:t>18</a:t>
+              <a:t>19</a:t>
             </a:fld>
             <a:endParaRPr lang="en-US"/>
           </a:p>
@@ -4460,63 +4461,75 @@
               <a:t> </a:t>
             </a:r>
             <a:r>
-              <a:rPr lang="en-US" altLang="zh-CN" i="1" dirty="0">
+              <a:rPr lang="en-US" altLang="zh-CN" b="1" i="1" dirty="0">
                 <a:solidFill>
-                  <a:srgbClr val="C00000"/>
+                  <a:srgbClr val="FF0000"/>
                 </a:solidFill>
               </a:rPr>
               <a:t>really</a:t>
             </a:r>
             <a:r>
-              <a:rPr lang="zh-CN" altLang="en-US" i="1" dirty="0">
+              <a:rPr lang="zh-CN" altLang="en-US" b="1" i="1" dirty="0">
                 <a:solidFill>
-                  <a:srgbClr val="C00000"/>
+                  <a:srgbClr val="FF0000"/>
                 </a:solidFill>
               </a:rPr>
               <a:t> </a:t>
             </a:r>
             <a:r>
-              <a:rPr lang="en-US" altLang="zh-CN" i="1" dirty="0">
+              <a:rPr lang="en-US" altLang="zh-CN" b="1" i="1" dirty="0">
                 <a:solidFill>
-                  <a:srgbClr val="C00000"/>
+                  <a:srgbClr val="FF0000"/>
                 </a:solidFill>
               </a:rPr>
               <a:t>really</a:t>
             </a:r>
             <a:r>
-              <a:rPr lang="zh-CN" altLang="en-US" i="1" dirty="0">
+              <a:rPr lang="zh-CN" altLang="en-US" b="1" i="1" dirty="0">
                 <a:solidFill>
-                  <a:srgbClr val="C00000"/>
+                  <a:srgbClr val="FF0000"/>
                 </a:solidFill>
               </a:rPr>
               <a:t> </a:t>
             </a:r>
             <a:r>
-              <a:rPr lang="en-US" altLang="zh-CN" i="1" dirty="0">
+              <a:rPr lang="en-US" altLang="zh-CN" b="1" i="1" dirty="0" smtClean="0">
                 <a:solidFill>
-                  <a:srgbClr val="C00000"/>
+                  <a:srgbClr val="FF0000"/>
                 </a:solidFill>
               </a:rPr>
-              <a:t>generous</a:t>
-            </a:r>
-            <a:r>
-              <a:rPr lang="zh-CN" altLang="en-US" dirty="0"/>
+              <a:t>nice</a:t>
+            </a:r>
+            <a:r>
+              <a:rPr lang="zh-CN" altLang="en-US" b="1" i="1" dirty="0" smtClean="0">
+                <a:solidFill>
+                  <a:srgbClr val="FF0000"/>
+                </a:solidFill>
+              </a:rPr>
               <a:t> </a:t>
             </a:r>
             <a:r>
-              <a:rPr lang="en-US" altLang="zh-CN" dirty="0"/>
-              <a:t>for</a:t>
-            </a:r>
-            <a:r>
-              <a:rPr lang="zh-CN" altLang="en-US" dirty="0"/>
+              <a:rPr lang="en-US" altLang="zh-CN" dirty="0" smtClean="0"/>
+              <a:t>on</a:t>
+            </a:r>
+            <a:r>
+              <a:rPr lang="zh-CN" altLang="en-US" dirty="0" smtClean="0"/>
               <a:t> </a:t>
             </a:r>
             <a:r>
-              <a:rPr lang="en-US" altLang="zh-CN" dirty="0"/>
+              <a:rPr lang="en-US" altLang="zh-CN" dirty="0" smtClean="0"/>
+              <a:t>grading</a:t>
+            </a:r>
+            <a:r>
+              <a:rPr lang="zh-CN" altLang="en-US" dirty="0" smtClean="0"/>
+              <a:t> </a:t>
+            </a:r>
+            <a:r>
+              <a:rPr lang="en-US" altLang="zh-CN" dirty="0" smtClean="0"/>
               <a:t>HW1</a:t>
             </a:r>
             <a:r>
-              <a:rPr lang="zh-CN" altLang="en-US" dirty="0"/>
+              <a:rPr lang="zh-CN" altLang="en-US" dirty="0" smtClean="0"/>
               <a:t> </a:t>
             </a:r>
             <a:r>
@@ -4525,15 +4538,7 @@
                   <a:srgbClr val="FF0000"/>
                 </a:solidFill>
               </a:rPr>
-              <a:t>❤</a:t>
-            </a:r>
-            <a:r>
-              <a:rPr lang="zh-CN" altLang="en-US" dirty="0" smtClean="0">
-                <a:solidFill>
-                  <a:srgbClr val="FF0000"/>
-                </a:solidFill>
-              </a:rPr>
-              <a:t>❤❤</a:t>
+              <a:t>❤❤❤</a:t>
             </a:r>
             <a:endParaRPr lang="zh-CN" altLang="en-US" dirty="0">
               <a:solidFill>
@@ -4650,6 +4655,1044 @@
 </file>
 
 <file path=ppt/slides/slide10.xml><?xml version="1.0" encoding="utf-8"?>
+<p:sld xmlns:a="http://schemas.openxmlformats.org/drawingml/2006/main" xmlns:r="http://schemas.openxmlformats.org/officeDocument/2006/relationships" xmlns:p="http://schemas.openxmlformats.org/presentationml/2006/main">
+  <p:cSld>
+    <p:spTree>
+      <p:nvGrpSpPr>
+        <p:cNvPr id="1" name=""/>
+        <p:cNvGrpSpPr/>
+        <p:nvPr/>
+      </p:nvGrpSpPr>
+      <p:grpSpPr>
+        <a:xfrm>
+          <a:off x="0" y="0"/>
+          <a:ext cx="0" cy="0"/>
+          <a:chOff x="0" y="0"/>
+          <a:chExt cx="0" cy="0"/>
+        </a:xfrm>
+      </p:grpSpPr>
+      <p:sp>
+        <p:nvSpPr>
+          <p:cNvPr id="3" name="Content Placeholder 2"/>
+          <p:cNvSpPr>
+            <a:spLocks noGrp="1"/>
+          </p:cNvSpPr>
+          <p:nvPr>
+            <p:ph idx="1"/>
+          </p:nvPr>
+        </p:nvSpPr>
+        <p:spPr/>
+        <p:txBody>
+          <a:bodyPr>
+            <a:normAutofit/>
+          </a:bodyPr>
+          <a:lstStyle/>
+          <a:p>
+            <a:r>
+              <a:rPr lang="en-US" altLang="en-US" sz="2000" dirty="0"/>
+              <a:t>How to minimizes the memory requirement and reduced I/</a:t>
+            </a:r>
+            <a:r>
+              <a:rPr lang="en-US" altLang="en-US" sz="2000" dirty="0" err="1"/>
+              <a:t>Os</a:t>
+            </a:r>
+            <a:r>
+              <a:rPr lang="en-US" altLang="en-US" sz="2000" dirty="0" smtClean="0"/>
+              <a:t>?</a:t>
+            </a:r>
+          </a:p>
+          <a:p>
+            <a:pPr lvl="1">
+              <a:lnSpc>
+                <a:spcPct val="120000"/>
+              </a:lnSpc>
+            </a:pPr>
+            <a:r>
+              <a:rPr lang="en-US" altLang="zh-CN" sz="2000" dirty="0">
+                <a:ea typeface="SimSun" pitchFamily="2" charset="-122"/>
+              </a:rPr>
+              <a:t>Keep the </a:t>
+            </a:r>
+            <a:r>
+              <a:rPr lang="en-US" altLang="zh-CN" sz="2000" b="1" dirty="0">
+                <a:ea typeface="SimSun" pitchFamily="2" charset="-122"/>
+              </a:rPr>
+              <a:t>smallest</a:t>
+            </a:r>
+            <a:r>
+              <a:rPr lang="en-US" altLang="zh-CN" sz="2000" dirty="0">
+                <a:ea typeface="SimSun" pitchFamily="2" charset="-122"/>
+              </a:rPr>
+              <a:t> plane in </a:t>
+            </a:r>
+            <a:r>
+              <a:rPr lang="en-US" altLang="zh-CN" sz="2000" b="1" dirty="0">
+                <a:ea typeface="SimSun" pitchFamily="2" charset="-122"/>
+              </a:rPr>
+              <a:t>main </a:t>
+            </a:r>
+            <a:r>
+              <a:rPr lang="en-US" altLang="zh-CN" sz="2000" b="1" dirty="0" smtClean="0">
+                <a:ea typeface="SimSun" pitchFamily="2" charset="-122"/>
+              </a:rPr>
+              <a:t>memory</a:t>
+            </a:r>
+            <a:endParaRPr lang="zh-CN" altLang="en-US" sz="2000" dirty="0">
+              <a:ea typeface="SimSun" pitchFamily="2" charset="-122"/>
+            </a:endParaRPr>
+          </a:p>
+          <a:p>
+            <a:pPr lvl="1">
+              <a:lnSpc>
+                <a:spcPct val="120000"/>
+              </a:lnSpc>
+            </a:pPr>
+            <a:r>
+              <a:rPr lang="en-US" altLang="zh-CN" sz="2000" dirty="0">
+                <a:ea typeface="SimSun" pitchFamily="2" charset="-122"/>
+              </a:rPr>
+              <a:t>F</a:t>
+            </a:r>
+            <a:r>
+              <a:rPr lang="en-US" altLang="zh-CN" sz="2000" dirty="0" smtClean="0">
+                <a:ea typeface="SimSun" pitchFamily="2" charset="-122"/>
+              </a:rPr>
+              <a:t>etch </a:t>
+            </a:r>
+            <a:r>
+              <a:rPr lang="en-US" altLang="zh-CN" sz="2000" dirty="0">
+                <a:ea typeface="SimSun" pitchFamily="2" charset="-122"/>
+              </a:rPr>
+              <a:t>and compute </a:t>
+            </a:r>
+            <a:r>
+              <a:rPr lang="en-US" altLang="zh-CN" sz="2000" b="1" dirty="0">
+                <a:ea typeface="SimSun" pitchFamily="2" charset="-122"/>
+              </a:rPr>
+              <a:t>only one chunk</a:t>
+            </a:r>
+            <a:r>
+              <a:rPr lang="en-US" altLang="zh-CN" sz="2000" dirty="0">
+                <a:ea typeface="SimSun" pitchFamily="2" charset="-122"/>
+              </a:rPr>
+              <a:t> at a time for the </a:t>
+            </a:r>
+            <a:r>
+              <a:rPr lang="en-US" altLang="zh-CN" sz="2000" b="1" dirty="0">
+                <a:ea typeface="SimSun" pitchFamily="2" charset="-122"/>
+              </a:rPr>
+              <a:t>largest</a:t>
+            </a:r>
+            <a:r>
+              <a:rPr lang="en-US" altLang="zh-CN" sz="2000" dirty="0">
+                <a:ea typeface="SimSun" pitchFamily="2" charset="-122"/>
+              </a:rPr>
+              <a:t> plane</a:t>
+            </a:r>
+          </a:p>
+          <a:p>
+            <a:pPr lvl="1">
+              <a:lnSpc>
+                <a:spcPct val="120000"/>
+              </a:lnSpc>
+            </a:pPr>
+            <a:r>
+              <a:rPr lang="en-US" altLang="zh-CN" sz="2000" dirty="0">
+                <a:ea typeface="SimSun" pitchFamily="2" charset="-122"/>
+              </a:rPr>
+              <a:t>The planes should be </a:t>
+            </a:r>
+            <a:r>
+              <a:rPr lang="en-US" altLang="zh-CN" sz="2000" b="1" dirty="0">
+                <a:ea typeface="SimSun" pitchFamily="2" charset="-122"/>
+              </a:rPr>
+              <a:t>sorted</a:t>
+            </a:r>
+            <a:r>
+              <a:rPr lang="en-US" altLang="zh-CN" sz="2000" dirty="0">
+                <a:ea typeface="SimSun" pitchFamily="2" charset="-122"/>
+              </a:rPr>
+              <a:t> and computed according to their </a:t>
+            </a:r>
+            <a:r>
+              <a:rPr lang="en-US" altLang="zh-CN" sz="2000" b="1" dirty="0">
+                <a:ea typeface="SimSun" pitchFamily="2" charset="-122"/>
+              </a:rPr>
+              <a:t>size</a:t>
+            </a:r>
+            <a:r>
+              <a:rPr lang="en-US" altLang="zh-CN" sz="2000" dirty="0">
+                <a:ea typeface="SimSun" pitchFamily="2" charset="-122"/>
+              </a:rPr>
+              <a:t> in ascending </a:t>
+            </a:r>
+            <a:r>
+              <a:rPr lang="en-US" altLang="zh-CN" sz="2000" dirty="0" smtClean="0">
+                <a:ea typeface="SimSun" pitchFamily="2" charset="-122"/>
+              </a:rPr>
+              <a:t>order</a:t>
+            </a:r>
+            <a:endParaRPr lang="en-US" altLang="zh-CN" sz="2000" dirty="0">
+              <a:ea typeface="SimSun" pitchFamily="2" charset="-122"/>
+            </a:endParaRPr>
+          </a:p>
+        </p:txBody>
+      </p:sp>
+      <p:pic>
+        <p:nvPicPr>
+          <p:cNvPr id="5" name="Picture 4"/>
+          <p:cNvPicPr>
+            <a:picLocks noChangeAspect="1" noChangeArrowheads="1"/>
+          </p:cNvPicPr>
+          <p:nvPr/>
+        </p:nvPicPr>
+        <p:blipFill>
+          <a:blip r:embed="rId2">
+            <a:extLst>
+              <a:ext uri="{28A0092B-C50C-407E-A947-70E740481C1C}">
+                <a14:useLocalDpi xmlns:a14="http://schemas.microsoft.com/office/drawing/2010/main" val="0"/>
+              </a:ext>
+            </a:extLst>
+          </a:blip>
+          <a:srcRect/>
+          <a:stretch>
+            <a:fillRect/>
+          </a:stretch>
+        </p:blipFill>
+        <p:spPr>
+          <a:xfrm>
+            <a:off x="2381503" y="3334118"/>
+            <a:ext cx="4171697" cy="3091725"/>
+          </a:xfrm>
+          <a:prstGeom prst="rect">
+            <a:avLst/>
+          </a:prstGeom>
+          <a:noFill/>
+          <a:extLst>
+            <a:ext uri="{909E8E84-426E-40DD-AFC4-6F175D3DCCD1}">
+              <a14:hiddenFill xmlns:a14="http://schemas.microsoft.com/office/drawing/2010/main">
+                <a:solidFill>
+                  <a:schemeClr val="accent1"/>
+                </a:solidFill>
+              </a14:hiddenFill>
+            </a:ext>
+            <a:ext uri="{91240B29-F687-4F45-9708-019B960494DF}">
+              <a14:hiddenLine xmlns:a14="http://schemas.microsoft.com/office/drawing/2010/main" w="9525" cap="flat" cmpd="sng">
+                <a:solidFill>
+                  <a:schemeClr val="tx1"/>
+                </a:solidFill>
+                <a:prstDash val="solid"/>
+                <a:miter lim="800000"/>
+                <a:headEnd type="none" w="med" len="med"/>
+                <a:tailEnd type="none" w="med" len="med"/>
+              </a14:hiddenLine>
+            </a:ext>
+            <a:ext uri="{AF507438-7753-43E0-B8FC-AC1667EBCBE1}">
+              <a14:hiddenEffects xmlns:a14="http://schemas.microsoft.com/office/drawing/2010/main">
+                <a:effectLst>
+                  <a:outerShdw dist="35921" dir="2700000" algn="ctr" rotWithShape="0">
+                    <a:schemeClr val="bg2"/>
+                  </a:outerShdw>
+                </a:effectLst>
+              </a14:hiddenEffects>
+            </a:ext>
+          </a:extLst>
+        </p:spPr>
+      </p:pic>
+      <p:sp>
+        <p:nvSpPr>
+          <p:cNvPr id="7" name="TextBox 6"/>
+          <p:cNvSpPr txBox="1"/>
+          <p:nvPr/>
+        </p:nvSpPr>
+        <p:spPr>
+          <a:xfrm>
+            <a:off x="4755268" y="6044367"/>
+            <a:ext cx="3002845" cy="646331"/>
+          </a:xfrm>
+          <a:prstGeom prst="rect">
+            <a:avLst/>
+          </a:prstGeom>
+          <a:solidFill>
+            <a:srgbClr val="92D050"/>
+          </a:solidFill>
+        </p:spPr>
+        <p:txBody>
+          <a:bodyPr wrap="square" rtlCol="0">
+            <a:spAutoFit/>
+          </a:bodyPr>
+          <a:lstStyle/>
+          <a:p>
+            <a:r>
+              <a:rPr lang="en-US" dirty="0" smtClean="0"/>
+              <a:t>One </a:t>
+            </a:r>
+            <a:r>
+              <a:rPr lang="en-US" b="1" dirty="0" smtClean="0"/>
+              <a:t>column</a:t>
+            </a:r>
+            <a:r>
+              <a:rPr lang="en-US" dirty="0" smtClean="0"/>
+              <a:t> of AC plane</a:t>
+            </a:r>
+            <a:r>
+              <a:rPr lang="en-US" altLang="zh-CN" dirty="0" smtClean="0"/>
+              <a:t>:</a:t>
+            </a:r>
+            <a:endParaRPr lang="zh-CN" altLang="en-US" dirty="0"/>
+          </a:p>
+          <a:p>
+            <a:r>
+              <a:rPr lang="en-US" altLang="zh-CN" dirty="0" smtClean="0"/>
+              <a:t>40</a:t>
+            </a:r>
+            <a:r>
+              <a:rPr lang="zh-CN" altLang="en-US" dirty="0" smtClean="0"/>
+              <a:t> * </a:t>
+            </a:r>
+            <a:r>
+              <a:rPr lang="en-US" altLang="zh-CN" dirty="0" smtClean="0"/>
+              <a:t>(4,000/4)</a:t>
+            </a:r>
+            <a:r>
+              <a:rPr lang="zh-CN" altLang="en-US" dirty="0" smtClean="0"/>
+              <a:t> </a:t>
+            </a:r>
+            <a:r>
+              <a:rPr lang="en-US" altLang="zh-CN" dirty="0" smtClean="0"/>
+              <a:t>=</a:t>
+            </a:r>
+            <a:r>
+              <a:rPr lang="zh-CN" altLang="en-US" dirty="0" smtClean="0"/>
+              <a:t> </a:t>
+            </a:r>
+            <a:r>
+              <a:rPr lang="en-US" altLang="zh-CN" dirty="0" smtClean="0"/>
+              <a:t>40,000</a:t>
+            </a:r>
+            <a:endParaRPr lang="en-US" dirty="0"/>
+          </a:p>
+        </p:txBody>
+      </p:sp>
+      <p:sp>
+        <p:nvSpPr>
+          <p:cNvPr id="9" name="TextBox 8"/>
+          <p:cNvSpPr txBox="1"/>
+          <p:nvPr/>
+        </p:nvSpPr>
+        <p:spPr>
+          <a:xfrm>
+            <a:off x="868072" y="3863181"/>
+            <a:ext cx="2399520" cy="923330"/>
+          </a:xfrm>
+          <a:prstGeom prst="rect">
+            <a:avLst/>
+          </a:prstGeom>
+          <a:solidFill>
+            <a:srgbClr val="FFC000"/>
+          </a:solidFill>
+        </p:spPr>
+        <p:txBody>
+          <a:bodyPr wrap="square" rtlCol="0">
+            <a:spAutoFit/>
+          </a:bodyPr>
+          <a:lstStyle/>
+          <a:p>
+            <a:r>
+              <a:rPr lang="en-US" dirty="0" smtClean="0"/>
+              <a:t>One </a:t>
+            </a:r>
+            <a:r>
+              <a:rPr lang="en-US" b="1" dirty="0" smtClean="0"/>
+              <a:t>chunk</a:t>
+            </a:r>
+            <a:r>
+              <a:rPr lang="en-US" dirty="0" smtClean="0"/>
+              <a:t> of BC</a:t>
+            </a:r>
+            <a:r>
+              <a:rPr lang="zh-CN" altLang="en-US" dirty="0" smtClean="0"/>
+              <a:t> </a:t>
+            </a:r>
+            <a:r>
+              <a:rPr lang="en-US" dirty="0" smtClean="0"/>
+              <a:t>plane</a:t>
+            </a:r>
+            <a:r>
+              <a:rPr lang="en-US" altLang="zh-CN" dirty="0" smtClean="0"/>
+              <a:t>:</a:t>
+            </a:r>
+            <a:endParaRPr lang="zh-CN" altLang="en-US" dirty="0" smtClean="0"/>
+          </a:p>
+          <a:p>
+            <a:r>
+              <a:rPr lang="en-US" altLang="zh-CN" dirty="0" smtClean="0"/>
+              <a:t>(400/4)</a:t>
+            </a:r>
+            <a:r>
+              <a:rPr lang="zh-CN" altLang="en-US" dirty="0" smtClean="0"/>
+              <a:t> * </a:t>
+            </a:r>
+            <a:r>
+              <a:rPr lang="en-US" altLang="zh-CN" dirty="0" smtClean="0"/>
+              <a:t>(4,000/4)</a:t>
+            </a:r>
+            <a:endParaRPr lang="zh-CN" altLang="en-US" dirty="0" smtClean="0"/>
+          </a:p>
+          <a:p>
+            <a:r>
+              <a:rPr lang="en-US" altLang="zh-CN" dirty="0" smtClean="0"/>
+              <a:t>=</a:t>
+            </a:r>
+            <a:r>
+              <a:rPr lang="zh-CN" altLang="en-US" dirty="0" smtClean="0"/>
+              <a:t> </a:t>
+            </a:r>
+            <a:r>
+              <a:rPr lang="en-US" altLang="zh-CN" dirty="0" smtClean="0"/>
+              <a:t>100,000</a:t>
+            </a:r>
+            <a:endParaRPr lang="en-US" dirty="0"/>
+          </a:p>
+        </p:txBody>
+      </p:sp>
+      <p:sp>
+        <p:nvSpPr>
+          <p:cNvPr id="10" name="TextBox 9"/>
+          <p:cNvSpPr txBox="1"/>
+          <p:nvPr/>
+        </p:nvSpPr>
+        <p:spPr>
+          <a:xfrm>
+            <a:off x="4114447" y="3365391"/>
+            <a:ext cx="1507068" cy="384721"/>
+          </a:xfrm>
+          <a:prstGeom prst="rect">
+            <a:avLst/>
+          </a:prstGeom>
+          <a:gradFill flip="none" rotWithShape="1">
+            <a:gsLst>
+              <a:gs pos="0">
+                <a:srgbClr val="94A088">
+                  <a:tint val="66000"/>
+                  <a:satMod val="160000"/>
+                </a:srgbClr>
+              </a:gs>
+              <a:gs pos="50000">
+                <a:srgbClr val="94A088">
+                  <a:tint val="44500"/>
+                  <a:satMod val="160000"/>
+                </a:srgbClr>
+              </a:gs>
+              <a:gs pos="100000">
+                <a:srgbClr val="94A088">
+                  <a:tint val="23500"/>
+                  <a:satMod val="160000"/>
+                </a:srgbClr>
+              </a:gs>
+            </a:gsLst>
+            <a:lin ang="5400000" scaled="1"/>
+            <a:tileRect/>
+          </a:gradFill>
+        </p:spPr>
+        <p:txBody>
+          <a:bodyPr wrap="square" rtlCol="0">
+            <a:spAutoFit/>
+          </a:bodyPr>
+          <a:lstStyle/>
+          <a:p>
+            <a:r>
+              <a:rPr lang="en-US" dirty="0" smtClean="0"/>
+              <a:t>4x4x4 chunks</a:t>
+            </a:r>
+            <a:endParaRPr lang="en-US" dirty="0"/>
+          </a:p>
+        </p:txBody>
+      </p:sp>
+      <p:sp>
+        <p:nvSpPr>
+          <p:cNvPr id="11" name="TextBox 10"/>
+          <p:cNvSpPr txBox="1"/>
+          <p:nvPr/>
+        </p:nvSpPr>
+        <p:spPr>
+          <a:xfrm>
+            <a:off x="6553200" y="3502674"/>
+            <a:ext cx="1794934" cy="923330"/>
+          </a:xfrm>
+          <a:prstGeom prst="rect">
+            <a:avLst/>
+          </a:prstGeom>
+          <a:solidFill>
+            <a:srgbClr val="FFFF00"/>
+          </a:solidFill>
+        </p:spPr>
+        <p:txBody>
+          <a:bodyPr wrap="square" rtlCol="0">
+            <a:spAutoFit/>
+          </a:bodyPr>
+          <a:lstStyle/>
+          <a:p>
+            <a:r>
+              <a:rPr lang="en-US" b="1" dirty="0" smtClean="0">
+                <a:solidFill>
+                  <a:srgbClr val="FF0000"/>
+                </a:solidFill>
+              </a:rPr>
+              <a:t>Entire</a:t>
+            </a:r>
+            <a:r>
+              <a:rPr lang="en-US" dirty="0" smtClean="0">
+                <a:solidFill>
+                  <a:srgbClr val="FF0000"/>
+                </a:solidFill>
+              </a:rPr>
+              <a:t> AB plane</a:t>
+            </a:r>
+            <a:r>
+              <a:rPr lang="en-US" altLang="zh-CN" dirty="0" smtClean="0">
+                <a:solidFill>
+                  <a:srgbClr val="FF0000"/>
+                </a:solidFill>
+              </a:rPr>
+              <a:t>:</a:t>
+            </a:r>
+            <a:r>
+              <a:rPr lang="zh-CN" altLang="en-US" dirty="0" smtClean="0">
+                <a:solidFill>
+                  <a:srgbClr val="FF0000"/>
+                </a:solidFill>
+              </a:rPr>
+              <a:t> </a:t>
+            </a:r>
+            <a:r>
+              <a:rPr lang="en-US" altLang="zh-CN" dirty="0" smtClean="0">
+                <a:solidFill>
+                  <a:srgbClr val="FF0000"/>
+                </a:solidFill>
+              </a:rPr>
+              <a:t>40</a:t>
+            </a:r>
+            <a:r>
+              <a:rPr lang="zh-CN" altLang="en-US" dirty="0" smtClean="0">
+                <a:solidFill>
+                  <a:srgbClr val="FF0000"/>
+                </a:solidFill>
+              </a:rPr>
+              <a:t> * </a:t>
+            </a:r>
+            <a:r>
+              <a:rPr lang="en-US" altLang="zh-CN" dirty="0" smtClean="0">
+                <a:solidFill>
+                  <a:srgbClr val="FF0000"/>
+                </a:solidFill>
+              </a:rPr>
+              <a:t>400</a:t>
+            </a:r>
+            <a:endParaRPr lang="zh-CN" altLang="en-US" dirty="0" smtClean="0">
+              <a:solidFill>
+                <a:srgbClr val="FF0000"/>
+              </a:solidFill>
+            </a:endParaRPr>
+          </a:p>
+          <a:p>
+            <a:r>
+              <a:rPr lang="en-US" altLang="zh-CN" dirty="0" smtClean="0">
+                <a:solidFill>
+                  <a:srgbClr val="FF0000"/>
+                </a:solidFill>
+              </a:rPr>
+              <a:t>=</a:t>
+            </a:r>
+            <a:r>
+              <a:rPr lang="zh-CN" altLang="en-US" dirty="0" smtClean="0">
+                <a:solidFill>
+                  <a:srgbClr val="FF0000"/>
+                </a:solidFill>
+              </a:rPr>
+              <a:t> </a:t>
+            </a:r>
+            <a:r>
+              <a:rPr lang="en-US" altLang="zh-CN" dirty="0" smtClean="0">
+                <a:solidFill>
+                  <a:srgbClr val="FF0000"/>
+                </a:solidFill>
+              </a:rPr>
+              <a:t>16,000</a:t>
+            </a:r>
+            <a:endParaRPr lang="en-US" dirty="0">
+              <a:solidFill>
+                <a:srgbClr val="FF0000"/>
+              </a:solidFill>
+            </a:endParaRPr>
+          </a:p>
+        </p:txBody>
+      </p:sp>
+      <p:sp>
+        <p:nvSpPr>
+          <p:cNvPr id="12" name="TextBox 11"/>
+          <p:cNvSpPr txBox="1"/>
+          <p:nvPr/>
+        </p:nvSpPr>
+        <p:spPr>
+          <a:xfrm>
+            <a:off x="6553200" y="4690859"/>
+            <a:ext cx="2133600" cy="923330"/>
+          </a:xfrm>
+          <a:prstGeom prst="rect">
+            <a:avLst/>
+          </a:prstGeom>
+          <a:gradFill flip="none" rotWithShape="1">
+            <a:gsLst>
+              <a:gs pos="0">
+                <a:schemeClr val="accent1">
+                  <a:tint val="66000"/>
+                  <a:satMod val="160000"/>
+                </a:schemeClr>
+              </a:gs>
+              <a:gs pos="50000">
+                <a:schemeClr val="accent1">
+                  <a:tint val="44500"/>
+                  <a:satMod val="160000"/>
+                </a:schemeClr>
+              </a:gs>
+              <a:gs pos="100000">
+                <a:schemeClr val="accent1">
+                  <a:tint val="23500"/>
+                  <a:satMod val="160000"/>
+                </a:schemeClr>
+              </a:gs>
+            </a:gsLst>
+            <a:path path="circle">
+              <a:fillToRect l="100000" t="100000"/>
+            </a:path>
+            <a:tileRect r="-100000" b="-100000"/>
+          </a:gradFill>
+        </p:spPr>
+        <p:txBody>
+          <a:bodyPr wrap="square" rtlCol="0">
+            <a:spAutoFit/>
+          </a:bodyPr>
+          <a:lstStyle/>
+          <a:p>
+            <a:r>
+              <a:rPr lang="en-US" dirty="0" smtClean="0"/>
+              <a:t>A: 40</a:t>
+            </a:r>
+            <a:r>
+              <a:rPr lang="zh-CN" altLang="en-US" dirty="0" smtClean="0"/>
+              <a:t> </a:t>
+            </a:r>
+            <a:r>
+              <a:rPr lang="en-US" altLang="zh-CN" dirty="0" smtClean="0"/>
+              <a:t>(location)</a:t>
+            </a:r>
+            <a:r>
+              <a:rPr lang="en-US" dirty="0" smtClean="0"/>
+              <a:t>,</a:t>
+            </a:r>
+            <a:endParaRPr lang="zh-CN" altLang="en-US" dirty="0" smtClean="0"/>
+          </a:p>
+          <a:p>
+            <a:r>
+              <a:rPr lang="en-US" dirty="0" smtClean="0"/>
+              <a:t>B: 400</a:t>
+            </a:r>
+            <a:r>
+              <a:rPr lang="zh-CN" altLang="en-US" dirty="0" smtClean="0"/>
+              <a:t> </a:t>
+            </a:r>
+            <a:r>
+              <a:rPr lang="en-US" altLang="zh-CN" dirty="0" smtClean="0"/>
+              <a:t>(item)</a:t>
+            </a:r>
+            <a:r>
+              <a:rPr lang="en-US" dirty="0" smtClean="0"/>
+              <a:t>,</a:t>
+            </a:r>
+            <a:endParaRPr lang="zh-CN" altLang="en-US" dirty="0" smtClean="0"/>
+          </a:p>
+          <a:p>
+            <a:r>
+              <a:rPr lang="en-US" dirty="0" smtClean="0"/>
+              <a:t>C: 4</a:t>
+            </a:r>
+            <a:r>
+              <a:rPr lang="en-US" altLang="zh-CN" dirty="0" smtClean="0"/>
+              <a:t>,</a:t>
+            </a:r>
+            <a:r>
+              <a:rPr lang="en-US" dirty="0" smtClean="0"/>
+              <a:t>000</a:t>
+            </a:r>
+            <a:r>
+              <a:rPr lang="zh-CN" altLang="en-US" dirty="0" smtClean="0"/>
+              <a:t> </a:t>
+            </a:r>
+            <a:r>
+              <a:rPr lang="en-US" altLang="zh-CN" dirty="0" smtClean="0"/>
+              <a:t>(time)</a:t>
+            </a:r>
+            <a:endParaRPr lang="en-US" dirty="0"/>
+          </a:p>
+        </p:txBody>
+      </p:sp>
+      <p:sp>
+        <p:nvSpPr>
+          <p:cNvPr id="2" name="Title 1"/>
+          <p:cNvSpPr>
+            <a:spLocks noGrp="1"/>
+          </p:cNvSpPr>
+          <p:nvPr>
+            <p:ph type="title"/>
+          </p:nvPr>
+        </p:nvSpPr>
+        <p:spPr/>
+        <p:txBody>
+          <a:bodyPr>
+            <a:normAutofit fontScale="90000"/>
+          </a:bodyPr>
+          <a:lstStyle/>
+          <a:p>
+            <a:r>
+              <a:rPr lang="en-US" altLang="zh-CN" dirty="0">
+                <a:ea typeface="SimSun" pitchFamily="2" charset="-122"/>
+              </a:rPr>
+              <a:t>Multi-way Array </a:t>
+            </a:r>
+            <a:r>
+              <a:rPr lang="en-US" altLang="zh-CN" dirty="0" smtClean="0">
+                <a:ea typeface="SimSun" pitchFamily="2" charset="-122"/>
+              </a:rPr>
+              <a:t>Aggregation</a:t>
+            </a:r>
+            <a:br>
+              <a:rPr lang="en-US" altLang="zh-CN" dirty="0" smtClean="0">
+                <a:ea typeface="SimSun" pitchFamily="2" charset="-122"/>
+              </a:rPr>
+            </a:br>
+            <a:r>
+              <a:rPr lang="en-US" altLang="zh-CN" dirty="0" smtClean="0">
+                <a:ea typeface="SimSun" pitchFamily="2" charset="-122"/>
+              </a:rPr>
+              <a:t>(3-D </a:t>
+            </a:r>
+            <a:r>
+              <a:rPr lang="en-US" altLang="zh-CN" dirty="0">
+                <a:ea typeface="SimSun" pitchFamily="2" charset="-122"/>
+              </a:rPr>
+              <a:t>to 2-D)</a:t>
+            </a:r>
+            <a:endParaRPr lang="en-US" dirty="0"/>
+          </a:p>
+        </p:txBody>
+      </p:sp>
+      <p:sp>
+        <p:nvSpPr>
+          <p:cNvPr id="4" name="Slide Number Placeholder 3"/>
+          <p:cNvSpPr>
+            <a:spLocks noGrp="1"/>
+          </p:cNvSpPr>
+          <p:nvPr>
+            <p:ph type="sldNum" sz="quarter" idx="12"/>
+          </p:nvPr>
+        </p:nvSpPr>
+        <p:spPr/>
+        <p:txBody>
+          <a:bodyPr/>
+          <a:lstStyle/>
+          <a:p>
+            <a:fld id="{18A68613-FF0B-4246-B613-8295211CFAFA}" type="slidenum">
+              <a:rPr lang="en-US" smtClean="0"/>
+              <a:t>10</a:t>
+            </a:fld>
+            <a:endParaRPr lang="en-US"/>
+          </a:p>
+        </p:txBody>
+      </p:sp>
+      <p:sp>
+        <p:nvSpPr>
+          <p:cNvPr id="21" name="TextBox 20"/>
+          <p:cNvSpPr txBox="1"/>
+          <p:nvPr/>
+        </p:nvSpPr>
+        <p:spPr>
+          <a:xfrm>
+            <a:off x="103239" y="5719982"/>
+            <a:ext cx="4180392" cy="1077218"/>
+          </a:xfrm>
+          <a:prstGeom prst="rect">
+            <a:avLst/>
+          </a:prstGeom>
+          <a:solidFill>
+            <a:srgbClr val="C00000"/>
+          </a:solidFill>
+        </p:spPr>
+        <p:txBody>
+          <a:bodyPr wrap="square" rtlCol="0">
+            <a:spAutoFit/>
+          </a:bodyPr>
+          <a:lstStyle/>
+          <a:p>
+            <a:r>
+              <a:rPr lang="en-US" altLang="zh-CN" sz="2800" b="1" u="sng" dirty="0" smtClean="0">
+                <a:solidFill>
+                  <a:schemeClr val="bg1"/>
+                </a:solidFill>
+              </a:rPr>
+              <a:t>Min</a:t>
+            </a:r>
+            <a:r>
+              <a:rPr lang="zh-CN" altLang="en-US" sz="2800" b="1" u="sng" dirty="0" smtClean="0">
+                <a:solidFill>
+                  <a:schemeClr val="bg1"/>
+                </a:solidFill>
+              </a:rPr>
+              <a:t> </a:t>
+            </a:r>
+            <a:r>
+              <a:rPr lang="en-US" altLang="zh-CN" sz="2800" b="1" u="sng" dirty="0" smtClean="0">
+                <a:solidFill>
+                  <a:schemeClr val="bg1"/>
+                </a:solidFill>
+              </a:rPr>
+              <a:t>memory</a:t>
+            </a:r>
+            <a:r>
+              <a:rPr lang="zh-CN" altLang="en-US" sz="2800" b="1" u="sng" dirty="0" smtClean="0">
+                <a:solidFill>
+                  <a:schemeClr val="bg1"/>
+                </a:solidFill>
+              </a:rPr>
+              <a:t> </a:t>
+            </a:r>
+            <a:r>
+              <a:rPr lang="en-US" altLang="zh-CN" sz="2800" b="1" u="sng" dirty="0" smtClean="0">
+                <a:solidFill>
+                  <a:schemeClr val="bg1"/>
+                </a:solidFill>
+              </a:rPr>
+              <a:t>size:</a:t>
+            </a:r>
+            <a:r>
+              <a:rPr lang="zh-CN" altLang="en-US" sz="2800" b="1" u="sng" dirty="0">
+                <a:solidFill>
+                  <a:schemeClr val="bg1"/>
+                </a:solidFill>
+              </a:rPr>
+              <a:t> </a:t>
+            </a:r>
+            <a:r>
+              <a:rPr lang="en-US" altLang="zh-CN" sz="2800" b="1" u="sng" dirty="0" smtClean="0">
+                <a:solidFill>
+                  <a:schemeClr val="bg1"/>
+                </a:solidFill>
+              </a:rPr>
+              <a:t>156,000</a:t>
+            </a:r>
+            <a:endParaRPr lang="zh-CN" altLang="en-US" sz="2800" b="1" u="sng" dirty="0">
+              <a:solidFill>
+                <a:schemeClr val="bg1"/>
+              </a:solidFill>
+            </a:endParaRPr>
+          </a:p>
+          <a:p>
+            <a:r>
+              <a:rPr lang="en-US" altLang="zh-CN" dirty="0" smtClean="0">
+                <a:solidFill>
+                  <a:schemeClr val="bg1"/>
+                </a:solidFill>
+              </a:rPr>
+              <a:t>&lt;</a:t>
+            </a:r>
+            <a:r>
+              <a:rPr lang="zh-CN" altLang="en-US" dirty="0" smtClean="0">
+                <a:solidFill>
+                  <a:schemeClr val="bg1"/>
+                </a:solidFill>
+              </a:rPr>
+              <a:t> </a:t>
+            </a:r>
+            <a:r>
+              <a:rPr lang="en-US" altLang="zh-CN" dirty="0" smtClean="0">
+                <a:solidFill>
+                  <a:schemeClr val="bg1"/>
+                </a:solidFill>
+              </a:rPr>
+              <a:t>40</a:t>
+            </a:r>
+            <a:r>
+              <a:rPr lang="zh-CN" altLang="en-US" dirty="0" smtClean="0">
+                <a:solidFill>
+                  <a:schemeClr val="bg1"/>
+                </a:solidFill>
+              </a:rPr>
+              <a:t>*</a:t>
+            </a:r>
+            <a:r>
+              <a:rPr lang="en-US" altLang="zh-CN" dirty="0" smtClean="0">
+                <a:solidFill>
+                  <a:schemeClr val="bg1"/>
+                </a:solidFill>
+              </a:rPr>
+              <a:t>400</a:t>
+            </a:r>
+            <a:r>
+              <a:rPr lang="zh-CN" altLang="en-US" dirty="0" smtClean="0">
+                <a:solidFill>
+                  <a:schemeClr val="bg1"/>
+                </a:solidFill>
+              </a:rPr>
+              <a:t> </a:t>
+            </a:r>
+            <a:r>
+              <a:rPr lang="en-US" altLang="zh-CN" dirty="0" smtClean="0">
+                <a:solidFill>
+                  <a:schemeClr val="bg1"/>
+                </a:solidFill>
+              </a:rPr>
+              <a:t>+</a:t>
+            </a:r>
+            <a:r>
+              <a:rPr lang="zh-CN" altLang="en-US" dirty="0" smtClean="0">
+                <a:solidFill>
+                  <a:schemeClr val="bg1"/>
+                </a:solidFill>
+              </a:rPr>
+              <a:t> </a:t>
+            </a:r>
+            <a:r>
+              <a:rPr lang="en-US" altLang="zh-CN" dirty="0" smtClean="0">
+                <a:solidFill>
+                  <a:schemeClr val="bg1"/>
+                </a:solidFill>
+              </a:rPr>
+              <a:t>400</a:t>
+            </a:r>
+            <a:r>
+              <a:rPr lang="zh-CN" altLang="en-US" dirty="0" smtClean="0">
+                <a:solidFill>
+                  <a:schemeClr val="bg1"/>
+                </a:solidFill>
+              </a:rPr>
+              <a:t>*</a:t>
+            </a:r>
+            <a:r>
+              <a:rPr lang="en-US" altLang="zh-CN" dirty="0" smtClean="0">
+                <a:solidFill>
+                  <a:schemeClr val="bg1"/>
+                </a:solidFill>
+              </a:rPr>
+              <a:t>4,000</a:t>
+            </a:r>
+            <a:r>
+              <a:rPr lang="zh-CN" altLang="en-US" dirty="0" smtClean="0">
+                <a:solidFill>
+                  <a:schemeClr val="bg1"/>
+                </a:solidFill>
+              </a:rPr>
+              <a:t> </a:t>
+            </a:r>
+            <a:r>
+              <a:rPr lang="en-US" altLang="zh-CN" dirty="0" smtClean="0">
+                <a:solidFill>
+                  <a:schemeClr val="bg1"/>
+                </a:solidFill>
+              </a:rPr>
+              <a:t>+</a:t>
+            </a:r>
+            <a:r>
+              <a:rPr lang="zh-CN" altLang="en-US" dirty="0" smtClean="0">
+                <a:solidFill>
+                  <a:schemeClr val="bg1"/>
+                </a:solidFill>
+              </a:rPr>
+              <a:t> </a:t>
+            </a:r>
+            <a:r>
+              <a:rPr lang="en-US" altLang="zh-CN" dirty="0" smtClean="0">
+                <a:solidFill>
+                  <a:schemeClr val="bg1"/>
+                </a:solidFill>
+              </a:rPr>
+              <a:t>40</a:t>
+            </a:r>
+            <a:r>
+              <a:rPr lang="zh-CN" altLang="en-US" dirty="0" smtClean="0">
+                <a:solidFill>
+                  <a:schemeClr val="bg1"/>
+                </a:solidFill>
+              </a:rPr>
+              <a:t> * </a:t>
+            </a:r>
+            <a:r>
+              <a:rPr lang="en-US" altLang="zh-CN" dirty="0" smtClean="0">
+                <a:solidFill>
+                  <a:schemeClr val="bg1"/>
+                </a:solidFill>
+              </a:rPr>
+              <a:t>4,000</a:t>
+            </a:r>
+            <a:endParaRPr lang="zh-CN" altLang="en-US" dirty="0">
+              <a:solidFill>
+                <a:schemeClr val="bg1"/>
+              </a:solidFill>
+            </a:endParaRPr>
+          </a:p>
+          <a:p>
+            <a:r>
+              <a:rPr lang="en-US" altLang="zh-CN" dirty="0" smtClean="0">
+                <a:solidFill>
+                  <a:schemeClr val="bg1"/>
+                </a:solidFill>
+              </a:rPr>
+              <a:t>=</a:t>
+            </a:r>
+            <a:r>
+              <a:rPr lang="zh-CN" altLang="en-US" dirty="0" smtClean="0">
+                <a:solidFill>
+                  <a:schemeClr val="bg1"/>
+                </a:solidFill>
+              </a:rPr>
+              <a:t> </a:t>
+            </a:r>
+            <a:r>
+              <a:rPr lang="en-US" altLang="zh-CN" dirty="0" smtClean="0">
+                <a:solidFill>
+                  <a:schemeClr val="bg1"/>
+                </a:solidFill>
+              </a:rPr>
+              <a:t>1,776,000</a:t>
+            </a:r>
+            <a:endParaRPr lang="zh-CN" altLang="en-US" dirty="0" smtClean="0">
+              <a:solidFill>
+                <a:schemeClr val="bg1"/>
+              </a:solidFill>
+            </a:endParaRPr>
+          </a:p>
+        </p:txBody>
+      </p:sp>
+    </p:spTree>
+    <p:extLst>
+      <p:ext uri="{BB962C8B-B14F-4D97-AF65-F5344CB8AC3E}">
+        <p14:creationId xmlns:p14="http://schemas.microsoft.com/office/powerpoint/2010/main" val="928780324"/>
+      </p:ext>
+    </p:extLst>
+  </p:cSld>
+  <p:clrMapOvr>
+    <a:masterClrMapping/>
+  </p:clrMapOvr>
+  <p:timing>
+    <p:tnLst>
+      <p:par>
+        <p:cTn id="1" dur="indefinite" restart="never" nodeType="tmRoot"/>
+      </p:par>
+    </p:tnLst>
+  </p:timing>
+</p:sld>
+</file>
+
+<file path=ppt/slides/slide11.xml><?xml version="1.0" encoding="utf-8"?>
 <p:sld xmlns:a="http://schemas.openxmlformats.org/drawingml/2006/main" xmlns:r="http://schemas.openxmlformats.org/officeDocument/2006/relationships" xmlns:p="http://schemas.openxmlformats.org/presentationml/2006/main">
   <p:cSld>
     <p:spTree>
@@ -4684,7 +5727,7 @@
           <a:graphicData uri="http://schemas.openxmlformats.org/presentationml/2006/ole">
             <mc:AlternateContent xmlns:mc="http://schemas.openxmlformats.org/markup-compatibility/2006">
               <mc:Choice xmlns:v="urn:schemas-microsoft-com:vml" Requires="v">
-                <p:oleObj spid="_x0000_s2096" name="SmartDraw" r:id="rId3" imgW="2721864" imgH="3043428" progId="SmartDraw.2">
+                <p:oleObj spid="_x0000_s2102" name="SmartDraw" r:id="rId3" imgW="2721864" imgH="3043428" progId="SmartDraw.2">
                   <p:embed/>
                 </p:oleObj>
               </mc:Choice>
@@ -5050,7 +6093,7 @@
           <a:p>
             <a:fld id="{18A68613-FF0B-4246-B613-8295211CFAFA}" type="slidenum">
               <a:rPr lang="en-US" smtClean="0"/>
-              <a:t>10</a:t>
+              <a:t>11</a:t>
             </a:fld>
             <a:endParaRPr lang="en-US"/>
           </a:p>
@@ -5149,7 +6192,7 @@
 </p:sld>
 </file>
 
-<file path=ppt/slides/slide11.xml><?xml version="1.0" encoding="utf-8"?>
+<file path=ppt/slides/slide12.xml><?xml version="1.0" encoding="utf-8"?>
 <p:sld xmlns:a="http://schemas.openxmlformats.org/drawingml/2006/main" xmlns:r="http://schemas.openxmlformats.org/officeDocument/2006/relationships" xmlns:p="http://schemas.openxmlformats.org/presentationml/2006/main">
   <p:cSld>
     <p:spTree>
@@ -5511,7 +6554,7 @@
           <a:p>
             <a:fld id="{18A68613-FF0B-4246-B613-8295211CFAFA}" type="slidenum">
               <a:rPr lang="en-US" smtClean="0"/>
-              <a:t>11</a:t>
+              <a:t>12</a:t>
             </a:fld>
             <a:endParaRPr lang="en-US"/>
           </a:p>
@@ -5539,7 +6582,7 @@
           <a:graphicData uri="http://schemas.openxmlformats.org/presentationml/2006/ole">
             <mc:AlternateContent xmlns:mc="http://schemas.openxmlformats.org/markup-compatibility/2006">
               <mc:Choice xmlns:v="urn:schemas-microsoft-com:vml" Requires="v">
-                <p:oleObj spid="_x0000_s7196" name="SmartDraw" r:id="rId3" imgW="3177540" imgH="2816352" progId="SmartDraw.2">
+                <p:oleObj spid="_x0000_s7202" name="SmartDraw" r:id="rId3" imgW="3177540" imgH="2816352" progId="SmartDraw.2">
                   <p:embed/>
                 </p:oleObj>
               </mc:Choice>
@@ -5673,7 +6716,7 @@
 </p:sld>
 </file>
 
-<file path=ppt/slides/slide12.xml><?xml version="1.0" encoding="utf-8"?>
+<file path=ppt/slides/slide13.xml><?xml version="1.0" encoding="utf-8"?>
 <p:sld xmlns:a="http://schemas.openxmlformats.org/drawingml/2006/main" xmlns:r="http://schemas.openxmlformats.org/officeDocument/2006/relationships" xmlns:p="http://schemas.openxmlformats.org/presentationml/2006/main">
   <p:cSld>
     <p:spTree>
@@ -5994,7 +7037,7 @@
           <a:p>
             <a:fld id="{18A68613-FF0B-4246-B613-8295211CFAFA}" type="slidenum">
               <a:rPr lang="en-US" smtClean="0"/>
-              <a:t>12</a:t>
+              <a:t>13</a:t>
             </a:fld>
             <a:endParaRPr lang="en-US"/>
           </a:p>
@@ -6013,7 +7056,7 @@
 </p:sld>
 </file>
 
-<file path=ppt/slides/slide13.xml><?xml version="1.0" encoding="utf-8"?>
+<file path=ppt/slides/slide14.xml><?xml version="1.0" encoding="utf-8"?>
 <p:sld xmlns:a="http://schemas.openxmlformats.org/drawingml/2006/main" xmlns:r="http://schemas.openxmlformats.org/officeDocument/2006/relationships" xmlns:p="http://schemas.openxmlformats.org/presentationml/2006/main">
   <p:cSld>
     <p:spTree>
@@ -6135,7 +7178,7 @@
           <a:p>
             <a:fld id="{18A68613-FF0B-4246-B613-8295211CFAFA}" type="slidenum">
               <a:rPr lang="en-US" smtClean="0"/>
-              <a:t>13</a:t>
+              <a:t>14</a:t>
             </a:fld>
             <a:endParaRPr lang="en-US"/>
           </a:p>
@@ -6154,7 +7197,7 @@
 </p:sld>
 </file>
 
-<file path=ppt/slides/slide14.xml><?xml version="1.0" encoding="utf-8"?>
+<file path=ppt/slides/slide15.xml><?xml version="1.0" encoding="utf-8"?>
 <p:sld xmlns:a="http://schemas.openxmlformats.org/drawingml/2006/main" xmlns:r="http://schemas.openxmlformats.org/officeDocument/2006/relationships" xmlns:p="http://schemas.openxmlformats.org/presentationml/2006/main">
   <p:cSld>
     <p:spTree>
@@ -6188,7 +7231,7 @@
           <a:p>
             <a:fld id="{18A68613-FF0B-4246-B613-8295211CFAFA}" type="slidenum">
               <a:rPr lang="en-US" smtClean="0"/>
-              <a:t>14</a:t>
+              <a:t>15</a:t>
             </a:fld>
             <a:endParaRPr lang="en-US"/>
           </a:p>
@@ -6408,7 +7451,7 @@
 </p:sld>
 </file>
 
-<file path=ppt/slides/slide15.xml><?xml version="1.0" encoding="utf-8"?>
+<file path=ppt/slides/slide16.xml><?xml version="1.0" encoding="utf-8"?>
 <p:sld xmlns:a="http://schemas.openxmlformats.org/drawingml/2006/main" xmlns:r="http://schemas.openxmlformats.org/officeDocument/2006/relationships" xmlns:p="http://schemas.openxmlformats.org/presentationml/2006/main">
   <p:cSld>
     <p:spTree>
@@ -6569,7 +7612,7 @@
           <a:p>
             <a:fld id="{18A68613-FF0B-4246-B613-8295211CFAFA}" type="slidenum">
               <a:rPr lang="en-US" smtClean="0"/>
-              <a:t>15</a:t>
+              <a:t>16</a:t>
             </a:fld>
             <a:endParaRPr lang="en-US"/>
           </a:p>
@@ -6648,7 +7691,7 @@
 </p:sld>
 </file>
 
-<file path=ppt/slides/slide16.xml><?xml version="1.0" encoding="utf-8"?>
+<file path=ppt/slides/slide17.xml><?xml version="1.0" encoding="utf-8"?>
 <p:sld xmlns:a="http://schemas.openxmlformats.org/drawingml/2006/main" xmlns:r="http://schemas.openxmlformats.org/officeDocument/2006/relationships" xmlns:p="http://schemas.openxmlformats.org/presentationml/2006/main">
   <p:cSld>
     <p:spTree>
@@ -6906,7 +7949,7 @@
           <a:p>
             <a:fld id="{18A68613-FF0B-4246-B613-8295211CFAFA}" type="slidenum">
               <a:rPr lang="en-US" smtClean="0"/>
-              <a:t>16</a:t>
+              <a:t>17</a:t>
             </a:fld>
             <a:endParaRPr lang="en-US"/>
           </a:p>
@@ -6985,197 +8028,6 @@
 </p:sld>
 </file>
 
-<file path=ppt/slides/slide17.xml><?xml version="1.0" encoding="utf-8"?>
-<p:sld xmlns:a="http://schemas.openxmlformats.org/drawingml/2006/main" xmlns:r="http://schemas.openxmlformats.org/officeDocument/2006/relationships" xmlns:p="http://schemas.openxmlformats.org/presentationml/2006/main">
-  <p:cSld>
-    <p:spTree>
-      <p:nvGrpSpPr>
-        <p:cNvPr id="1" name=""/>
-        <p:cNvGrpSpPr/>
-        <p:nvPr/>
-      </p:nvGrpSpPr>
-      <p:grpSpPr>
-        <a:xfrm>
-          <a:off x="0" y="0"/>
-          <a:ext cx="0" cy="0"/>
-          <a:chOff x="0" y="0"/>
-          <a:chExt cx="0" cy="0"/>
-        </a:xfrm>
-      </p:grpSpPr>
-      <p:sp>
-        <p:nvSpPr>
-          <p:cNvPr id="2" name="Title 1"/>
-          <p:cNvSpPr>
-            <a:spLocks noGrp="1"/>
-          </p:cNvSpPr>
-          <p:nvPr>
-            <p:ph type="title"/>
-          </p:nvPr>
-        </p:nvSpPr>
-        <p:spPr/>
-        <p:txBody>
-          <a:bodyPr/>
-          <a:lstStyle/>
-          <a:p>
-            <a:r>
-              <a:rPr lang="en-US" altLang="zh-CN" dirty="0" smtClean="0"/>
-              <a:t>(1)</a:t>
-            </a:r>
-            <a:r>
-              <a:rPr lang="zh-CN" altLang="en-US" dirty="0" smtClean="0"/>
-              <a:t> </a:t>
-            </a:r>
-            <a:r>
-              <a:rPr lang="en-US" altLang="zh-CN" dirty="0" smtClean="0"/>
-              <a:t>Subject-Oriented</a:t>
-            </a:r>
-            <a:endParaRPr lang="en-US" dirty="0"/>
-          </a:p>
-        </p:txBody>
-      </p:sp>
-      <p:sp>
-        <p:nvSpPr>
-          <p:cNvPr id="3" name="Content Placeholder 2"/>
-          <p:cNvSpPr>
-            <a:spLocks noGrp="1"/>
-          </p:cNvSpPr>
-          <p:nvPr>
-            <p:ph idx="1"/>
-          </p:nvPr>
-        </p:nvSpPr>
-        <p:spPr/>
-        <p:txBody>
-          <a:bodyPr>
-            <a:normAutofit fontScale="92500" lnSpcReduction="20000"/>
-          </a:bodyPr>
-          <a:lstStyle/>
-          <a:p>
-            <a:pPr>
-              <a:lnSpc>
-                <a:spcPct val="130000"/>
-              </a:lnSpc>
-            </a:pPr>
-            <a:r>
-              <a:rPr lang="en-US" altLang="en-US" dirty="0"/>
-              <a:t>Organized around major subjects, such as </a:t>
-            </a:r>
-            <a:r>
-              <a:rPr lang="en-US" altLang="en-US" dirty="0">
-                <a:solidFill>
-                  <a:srgbClr val="FF0000"/>
-                </a:solidFill>
-              </a:rPr>
-              <a:t>customer, product, sales</a:t>
-            </a:r>
-          </a:p>
-          <a:p>
-            <a:pPr>
-              <a:lnSpc>
-                <a:spcPct val="130000"/>
-              </a:lnSpc>
-            </a:pPr>
-            <a:r>
-              <a:rPr lang="en-US" altLang="en-US" dirty="0"/>
-              <a:t>Focusing on the modeling and analysis of data for </a:t>
-            </a:r>
-            <a:r>
-              <a:rPr lang="en-US" altLang="en-US" u="sng" dirty="0"/>
-              <a:t>decision makers</a:t>
-            </a:r>
-            <a:r>
-              <a:rPr lang="en-US" altLang="en-US" dirty="0"/>
-              <a:t>, </a:t>
-            </a:r>
-            <a:r>
-              <a:rPr lang="en-US" altLang="en-US" dirty="0" smtClean="0"/>
-              <a:t>NOT on </a:t>
-            </a:r>
-            <a:r>
-              <a:rPr lang="en-US" altLang="en-US" u="sng" dirty="0"/>
-              <a:t>daily operations</a:t>
-            </a:r>
-            <a:r>
-              <a:rPr lang="en-US" altLang="en-US" dirty="0"/>
-              <a:t> or </a:t>
-            </a:r>
-            <a:r>
-              <a:rPr lang="en-US" altLang="en-US" u="sng" dirty="0"/>
-              <a:t>transaction processing</a:t>
-            </a:r>
-          </a:p>
-          <a:p>
-            <a:pPr>
-              <a:lnSpc>
-                <a:spcPct val="130000"/>
-              </a:lnSpc>
-            </a:pPr>
-            <a:r>
-              <a:rPr lang="en-US" altLang="en-US" dirty="0"/>
-              <a:t>Provide </a:t>
-            </a:r>
-            <a:r>
-              <a:rPr lang="en-US" altLang="en-US" dirty="0">
-                <a:solidFill>
-                  <a:schemeClr val="hlink"/>
-                </a:solidFill>
-              </a:rPr>
-              <a:t>a simple and concise</a:t>
-            </a:r>
-            <a:r>
-              <a:rPr lang="en-US" altLang="en-US" dirty="0"/>
-              <a:t> view around particular subject issues by </a:t>
-            </a:r>
-            <a:r>
-              <a:rPr lang="en-US" altLang="en-US" dirty="0">
-                <a:solidFill>
-                  <a:schemeClr val="hlink"/>
-                </a:solidFill>
-              </a:rPr>
-              <a:t>excluding data that are not useful in the decision support process</a:t>
-            </a:r>
-            <a:endParaRPr lang="en-US" altLang="en-US" dirty="0"/>
-          </a:p>
-          <a:p>
-            <a:endParaRPr lang="en-US" dirty="0"/>
-          </a:p>
-        </p:txBody>
-      </p:sp>
-      <p:sp>
-        <p:nvSpPr>
-          <p:cNvPr id="4" name="Slide Number Placeholder 3"/>
-          <p:cNvSpPr>
-            <a:spLocks noGrp="1"/>
-          </p:cNvSpPr>
-          <p:nvPr>
-            <p:ph type="sldNum" sz="quarter" idx="12"/>
-          </p:nvPr>
-        </p:nvSpPr>
-        <p:spPr/>
-        <p:txBody>
-          <a:bodyPr/>
-          <a:lstStyle/>
-          <a:p>
-            <a:fld id="{18A68613-FF0B-4246-B613-8295211CFAFA}" type="slidenum">
-              <a:rPr lang="en-US" smtClean="0"/>
-              <a:t>17</a:t>
-            </a:fld>
-            <a:endParaRPr lang="en-US"/>
-          </a:p>
-        </p:txBody>
-      </p:sp>
-    </p:spTree>
-    <p:extLst>
-      <p:ext uri="{BB962C8B-B14F-4D97-AF65-F5344CB8AC3E}">
-        <p14:creationId xmlns:p14="http://schemas.microsoft.com/office/powerpoint/2010/main" val="1669376184"/>
-      </p:ext>
-    </p:extLst>
-  </p:cSld>
-  <p:clrMapOvr>
-    <a:masterClrMapping/>
-  </p:clrMapOvr>
-</p:sld>
-</file>
-
 <file path=ppt/slides/slide18.xml><?xml version="1.0" encoding="utf-8"?>
 <p:sld xmlns:a="http://schemas.openxmlformats.org/drawingml/2006/main" xmlns:r="http://schemas.openxmlformats.org/officeDocument/2006/relationships" xmlns:p="http://schemas.openxmlformats.org/presentationml/2006/main">
   <p:cSld>
@@ -7209,16 +8061,16 @@
           <a:lstStyle/>
           <a:p>
             <a:r>
-              <a:rPr lang="en-US" altLang="zh-CN" smtClean="0"/>
-              <a:t>(2)</a:t>
-            </a:r>
-            <a:r>
-              <a:rPr lang="zh-CN" altLang="en-US" smtClean="0"/>
+              <a:rPr lang="en-US" altLang="zh-CN" dirty="0" smtClean="0"/>
+              <a:t>(1)</a:t>
+            </a:r>
+            <a:r>
+              <a:rPr lang="zh-CN" altLang="en-US" dirty="0" smtClean="0"/>
               <a:t> </a:t>
             </a:r>
             <a:r>
-              <a:rPr lang="en-US" altLang="zh-CN" smtClean="0"/>
-              <a:t>Integrated</a:t>
+              <a:rPr lang="en-US" altLang="zh-CN" dirty="0" smtClean="0"/>
+              <a:t>Subject-Oriented</a:t>
             </a:r>
             <a:endParaRPr lang="en-US" dirty="0"/>
           </a:p>
@@ -7237,62 +8089,97 @@
         <p:spPr/>
         <p:txBody>
           <a:bodyPr>
-            <a:normAutofit/>
+            <a:normAutofit fontScale="92500" lnSpcReduction="20000"/>
           </a:bodyPr>
           <a:lstStyle/>
           <a:p>
-            <a:r>
-              <a:rPr lang="en-US" altLang="en-US" sz="2800" dirty="0" smtClean="0"/>
-              <a:t>Constructed by integrating multiple, heterogeneous data sources</a:t>
-            </a:r>
-          </a:p>
-          <a:p>
-            <a:pPr lvl="1"/>
-            <a:r>
-              <a:rPr lang="en-US" altLang="en-US" sz="2400" dirty="0" smtClean="0"/>
-              <a:t>relational databases, flat files, on-line transaction records</a:t>
-            </a:r>
-          </a:p>
-          <a:p>
-            <a:r>
-              <a:rPr lang="en-US" altLang="en-US" sz="2800" dirty="0" smtClean="0"/>
-              <a:t>Data cleaning and data integration techniques are applied</a:t>
-            </a:r>
-          </a:p>
-          <a:p>
-            <a:pPr lvl="1"/>
-            <a:r>
-              <a:rPr lang="en-US" altLang="en-US" sz="2400" dirty="0" smtClean="0"/>
-              <a:t>Ensure </a:t>
-            </a:r>
-            <a:r>
-              <a:rPr lang="en-US" altLang="en-US" sz="2400" b="1" dirty="0" smtClean="0">
+            <a:pPr>
+              <a:lnSpc>
+                <a:spcPct val="130000"/>
+              </a:lnSpc>
+            </a:pPr>
+            <a:r>
+              <a:rPr lang="en-US" altLang="en-US" dirty="0"/>
+              <a:t>Organized around major subjects, such as </a:t>
+            </a:r>
+            <a:r>
+              <a:rPr lang="en-US" altLang="en-US" dirty="0">
                 <a:solidFill>
-                  <a:srgbClr val="C00000"/>
+                  <a:srgbClr val="FF0000"/>
                 </a:solidFill>
               </a:rPr>
-              <a:t>consistency</a:t>
-            </a:r>
-            <a:r>
-              <a:rPr lang="en-US" altLang="en-US" sz="2400" dirty="0" smtClean="0">
+              <a:t>customer, product, sales</a:t>
+            </a:r>
+          </a:p>
+          <a:p>
+            <a:pPr>
+              <a:lnSpc>
+                <a:spcPct val="130000"/>
+              </a:lnSpc>
+            </a:pPr>
+            <a:r>
+              <a:rPr lang="en-US" altLang="en-US" dirty="0"/>
+              <a:t>Focusing on the modeling and analysis of data for </a:t>
+            </a:r>
+            <a:r>
+              <a:rPr lang="en-US" altLang="en-US" u="sng" dirty="0"/>
+              <a:t>decision makers</a:t>
+            </a:r>
+            <a:r>
+              <a:rPr lang="en-US" altLang="en-US" dirty="0"/>
+              <a:t>, </a:t>
+            </a:r>
+            <a:r>
+              <a:rPr lang="en-US" altLang="en-US" dirty="0" smtClean="0"/>
+              <a:t>NOT on </a:t>
+            </a:r>
+            <a:r>
+              <a:rPr lang="en-US" altLang="en-US" u="sng" dirty="0"/>
+              <a:t>daily operations</a:t>
+            </a:r>
+            <a:r>
+              <a:rPr lang="en-US" altLang="en-US" dirty="0"/>
+              <a:t> or </a:t>
+            </a:r>
+            <a:r>
+              <a:rPr lang="en-US" altLang="en-US" u="sng" dirty="0"/>
+              <a:t>transaction processing</a:t>
+            </a:r>
+          </a:p>
+          <a:p>
+            <a:pPr>
+              <a:lnSpc>
+                <a:spcPct val="130000"/>
+              </a:lnSpc>
+            </a:pPr>
+            <a:r>
+              <a:rPr lang="en-US" altLang="en-US" dirty="0"/>
+              <a:t>Provide </a:t>
+            </a:r>
+            <a:r>
+              <a:rPr lang="en-US" altLang="en-US" dirty="0">
                 <a:solidFill>
-                  <a:srgbClr val="C00000"/>
+                  <a:schemeClr val="hlink"/>
                 </a:solidFill>
               </a:rPr>
-              <a:t> </a:t>
-            </a:r>
-            <a:r>
-              <a:rPr lang="en-US" altLang="en-US" sz="2400" dirty="0" smtClean="0"/>
-              <a:t>in naming conventions, encoding structures, attribute measures, etc. among different data sources</a:t>
-            </a:r>
-          </a:p>
-          <a:p>
-            <a:pPr lvl="2"/>
-            <a:r>
-              <a:rPr lang="en-US" altLang="en-US" dirty="0" smtClean="0"/>
-              <a:t>Ex. Hotel price: differences on currency, tax, breakfast covered, and parking</a:t>
+              <a:t>a simple and concise</a:t>
+            </a:r>
+            <a:r>
+              <a:rPr lang="en-US" altLang="en-US" dirty="0"/>
+              <a:t> view around particular subject issues by </a:t>
+            </a:r>
+            <a:r>
+              <a:rPr lang="en-US" altLang="en-US" dirty="0">
+                <a:solidFill>
+                  <a:schemeClr val="hlink"/>
+                </a:solidFill>
+              </a:rPr>
+              <a:t>excluding data that are not useful in the decision support process</a:t>
             </a:r>
             <a:endParaRPr lang="en-US" altLang="en-US" dirty="0"/>
+          </a:p>
+          <a:p>
+            <a:endParaRPr lang="en-US" dirty="0"/>
           </a:p>
         </p:txBody>
       </p:sp>
@@ -7313,7 +8200,6 @@
           <a:p>
             <a:fld id="{18A68613-FF0B-4246-B613-8295211CFAFA}" type="slidenum">
               <a:rPr lang="en-US" smtClean="0"/>
-              <a:pPr/>
               <a:t>18</a:t>
             </a:fld>
             <a:endParaRPr lang="en-US"/>
@@ -7323,7 +8209,7 @@
     </p:spTree>
     <p:extLst>
       <p:ext uri="{BB962C8B-B14F-4D97-AF65-F5344CB8AC3E}">
-        <p14:creationId xmlns:p14="http://schemas.microsoft.com/office/powerpoint/2010/main" val="331676433"/>
+        <p14:creationId xmlns:p14="http://schemas.microsoft.com/office/powerpoint/2010/main" val="1669376184"/>
       </p:ext>
     </p:extLst>
   </p:cSld>
@@ -7366,16 +8252,16 @@
           <a:lstStyle/>
           <a:p>
             <a:r>
-              <a:rPr lang="en-US" altLang="zh-CN" dirty="0" smtClean="0"/>
-              <a:t>(3)</a:t>
-            </a:r>
-            <a:r>
-              <a:rPr lang="zh-CN" altLang="en-US" dirty="0" smtClean="0"/>
+              <a:rPr lang="en-US" altLang="zh-CN" smtClean="0"/>
+              <a:t>(2)</a:t>
+            </a:r>
+            <a:r>
+              <a:rPr lang="zh-CN" altLang="en-US" smtClean="0"/>
               <a:t> </a:t>
             </a:r>
             <a:r>
-              <a:rPr lang="en-US" altLang="zh-CN" dirty="0" smtClean="0"/>
-              <a:t>Time-Variant</a:t>
+              <a:rPr lang="en-US" altLang="zh-CN" smtClean="0"/>
+              <a:t>Integrated</a:t>
             </a:r>
             <a:endParaRPr lang="en-US" dirty="0"/>
           </a:p>
@@ -7393,28 +8279,45 @@
         </p:nvSpPr>
         <p:spPr/>
         <p:txBody>
-          <a:bodyPr/>
+          <a:bodyPr>
+            <a:normAutofit/>
+          </a:bodyPr>
           <a:lstStyle/>
           <a:p>
-            <a:pPr>
-              <a:lnSpc>
-                <a:spcPct val="120000"/>
-              </a:lnSpc>
-            </a:pPr>
-            <a:r>
-              <a:rPr lang="en-US" altLang="en-US" sz="2400" dirty="0"/>
-              <a:t>The time horizon for the data warehouse is significantly </a:t>
-            </a:r>
-            <a:r>
-              <a:rPr lang="en-US" altLang="en-US" sz="2400" b="1" dirty="0">
+            <a:r>
+              <a:rPr lang="en-US" altLang="en-US" sz="2800" dirty="0" smtClean="0"/>
+              <a:t>Constructed by integrating multiple, heterogeneous data sources</a:t>
+            </a:r>
+          </a:p>
+          <a:p>
+            <a:pPr lvl="1"/>
+            <a:r>
+              <a:rPr lang="en-US" altLang="en-US" sz="2400" dirty="0" smtClean="0"/>
+              <a:t>relational databases, flat files, on-line transaction records</a:t>
+            </a:r>
+          </a:p>
+          <a:p>
+            <a:r>
+              <a:rPr lang="en-US" altLang="en-US" sz="2800" dirty="0" smtClean="0"/>
+              <a:t>Data cleaning and data integration techniques are applied</a:t>
+            </a:r>
+          </a:p>
+          <a:p>
+            <a:pPr lvl="1"/>
+            <a:r>
+              <a:rPr lang="en-US" altLang="en-US" sz="2400" dirty="0" smtClean="0"/>
+              <a:t>Ensure </a:t>
+            </a:r>
+            <a:r>
+              <a:rPr lang="en-US" altLang="en-US" sz="2400" b="1" dirty="0" smtClean="0">
                 <a:solidFill>
                   <a:srgbClr val="C00000"/>
                 </a:solidFill>
               </a:rPr>
-              <a:t>longer</a:t>
-            </a:r>
-            <a:r>
-              <a:rPr lang="en-US" altLang="en-US" sz="2400" dirty="0">
+              <a:t>consistency</a:t>
+            </a:r>
+            <a:r>
+              <a:rPr lang="en-US" altLang="en-US" sz="2400" dirty="0" smtClean="0">
                 <a:solidFill>
                   <a:srgbClr val="C00000"/>
                 </a:solidFill>
@@ -7422,133 +8325,17 @@
               <a:t> </a:t>
             </a:r>
             <a:r>
-              <a:rPr lang="en-US" altLang="en-US" sz="2400" dirty="0"/>
-              <a:t>than that of operational systems</a:t>
-            </a:r>
-          </a:p>
-          <a:p>
-            <a:pPr lvl="1">
-              <a:lnSpc>
-                <a:spcPct val="120000"/>
-              </a:lnSpc>
-            </a:pPr>
-            <a:r>
-              <a:rPr lang="en-US" altLang="en-US" sz="2400" dirty="0"/>
-              <a:t>Operational database: current value data</a:t>
-            </a:r>
-          </a:p>
-          <a:p>
-            <a:pPr lvl="1">
-              <a:lnSpc>
-                <a:spcPct val="120000"/>
-              </a:lnSpc>
-            </a:pPr>
-            <a:r>
-              <a:rPr lang="en-US" altLang="en-US" sz="2400" dirty="0"/>
-              <a:t>Data warehouse data: provide information from a </a:t>
-            </a:r>
-            <a:r>
-              <a:rPr lang="en-US" altLang="en-US" sz="2400" b="1" dirty="0">
-                <a:solidFill>
-                  <a:srgbClr val="C00000"/>
-                </a:solidFill>
-              </a:rPr>
-              <a:t>historical</a:t>
-            </a:r>
-            <a:r>
-              <a:rPr lang="en-US" altLang="en-US" sz="2400" dirty="0">
-                <a:solidFill>
-                  <a:srgbClr val="C00000"/>
-                </a:solidFill>
-              </a:rPr>
-              <a:t> </a:t>
-            </a:r>
-            <a:r>
-              <a:rPr lang="en-US" altLang="en-US" sz="2400" dirty="0"/>
-              <a:t>perspective (e.g., past 5-10 years)</a:t>
-            </a:r>
-          </a:p>
-          <a:p>
-            <a:pPr>
-              <a:lnSpc>
-                <a:spcPct val="120000"/>
-              </a:lnSpc>
-            </a:pPr>
-            <a:r>
-              <a:rPr lang="en-US" altLang="en-US" sz="2400" b="1" dirty="0">
-                <a:solidFill>
-                  <a:srgbClr val="C00000"/>
-                </a:solidFill>
-              </a:rPr>
-              <a:t>Every</a:t>
-            </a:r>
-            <a:r>
-              <a:rPr lang="en-US" altLang="en-US" sz="2400" dirty="0">
-                <a:solidFill>
-                  <a:srgbClr val="C00000"/>
-                </a:solidFill>
-              </a:rPr>
-              <a:t> </a:t>
-            </a:r>
-            <a:r>
-              <a:rPr lang="en-US" altLang="en-US" sz="2400" b="1" dirty="0">
-                <a:solidFill>
-                  <a:srgbClr val="C00000"/>
-                </a:solidFill>
-              </a:rPr>
-              <a:t>key</a:t>
-            </a:r>
-            <a:r>
-              <a:rPr lang="en-US" altLang="en-US" sz="2400" dirty="0">
-                <a:solidFill>
-                  <a:srgbClr val="C00000"/>
-                </a:solidFill>
-              </a:rPr>
-              <a:t> </a:t>
-            </a:r>
-            <a:r>
-              <a:rPr lang="en-US" altLang="en-US" sz="2400" dirty="0"/>
-              <a:t>structure in the data warehouse</a:t>
-            </a:r>
-          </a:p>
-          <a:p>
-            <a:pPr lvl="1">
-              <a:lnSpc>
-                <a:spcPct val="120000"/>
-              </a:lnSpc>
-            </a:pPr>
-            <a:r>
-              <a:rPr lang="en-US" altLang="en-US" sz="2400" dirty="0"/>
-              <a:t>Contains an element of </a:t>
-            </a:r>
-            <a:r>
-              <a:rPr lang="en-US" altLang="en-US" sz="2400" b="1" dirty="0">
-                <a:solidFill>
-                  <a:srgbClr val="C00000"/>
-                </a:solidFill>
-              </a:rPr>
-              <a:t>time</a:t>
-            </a:r>
-            <a:r>
-              <a:rPr lang="en-US" altLang="en-US" sz="2400" dirty="0"/>
-              <a:t>, explicitly or implicitly</a:t>
-            </a:r>
-          </a:p>
-          <a:p>
-            <a:pPr lvl="1">
-              <a:lnSpc>
-                <a:spcPct val="120000"/>
-              </a:lnSpc>
-            </a:pPr>
-            <a:r>
-              <a:rPr lang="en-US" altLang="en-US" sz="2400" dirty="0"/>
-              <a:t>But the key of operational data may or may not contain “time element</a:t>
-            </a:r>
-            <a:r>
               <a:rPr lang="en-US" altLang="en-US" sz="2400" dirty="0" smtClean="0"/>
-              <a:t>”</a:t>
-            </a:r>
-            <a:endParaRPr lang="en-US" altLang="en-US" sz="2400" dirty="0"/>
+              <a:t>in naming conventions, encoding structures, attribute measures, etc. among different data sources</a:t>
+            </a:r>
+          </a:p>
+          <a:p>
+            <a:pPr lvl="2"/>
+            <a:r>
+              <a:rPr lang="en-US" altLang="en-US" dirty="0" smtClean="0"/>
+              <a:t>Ex. Hotel price: differences on currency, tax, breakfast covered, and parking</a:t>
+            </a:r>
+            <a:endParaRPr lang="en-US" altLang="en-US" dirty="0"/>
           </a:p>
         </p:txBody>
       </p:sp>
@@ -7569,6 +8356,7 @@
           <a:p>
             <a:fld id="{18A68613-FF0B-4246-B613-8295211CFAFA}" type="slidenum">
               <a:rPr lang="en-US" smtClean="0"/>
+              <a:pPr/>
               <a:t>19</a:t>
             </a:fld>
             <a:endParaRPr lang="en-US"/>
@@ -7578,7 +8366,7 @@
     </p:spTree>
     <p:extLst>
       <p:ext uri="{BB962C8B-B14F-4D97-AF65-F5344CB8AC3E}">
-        <p14:creationId xmlns:p14="http://schemas.microsoft.com/office/powerpoint/2010/main" val="807529169"/>
+        <p14:creationId xmlns:p14="http://schemas.microsoft.com/office/powerpoint/2010/main" val="331676433"/>
       </p:ext>
     </p:extLst>
   </p:cSld>
@@ -7621,24 +8409,8 @@
           <a:lstStyle/>
           <a:p>
             <a:r>
-              <a:rPr lang="en-US" altLang="zh-CN" dirty="0" smtClean="0"/>
-              <a:t>How</a:t>
-            </a:r>
-            <a:r>
-              <a:rPr lang="zh-CN" altLang="en-US" dirty="0"/>
-              <a:t> </a:t>
-            </a:r>
-            <a:r>
-              <a:rPr lang="en-US" altLang="zh-CN" dirty="0" smtClean="0"/>
-              <a:t>to</a:t>
-            </a:r>
-            <a:r>
-              <a:rPr lang="zh-CN" altLang="en-US" dirty="0" smtClean="0"/>
-              <a:t> </a:t>
-            </a:r>
-            <a:r>
-              <a:rPr lang="en-US" altLang="zh-CN" dirty="0" smtClean="0"/>
-              <a:t>Work</a:t>
+              <a:rPr lang="en-US" dirty="0" smtClean="0"/>
+              <a:t>Announcement (cont.)</a:t>
             </a:r>
             <a:endParaRPr lang="en-US" dirty="0"/>
           </a:p>
@@ -7656,132 +8428,110 @@
         </p:nvSpPr>
         <p:spPr/>
         <p:txBody>
-          <a:bodyPr/>
+          <a:bodyPr>
+            <a:normAutofit fontScale="92500" lnSpcReduction="20000"/>
+          </a:bodyPr>
           <a:lstStyle/>
           <a:p>
-            <a:pPr marL="0" indent="0">
-              <a:buNone/>
-            </a:pPr>
-            <a:r>
-              <a:rPr lang="zh-CN" altLang="en-US" dirty="0" smtClean="0"/>
-              <a:t>	</a:t>
-            </a:r>
-            <a:r>
-              <a:rPr lang="en-US" altLang="zh-CN" dirty="0" smtClean="0"/>
-              <a:t>If</a:t>
-            </a:r>
-            <a:r>
-              <a:rPr lang="zh-CN" altLang="en-US" dirty="0" smtClean="0"/>
-              <a:t> </a:t>
-            </a:r>
-            <a:r>
-              <a:rPr lang="en-US" altLang="zh-CN" dirty="0" smtClean="0"/>
-              <a:t>you</a:t>
-            </a:r>
-            <a:r>
-              <a:rPr lang="zh-CN" altLang="en-US" dirty="0" smtClean="0"/>
-              <a:t> </a:t>
-            </a:r>
-            <a:r>
-              <a:rPr lang="en-US" altLang="zh-CN" dirty="0" smtClean="0"/>
-              <a:t>want</a:t>
-            </a:r>
-            <a:r>
-              <a:rPr lang="zh-CN" altLang="en-US" dirty="0" smtClean="0"/>
-              <a:t> </a:t>
-            </a:r>
-            <a:r>
-              <a:rPr lang="en-US" altLang="zh-CN" dirty="0" smtClean="0"/>
-              <a:t>to</a:t>
-            </a:r>
-            <a:r>
-              <a:rPr lang="zh-CN" altLang="en-US" dirty="0" smtClean="0"/>
-              <a:t> </a:t>
-            </a:r>
-            <a:r>
-              <a:rPr lang="en-US" altLang="zh-CN" dirty="0" smtClean="0"/>
-              <a:t>do</a:t>
-            </a:r>
-            <a:r>
-              <a:rPr lang="zh-CN" altLang="en-US" dirty="0" smtClean="0"/>
-              <a:t> </a:t>
-            </a:r>
-            <a:r>
-              <a:rPr lang="en-US" altLang="zh-CN" dirty="0" smtClean="0"/>
-              <a:t>something,</a:t>
-            </a:r>
-            <a:endParaRPr lang="zh-CN" altLang="en-US" dirty="0" smtClean="0"/>
-          </a:p>
-          <a:p>
-            <a:pPr marL="0" indent="0">
-              <a:buNone/>
-            </a:pPr>
-            <a:r>
-              <a:rPr lang="zh-CN" altLang="en-US" i="1" dirty="0" smtClean="0">
+            <a:r>
+              <a:rPr lang="en-US" dirty="0" smtClean="0"/>
+              <a:t>Oct. 3: Course Review</a:t>
+            </a:r>
+          </a:p>
+          <a:p>
+            <a:pPr lvl="1"/>
+            <a:r>
+              <a:rPr lang="en-US" dirty="0" smtClean="0"/>
+              <a:t>Intro, Data Processing, Data Cube</a:t>
+            </a:r>
+          </a:p>
+          <a:p>
+            <a:pPr lvl="1"/>
+            <a:r>
+              <a:rPr lang="en-US" dirty="0" smtClean="0"/>
+              <a:t>Part of questions in HW1, HW2</a:t>
+            </a:r>
+          </a:p>
+          <a:p>
+            <a:r>
+              <a:rPr lang="en-US" dirty="0" smtClean="0"/>
+              <a:t>Oct. 5: Mid-term Exam in class</a:t>
+            </a:r>
+          </a:p>
+          <a:p>
+            <a:pPr lvl="1"/>
+            <a:r>
+              <a:rPr lang="en-US" b="1" dirty="0" smtClean="0">
                 <a:solidFill>
                   <a:srgbClr val="FF0000"/>
                 </a:solidFill>
               </a:rPr>
-              <a:t>	</a:t>
-            </a:r>
-            <a:r>
-              <a:rPr lang="en-US" altLang="zh-CN" i="1" dirty="0" smtClean="0">
+              <a:t>2pm-3:15pm, 75 minutes</a:t>
+            </a:r>
+          </a:p>
+          <a:p>
+            <a:pPr lvl="1"/>
+            <a:r>
+              <a:rPr lang="en-US" b="1" dirty="0" smtClean="0">
                 <a:solidFill>
                   <a:srgbClr val="FF0000"/>
                 </a:solidFill>
               </a:rPr>
-              <a:t>Be</a:t>
-            </a:r>
-            <a:r>
-              <a:rPr lang="zh-CN" altLang="en-US" i="1" dirty="0" smtClean="0">
+              <a:t>4 questions, 100 points (20%)</a:t>
+            </a:r>
+          </a:p>
+          <a:p>
+            <a:pPr lvl="1"/>
+            <a:r>
+              <a:rPr lang="en-US" b="1" dirty="0" smtClean="0">
                 <a:solidFill>
                   <a:srgbClr val="FF0000"/>
                 </a:solidFill>
               </a:rPr>
-              <a:t> </a:t>
-            </a:r>
-            <a:r>
-              <a:rPr lang="en-US" altLang="zh-CN" i="1" dirty="0">
+              <a:t>One-piece two-page (double-sided) A4/Letter-size </a:t>
+            </a:r>
+            <a:r>
+              <a:rPr lang="en-US" altLang="zh-CN" b="1" dirty="0" smtClean="0">
                 <a:solidFill>
                   <a:srgbClr val="FF0000"/>
                 </a:solidFill>
               </a:rPr>
-              <a:t>D</a:t>
-            </a:r>
-            <a:r>
-              <a:rPr lang="en-US" altLang="zh-CN" i="1" dirty="0" smtClean="0">
+              <a:t>cheat</a:t>
+            </a:r>
+            <a:r>
+              <a:rPr lang="zh-CN" altLang="en-US" b="1" dirty="0" smtClean="0">
                 <a:solidFill>
                   <a:srgbClr val="FF0000"/>
                 </a:solidFill>
               </a:rPr>
-              <a:t>etermined</a:t>
-            </a:r>
-            <a:r>
-              <a:rPr lang="zh-CN" altLang="en-US" i="1" dirty="0" smtClean="0">
+              <a:t> </a:t>
+            </a:r>
+            <a:r>
+              <a:rPr lang="en-US" altLang="zh-CN" b="1" dirty="0" smtClean="0">
                 <a:solidFill>
                   <a:srgbClr val="FF0000"/>
                 </a:solidFill>
               </a:rPr>
-              <a:t> </a:t>
-            </a:r>
-            <a:r>
-              <a:rPr lang="en-US" altLang="zh-CN" dirty="0" smtClean="0"/>
-              <a:t>and</a:t>
-            </a:r>
-            <a:r>
-              <a:rPr lang="zh-CN" altLang="en-US" dirty="0" smtClean="0"/>
-              <a:t> </a:t>
-            </a:r>
-            <a:r>
-              <a:rPr lang="en-US" altLang="zh-CN" i="1" dirty="0" smtClean="0">
+              <a:t>sheet</a:t>
+            </a:r>
+            <a:endParaRPr lang="zh-CN" altLang="en-US" b="1" dirty="0" smtClean="0">
+              <a:solidFill>
+                <a:srgbClr val="FF0000"/>
+              </a:solidFill>
+            </a:endParaRPr>
+          </a:p>
+          <a:p>
+            <a:pPr lvl="1"/>
+            <a:r>
+              <a:rPr lang="en-US" altLang="zh-CN" b="1" dirty="0" smtClean="0">
                 <a:solidFill>
                   <a:srgbClr val="FF0000"/>
                 </a:solidFill>
               </a:rPr>
-              <a:t>Work</a:t>
-            </a:r>
-            <a:r>
-              <a:rPr lang="zh-CN" altLang="en-US" i="1" dirty="0" smtClean="0">
+              <a:t>Bring</a:t>
+            </a:r>
+            <a:r>
+              <a:rPr lang="zh-CN" altLang="en-US" b="1" dirty="0" smtClean="0">
                 <a:solidFill>
                   <a:srgbClr val="FF0000"/>
                 </a:solidFill>
@@ -7789,61 +8539,47 @@
               <a:t> </a:t>
             </a:r>
             <a:r>
-              <a:rPr lang="en-US" altLang="zh-CN" i="1" dirty="0">
+              <a:rPr lang="en-US" altLang="zh-CN" b="1" dirty="0" smtClean="0">
                 <a:solidFill>
                   <a:srgbClr val="FF0000"/>
                 </a:solidFill>
               </a:rPr>
-              <a:t>H</a:t>
-            </a:r>
-            <a:r>
-              <a:rPr lang="en-US" altLang="zh-CN" i="1" dirty="0" smtClean="0">
+              <a:t>a</a:t>
+            </a:r>
+            <a:r>
+              <a:rPr lang="zh-CN" altLang="en-US" b="1" dirty="0" smtClean="0">
                 <a:solidFill>
                   <a:srgbClr val="FF0000"/>
                 </a:solidFill>
               </a:rPr>
-              <a:t>ard</a:t>
-            </a:r>
-            <a:r>
-              <a:rPr lang="en-US" altLang="zh-CN" dirty="0" smtClean="0"/>
-              <a:t>!</a:t>
-            </a:r>
-            <a:endParaRPr lang="zh-CN" altLang="en-US" dirty="0" smtClean="0"/>
-          </a:p>
-          <a:p>
-            <a:pPr marL="0" indent="0">
-              <a:buNone/>
-            </a:pPr>
-            <a:r>
-              <a:rPr lang="zh-CN" altLang="en-US" dirty="0" smtClean="0"/>
-              <a:t>	</a:t>
-            </a:r>
-            <a:r>
-              <a:rPr lang="en-US" altLang="zh-CN" dirty="0" smtClean="0"/>
-              <a:t>and</a:t>
-            </a:r>
-            <a:r>
-              <a:rPr lang="zh-CN" altLang="en-US" dirty="0" smtClean="0"/>
               <a:t> </a:t>
             </a:r>
             <a:r>
-              <a:rPr lang="en-US" altLang="zh-CN" i="1" dirty="0">
+              <a:rPr lang="en-US" altLang="zh-CN" b="1" dirty="0" smtClean="0">
                 <a:solidFill>
                   <a:srgbClr val="FF0000"/>
                 </a:solidFill>
               </a:rPr>
-              <a:t>W</a:t>
-            </a:r>
-            <a:r>
-              <a:rPr lang="en-US" altLang="zh-CN" i="1" dirty="0" smtClean="0">
+              <a:t>pen!!!</a:t>
+            </a:r>
+            <a:endParaRPr lang="zh-CN" altLang="en-US" b="1" dirty="0" smtClean="0">
+              <a:solidFill>
+                <a:srgbClr val="FF0000"/>
+              </a:solidFill>
+            </a:endParaRPr>
+          </a:p>
+          <a:p>
+            <a:pPr lvl="1"/>
+            <a:r>
+              <a:rPr lang="en-US" altLang="zh-CN" b="1" dirty="0" smtClean="0">
                 <a:solidFill>
                   <a:srgbClr val="FF0000"/>
                 </a:solidFill>
               </a:rPr>
-              <a:t>ork</a:t>
-            </a:r>
-            <a:r>
-              <a:rPr lang="zh-CN" altLang="en-US" i="1" dirty="0" smtClean="0">
+              <a:t>No</a:t>
+            </a:r>
+            <a:r>
+              <a:rPr lang="zh-CN" altLang="en-US" b="1" dirty="0" smtClean="0">
                 <a:solidFill>
                   <a:srgbClr val="FF0000"/>
                 </a:solidFill>
@@ -7851,25 +8587,229 @@
               <a:t> </a:t>
             </a:r>
             <a:r>
-              <a:rPr lang="en-US" altLang="zh-CN" i="1" dirty="0">
+              <a:rPr lang="en-US" altLang="zh-CN" b="1" dirty="0" smtClean="0">
                 <a:solidFill>
                   <a:srgbClr val="FF0000"/>
                 </a:solidFill>
               </a:rPr>
-              <a:t>S</a:t>
-            </a:r>
-            <a:r>
-              <a:rPr lang="en-US" altLang="zh-CN" i="1" dirty="0" smtClean="0">
+              <a:t>electronic</a:t>
+            </a:r>
+            <a:r>
+              <a:rPr lang="zh-CN" altLang="en-US" b="1" dirty="0" smtClean="0">
                 <a:solidFill>
                   <a:srgbClr val="FF0000"/>
                 </a:solidFill>
               </a:rPr>
-              <a:t>mart</a:t>
-            </a:r>
-            <a:r>
-              <a:rPr lang="en-US" altLang="zh-CN" dirty="0" smtClean="0"/>
-              <a:t>!</a:t>
-            </a:r>
+              <a:t> </a:t>
+            </a:r>
+            <a:r>
+              <a:rPr lang="en-US" altLang="zh-CN" b="1" dirty="0" smtClean="0">
+                <a:solidFill>
+                  <a:srgbClr val="FF0000"/>
+                </a:solidFill>
+              </a:rPr>
+              <a:t>devices</a:t>
+            </a:r>
+            <a:r>
+              <a:rPr lang="zh-CN" altLang="en-US" b="1" dirty="0" smtClean="0">
+                <a:solidFill>
+                  <a:srgbClr val="FF0000"/>
+                </a:solidFill>
+              </a:rPr>
+              <a:t> </a:t>
+            </a:r>
+            <a:r>
+              <a:rPr lang="en-US" altLang="zh-CN" b="1" dirty="0" smtClean="0">
+                <a:solidFill>
+                  <a:srgbClr val="FF0000"/>
+                </a:solidFill>
+              </a:rPr>
+              <a:t>(laptop,</a:t>
+            </a:r>
+            <a:r>
+              <a:rPr lang="zh-CN" altLang="en-US" b="1" dirty="0" smtClean="0">
+                <a:solidFill>
+                  <a:srgbClr val="FF0000"/>
+                </a:solidFill>
+              </a:rPr>
+              <a:t> </a:t>
+            </a:r>
+            <a:r>
+              <a:rPr lang="en-US" altLang="zh-CN" b="1" dirty="0" smtClean="0">
+                <a:solidFill>
+                  <a:srgbClr val="FF0000"/>
+                </a:solidFill>
+              </a:rPr>
+              <a:t>phone,</a:t>
+            </a:r>
+            <a:r>
+              <a:rPr lang="zh-CN" altLang="en-US" b="1" dirty="0" smtClean="0">
+                <a:solidFill>
+                  <a:srgbClr val="FF0000"/>
+                </a:solidFill>
+              </a:rPr>
+              <a:t> </a:t>
+            </a:r>
+            <a:r>
+              <a:rPr lang="en-US" altLang="zh-CN" b="1" dirty="0" smtClean="0">
+                <a:solidFill>
+                  <a:srgbClr val="FF0000"/>
+                </a:solidFill>
+              </a:rPr>
+              <a:t>etc.),</a:t>
+            </a:r>
+            <a:r>
+              <a:rPr lang="zh-CN" altLang="en-US" b="1" dirty="0" smtClean="0">
+                <a:solidFill>
+                  <a:srgbClr val="FF0000"/>
+                </a:solidFill>
+              </a:rPr>
+              <a:t> </a:t>
+            </a:r>
+            <a:r>
+              <a:rPr lang="en-US" altLang="zh-CN" b="1" dirty="0" smtClean="0">
+                <a:solidFill>
+                  <a:srgbClr val="FF0000"/>
+                </a:solidFill>
+              </a:rPr>
+              <a:t>no</a:t>
+            </a:r>
+            <a:r>
+              <a:rPr lang="zh-CN" altLang="en-US" b="1" dirty="0" smtClean="0">
+                <a:solidFill>
+                  <a:srgbClr val="FF0000"/>
+                </a:solidFill>
+              </a:rPr>
+              <a:t> </a:t>
+            </a:r>
+            <a:r>
+              <a:rPr lang="en-US" altLang="zh-CN" b="1" dirty="0" smtClean="0">
+                <a:solidFill>
+                  <a:srgbClr val="FF0000"/>
+                </a:solidFill>
+              </a:rPr>
+              <a:t>calculator,</a:t>
+            </a:r>
+            <a:r>
+              <a:rPr lang="zh-CN" altLang="en-US" b="1" dirty="0" smtClean="0">
+                <a:solidFill>
+                  <a:srgbClr val="FF0000"/>
+                </a:solidFill>
+              </a:rPr>
+              <a:t> </a:t>
+            </a:r>
+            <a:r>
+              <a:rPr lang="en-US" altLang="zh-CN" b="1" dirty="0" smtClean="0">
+                <a:solidFill>
+                  <a:srgbClr val="FF0000"/>
+                </a:solidFill>
+              </a:rPr>
+              <a:t>no</a:t>
+            </a:r>
+            <a:r>
+              <a:rPr lang="zh-CN" altLang="en-US" b="1" dirty="0" smtClean="0">
+                <a:solidFill>
+                  <a:srgbClr val="FF0000"/>
+                </a:solidFill>
+              </a:rPr>
+              <a:t> </a:t>
+            </a:r>
+            <a:r>
+              <a:rPr lang="en-US" altLang="zh-CN" b="1" dirty="0" smtClean="0">
+                <a:solidFill>
+                  <a:srgbClr val="FF0000"/>
+                </a:solidFill>
+              </a:rPr>
+              <a:t>textbook,</a:t>
+            </a:r>
+            <a:r>
+              <a:rPr lang="zh-CN" altLang="en-US" b="1" dirty="0" smtClean="0">
+                <a:solidFill>
+                  <a:srgbClr val="FF0000"/>
+                </a:solidFill>
+              </a:rPr>
+              <a:t> </a:t>
+            </a:r>
+            <a:r>
+              <a:rPr lang="en-US" altLang="zh-CN" b="1" dirty="0" smtClean="0">
+                <a:solidFill>
+                  <a:srgbClr val="FF0000"/>
+                </a:solidFill>
+              </a:rPr>
+              <a:t>no</a:t>
+            </a:r>
+            <a:r>
+              <a:rPr lang="zh-CN" altLang="en-US" b="1" dirty="0" smtClean="0">
+                <a:solidFill>
+                  <a:srgbClr val="FF0000"/>
+                </a:solidFill>
+              </a:rPr>
+              <a:t> </a:t>
+            </a:r>
+            <a:r>
+              <a:rPr lang="en-US" altLang="zh-CN" b="1" dirty="0" smtClean="0">
+                <a:solidFill>
+                  <a:srgbClr val="FF0000"/>
+                </a:solidFill>
+              </a:rPr>
+              <a:t>more</a:t>
+            </a:r>
+            <a:r>
+              <a:rPr lang="zh-CN" altLang="en-US" b="1" dirty="0" smtClean="0">
+                <a:solidFill>
+                  <a:srgbClr val="FF0000"/>
+                </a:solidFill>
+              </a:rPr>
+              <a:t> </a:t>
+            </a:r>
+            <a:r>
+              <a:rPr lang="en-US" altLang="zh-CN" b="1" dirty="0" smtClean="0">
+                <a:solidFill>
+                  <a:srgbClr val="FF0000"/>
+                </a:solidFill>
+              </a:rPr>
+              <a:t>than</a:t>
+            </a:r>
+            <a:r>
+              <a:rPr lang="zh-CN" altLang="en-US" b="1" dirty="0" smtClean="0">
+                <a:solidFill>
+                  <a:srgbClr val="FF0000"/>
+                </a:solidFill>
+              </a:rPr>
+              <a:t> </a:t>
+            </a:r>
+            <a:r>
+              <a:rPr lang="en-US" altLang="zh-CN" b="1" dirty="0" smtClean="0">
+                <a:solidFill>
+                  <a:srgbClr val="FF0000"/>
+                </a:solidFill>
+              </a:rPr>
+              <a:t>one</a:t>
+            </a:r>
+            <a:r>
+              <a:rPr lang="zh-CN" altLang="en-US" b="1" dirty="0" smtClean="0">
+                <a:solidFill>
+                  <a:srgbClr val="FF0000"/>
+                </a:solidFill>
+              </a:rPr>
+              <a:t> </a:t>
+            </a:r>
+            <a:r>
+              <a:rPr lang="en-US" altLang="zh-CN" b="1" dirty="0" smtClean="0">
+                <a:solidFill>
+                  <a:srgbClr val="FF0000"/>
+                </a:solidFill>
+              </a:rPr>
+              <a:t>piece</a:t>
+            </a:r>
+            <a:endParaRPr lang="en-US" b="1" dirty="0" smtClean="0">
+              <a:solidFill>
+                <a:srgbClr val="FF0000"/>
+              </a:solidFill>
+            </a:endParaRPr>
+          </a:p>
+          <a:p>
+            <a:pPr lvl="1"/>
             <a:endParaRPr lang="en-US" dirty="0"/>
           </a:p>
         </p:txBody>
@@ -7900,7 +8840,7 @@
     </p:spTree>
     <p:extLst>
       <p:ext uri="{BB962C8B-B14F-4D97-AF65-F5344CB8AC3E}">
-        <p14:creationId xmlns:p14="http://schemas.microsoft.com/office/powerpoint/2010/main" val="278273850"/>
+        <p14:creationId xmlns:p14="http://schemas.microsoft.com/office/powerpoint/2010/main" val="130676941"/>
       </p:ext>
     </p:extLst>
   </p:cSld>
@@ -7944,7 +8884,7 @@
           <a:p>
             <a:r>
               <a:rPr lang="en-US" altLang="zh-CN" dirty="0" smtClean="0"/>
-              <a:t>(4)</a:t>
+              <a:t>(3)</a:t>
             </a:r>
             <a:r>
               <a:rPr lang="zh-CN" altLang="en-US" dirty="0" smtClean="0"/>
@@ -7952,7 +8892,7 @@
             </a:r>
             <a:r>
               <a:rPr lang="en-US" altLang="zh-CN" dirty="0" smtClean="0"/>
-              <a:t>Nonvolatile</a:t>
+              <a:t>Time-Variant</a:t>
             </a:r>
             <a:endParaRPr lang="en-US" dirty="0"/>
           </a:p>
@@ -7970,53 +8910,25 @@
         </p:nvSpPr>
         <p:spPr/>
         <p:txBody>
-          <a:bodyPr>
-            <a:normAutofit lnSpcReduction="10000"/>
-          </a:bodyPr>
+          <a:bodyPr/>
           <a:lstStyle/>
           <a:p>
             <a:pPr>
               <a:lnSpc>
-                <a:spcPct val="130000"/>
+                <a:spcPct val="120000"/>
               </a:lnSpc>
             </a:pPr>
             <a:r>
               <a:rPr lang="en-US" altLang="en-US" sz="2400" dirty="0"/>
-              <a:t>Independence</a:t>
-            </a:r>
-          </a:p>
-          <a:p>
-            <a:pPr lvl="1">
-              <a:lnSpc>
-                <a:spcPct val="130000"/>
-              </a:lnSpc>
-            </a:pPr>
-            <a:r>
-              <a:rPr lang="en-US" altLang="en-US" sz="2400" dirty="0"/>
-              <a:t>A </a:t>
-            </a:r>
-            <a:r>
-              <a:rPr lang="en-US" altLang="en-US" sz="2400" dirty="0">
+              <a:t>The time horizon for the data warehouse is significantly </a:t>
+            </a:r>
+            <a:r>
+              <a:rPr lang="en-US" altLang="en-US" sz="2400" b="1" dirty="0">
                 <a:solidFill>
-                  <a:srgbClr val="FF0000"/>
+                  <a:srgbClr val="C00000"/>
                 </a:solidFill>
               </a:rPr>
-              <a:t>physically separate store </a:t>
-            </a:r>
-            <a:r>
-              <a:rPr lang="en-US" altLang="en-US" sz="2400" dirty="0"/>
-              <a:t>of data transformed from the operational environment</a:t>
-            </a:r>
-          </a:p>
-          <a:p>
-            <a:pPr>
-              <a:lnSpc>
-                <a:spcPct val="130000"/>
-              </a:lnSpc>
-            </a:pPr>
-            <a:r>
-              <a:rPr lang="en-US" altLang="en-US" sz="2400" dirty="0"/>
-              <a:t>Static: </a:t>
+              <a:t>longer</a:t>
             </a:r>
             <a:r>
               <a:rPr lang="en-US" altLang="en-US" sz="2400" dirty="0">
@@ -8024,82 +8936,136 @@
                   <a:srgbClr val="C00000"/>
                 </a:solidFill>
               </a:rPr>
-              <a:t>Operational update of data does </a:t>
-            </a:r>
-            <a:r>
-              <a:rPr lang="en-US" altLang="en-US" sz="2400" dirty="0" smtClean="0">
+              <a:t> </a:t>
+            </a:r>
+            <a:r>
+              <a:rPr lang="en-US" altLang="en-US" sz="2400" dirty="0"/>
+              <a:t>than that of operational systems</a:t>
+            </a:r>
+          </a:p>
+          <a:p>
+            <a:pPr lvl="1">
+              <a:lnSpc>
+                <a:spcPct val="120000"/>
+              </a:lnSpc>
+            </a:pPr>
+            <a:r>
+              <a:rPr lang="en-US" altLang="en-US" sz="2400" dirty="0"/>
+              <a:t>Operational database: current value data</a:t>
+            </a:r>
+          </a:p>
+          <a:p>
+            <a:pPr lvl="1">
+              <a:lnSpc>
+                <a:spcPct val="120000"/>
+              </a:lnSpc>
+            </a:pPr>
+            <a:r>
+              <a:rPr lang="en-US" altLang="en-US" sz="2400" dirty="0"/>
+              <a:t>Data warehouse data: provide information from a </a:t>
+            </a:r>
+            <a:r>
+              <a:rPr lang="en-US" altLang="en-US" sz="2400" b="1" dirty="0">
                 <a:solidFill>
                   <a:srgbClr val="C00000"/>
                 </a:solidFill>
               </a:rPr>
-              <a:t>NOT occur</a:t>
-            </a:r>
-            <a:r>
-              <a:rPr lang="en-US" altLang="en-US" sz="2400" dirty="0" smtClean="0"/>
+              <a:t>historical</a:t>
+            </a:r>
+            <a:r>
+              <a:rPr lang="en-US" altLang="en-US" sz="2400" dirty="0">
+                <a:solidFill>
+                  <a:srgbClr val="C00000"/>
+                </a:solidFill>
+              </a:rPr>
               <a:t> </a:t>
             </a:r>
             <a:r>
               <a:rPr lang="en-US" altLang="en-US" sz="2400" dirty="0"/>
-              <a:t>in the data warehouse environment</a:t>
+              <a:t>perspective (e.g., past 5-10 years)</a:t>
+            </a:r>
+          </a:p>
+          <a:p>
+            <a:pPr>
+              <a:lnSpc>
+                <a:spcPct val="120000"/>
+              </a:lnSpc>
+            </a:pPr>
+            <a:r>
+              <a:rPr lang="en-US" altLang="en-US" sz="2400" b="1" dirty="0">
+                <a:solidFill>
+                  <a:srgbClr val="C00000"/>
+                </a:solidFill>
+              </a:rPr>
+              <a:t>Every</a:t>
+            </a:r>
+            <a:r>
+              <a:rPr lang="en-US" altLang="en-US" sz="2400" dirty="0">
+                <a:solidFill>
+                  <a:srgbClr val="C00000"/>
+                </a:solidFill>
+              </a:rPr>
+              <a:t> </a:t>
+            </a:r>
+            <a:r>
+              <a:rPr lang="en-US" altLang="en-US" sz="2400" b="1" dirty="0">
+                <a:solidFill>
+                  <a:srgbClr val="C00000"/>
+                </a:solidFill>
+              </a:rPr>
+              <a:t>key</a:t>
+            </a:r>
+            <a:r>
+              <a:rPr lang="en-US" altLang="en-US" sz="2400" dirty="0">
+                <a:solidFill>
+                  <a:srgbClr val="C00000"/>
+                </a:solidFill>
+              </a:rPr>
+              <a:t> </a:t>
+            </a:r>
+            <a:r>
+              <a:rPr lang="en-US" altLang="en-US" sz="2400" dirty="0"/>
+              <a:t>structure in the data warehouse</a:t>
             </a:r>
           </a:p>
           <a:p>
             <a:pPr lvl="1">
               <a:lnSpc>
-                <a:spcPct val="130000"/>
+                <a:spcPct val="120000"/>
               </a:lnSpc>
             </a:pPr>
             <a:r>
               <a:rPr lang="en-US" altLang="en-US" sz="2400" dirty="0"/>
-              <a:t>Does not require transaction processing, recovery, and concurrency control mechanisms</a:t>
+              <a:t>Contains an element of </a:t>
+            </a:r>
+            <a:r>
+              <a:rPr lang="en-US" altLang="en-US" sz="2400" b="1" dirty="0">
+                <a:solidFill>
+                  <a:srgbClr val="C00000"/>
+                </a:solidFill>
+              </a:rPr>
+              <a:t>time</a:t>
+            </a:r>
+            <a:r>
+              <a:rPr lang="en-US" altLang="en-US" sz="2400" dirty="0"/>
+              <a:t>, explicitly or implicitly</a:t>
             </a:r>
           </a:p>
           <a:p>
             <a:pPr lvl="1">
               <a:lnSpc>
-                <a:spcPct val="130000"/>
+                <a:spcPct val="120000"/>
               </a:lnSpc>
             </a:pPr>
             <a:r>
               <a:rPr lang="en-US" altLang="en-US" sz="2400" dirty="0"/>
-              <a:t>Requires only two operations in data accessing: </a:t>
-            </a:r>
-          </a:p>
-          <a:p>
-            <a:pPr lvl="2">
-              <a:lnSpc>
-                <a:spcPct val="130000"/>
-              </a:lnSpc>
-            </a:pPr>
-            <a:r>
-              <a:rPr lang="en-US" altLang="en-US" dirty="0">
-                <a:solidFill>
-                  <a:schemeClr val="hlink"/>
-                </a:solidFill>
-              </a:rPr>
-              <a:t>initial loading of data</a:t>
-            </a:r>
-            <a:r>
-              <a:rPr lang="en-US" altLang="en-US" dirty="0"/>
-              <a:t> and </a:t>
-            </a:r>
-            <a:r>
-              <a:rPr lang="en-US" altLang="en-US" dirty="0">
-                <a:solidFill>
-                  <a:schemeClr val="hlink"/>
-                </a:solidFill>
-              </a:rPr>
-              <a:t>access of </a:t>
-            </a:r>
-            <a:r>
-              <a:rPr lang="en-US" altLang="en-US" dirty="0" smtClean="0">
-                <a:solidFill>
-                  <a:schemeClr val="hlink"/>
-                </a:solidFill>
-              </a:rPr>
-              <a:t>data</a:t>
-            </a:r>
-            <a:endParaRPr lang="en-US" altLang="en-US" dirty="0"/>
+              <a:t>But the key of operational data may or may not contain “time element</a:t>
+            </a:r>
+            <a:r>
+              <a:rPr lang="en-US" altLang="en-US" sz="2400" dirty="0" smtClean="0"/>
+              <a:t>”</a:t>
+            </a:r>
+            <a:endParaRPr lang="en-US" altLang="en-US" sz="2400" dirty="0"/>
           </a:p>
         </p:txBody>
       </p:sp>
@@ -8129,7 +9095,7 @@
     </p:spTree>
     <p:extLst>
       <p:ext uri="{BB962C8B-B14F-4D97-AF65-F5344CB8AC3E}">
-        <p14:creationId xmlns:p14="http://schemas.microsoft.com/office/powerpoint/2010/main" val="46094343"/>
+        <p14:creationId xmlns:p14="http://schemas.microsoft.com/office/powerpoint/2010/main" val="807529169"/>
       </p:ext>
     </p:extLst>
   </p:cSld>
@@ -8172,48 +9138,16 @@
           <a:lstStyle/>
           <a:p>
             <a:r>
-              <a:rPr lang="en-US" altLang="zh-CN" dirty="0"/>
-              <a:t>OL</a:t>
-            </a:r>
-            <a:r>
-              <a:rPr lang="en-US" altLang="zh-CN" b="1" dirty="0">
-                <a:solidFill>
-                  <a:srgbClr val="FF0000"/>
-                </a:solidFill>
-              </a:rPr>
-              <a:t>T</a:t>
-            </a:r>
-            <a:r>
-              <a:rPr lang="en-US" altLang="zh-CN" dirty="0"/>
-              <a:t>P</a:t>
-            </a:r>
-            <a:r>
-              <a:rPr lang="zh-CN" altLang="en-US" dirty="0"/>
+              <a:rPr lang="en-US" altLang="zh-CN" dirty="0" smtClean="0"/>
+              <a:t>(4)</a:t>
+            </a:r>
+            <a:r>
+              <a:rPr lang="zh-CN" altLang="en-US" dirty="0" smtClean="0"/>
               <a:t> </a:t>
             </a:r>
             <a:r>
-              <a:rPr lang="en-US" altLang="zh-CN" dirty="0"/>
-              <a:t>vs</a:t>
-            </a:r>
-            <a:r>
-              <a:rPr lang="zh-CN" altLang="en-US" dirty="0"/>
-              <a:t> </a:t>
-            </a:r>
-            <a:r>
-              <a:rPr lang="en-US" altLang="zh-CN" dirty="0"/>
-              <a:t>OL</a:t>
-            </a:r>
-            <a:r>
-              <a:rPr lang="en-US" altLang="zh-CN" b="1" dirty="0">
-                <a:solidFill>
-                  <a:srgbClr val="FF0000"/>
-                </a:solidFill>
-              </a:rPr>
-              <a:t>A</a:t>
-            </a:r>
-            <a:r>
-              <a:rPr lang="en-US" altLang="zh-CN" dirty="0"/>
-              <a:t>P</a:t>
+              <a:rPr lang="en-US" altLang="zh-CN" dirty="0" smtClean="0"/>
+              <a:t>Nonvolatile</a:t>
             </a:r>
             <a:endParaRPr lang="en-US" dirty="0"/>
           </a:p>
@@ -8229,15 +9163,10 @@
             <p:ph idx="1"/>
           </p:nvPr>
         </p:nvSpPr>
-        <p:spPr>
-          <a:xfrm>
-            <a:off x="457200" y="1600200"/>
-            <a:ext cx="8343900" cy="4525963"/>
-          </a:xfrm>
-        </p:spPr>
+        <p:spPr/>
         <p:txBody>
           <a:bodyPr>
-            <a:normAutofit/>
+            <a:normAutofit lnSpcReduction="10000"/>
           </a:bodyPr>
           <a:lstStyle/>
           <a:p>
@@ -8247,36 +9176,8 @@
               </a:lnSpc>
             </a:pPr>
             <a:r>
-              <a:rPr lang="en-US" altLang="en-US" sz="2800" dirty="0" smtClean="0">
-                <a:solidFill>
-                  <a:srgbClr val="000000"/>
-                </a:solidFill>
-              </a:rPr>
-              <a:t>OLTP: </a:t>
-            </a:r>
-            <a:r>
-              <a:rPr lang="en-US" altLang="en-US" sz="2800" b="1" dirty="0" smtClean="0">
-                <a:solidFill>
-                  <a:srgbClr val="FF0000"/>
-                </a:solidFill>
-              </a:rPr>
-              <a:t>Online</a:t>
-            </a:r>
-            <a:r>
-              <a:rPr lang="en-US" altLang="en-US" sz="2800" dirty="0" smtClean="0">
-                <a:solidFill>
-                  <a:srgbClr val="FF0000"/>
-                </a:solidFill>
-              </a:rPr>
-              <a:t> </a:t>
-            </a:r>
-            <a:r>
-              <a:rPr lang="en-US" altLang="en-US" sz="2800" dirty="0" smtClean="0">
-                <a:solidFill>
-                  <a:srgbClr val="7030A0"/>
-                </a:solidFill>
-              </a:rPr>
-              <a:t>transactional processing</a:t>
+              <a:rPr lang="en-US" altLang="en-US" sz="2400" dirty="0"/>
+              <a:t>Independence</a:t>
             </a:r>
           </a:p>
           <a:p>
@@ -8286,12 +9187,55 @@
               </a:lnSpc>
             </a:pPr>
             <a:r>
+              <a:rPr lang="en-US" altLang="en-US" sz="2400" dirty="0"/>
+              <a:t>A </a:t>
+            </a:r>
+            <a:r>
+              <a:rPr lang="en-US" altLang="en-US" sz="2400" dirty="0">
+                <a:solidFill>
+                  <a:srgbClr val="FF0000"/>
+                </a:solidFill>
+              </a:rPr>
+              <a:t>physically separate store </a:t>
+            </a:r>
+            <a:r>
+              <a:rPr lang="en-US" altLang="en-US" sz="2400" dirty="0"/>
+              <a:t>of data transformed from the operational environment</a:t>
+            </a:r>
+          </a:p>
+          <a:p>
+            <a:pPr>
+              <a:lnSpc>
+                <a:spcPct val="130000"/>
+              </a:lnSpc>
+            </a:pPr>
+            <a:r>
+              <a:rPr lang="en-US" altLang="en-US" sz="2400" dirty="0"/>
+              <a:t>Static: </a:t>
+            </a:r>
+            <a:r>
+              <a:rPr lang="en-US" altLang="en-US" sz="2400" dirty="0">
+                <a:solidFill>
+                  <a:srgbClr val="C00000"/>
+                </a:solidFill>
+              </a:rPr>
+              <a:t>Operational update of data does </a:t>
+            </a:r>
+            <a:r>
               <a:rPr lang="en-US" altLang="en-US" sz="2400" dirty="0" smtClean="0">
                 <a:solidFill>
-                  <a:srgbClr val="000000"/>
+                  <a:srgbClr val="C00000"/>
                 </a:solidFill>
               </a:rPr>
-              <a:t>DBMS operations</a:t>
+              <a:t>NOT occur</a:t>
+            </a:r>
+            <a:r>
+              <a:rPr lang="en-US" altLang="en-US" sz="2400" dirty="0" smtClean="0"/>
+              <a:t> </a:t>
+            </a:r>
+            <a:r>
+              <a:rPr lang="en-US" altLang="en-US" sz="2400" dirty="0"/>
+              <a:t>in the data warehouse environment</a:t>
             </a:r>
           </a:p>
           <a:p>
@@ -8301,51 +9245,8 @@
               </a:lnSpc>
             </a:pPr>
             <a:r>
-              <a:rPr lang="en-US" altLang="en-US" sz="2400" dirty="0" smtClean="0">
-                <a:solidFill>
-                  <a:srgbClr val="000000"/>
-                </a:solidFill>
-              </a:rPr>
-              <a:t>Query and transactional processing</a:t>
-            </a:r>
-          </a:p>
-          <a:p>
-            <a:pPr>
-              <a:lnSpc>
-                <a:spcPct val="130000"/>
-              </a:lnSpc>
-            </a:pPr>
-            <a:r>
-              <a:rPr lang="en-US" altLang="en-US" sz="2800" dirty="0" smtClean="0">
-                <a:solidFill>
-                  <a:srgbClr val="000000"/>
-                </a:solidFill>
-              </a:rPr>
-              <a:t>OLAP: </a:t>
-            </a:r>
-            <a:r>
-              <a:rPr lang="en-US" altLang="en-US" sz="2800" b="1" dirty="0" smtClean="0">
-                <a:solidFill>
-                  <a:srgbClr val="FF0000"/>
-                </a:solidFill>
-              </a:rPr>
-              <a:t>Online</a:t>
-            </a:r>
-            <a:r>
-              <a:rPr lang="en-US" altLang="en-US" sz="2800" dirty="0" smtClean="0">
-                <a:solidFill>
-                  <a:srgbClr val="FF0000"/>
-                </a:solidFill>
-              </a:rPr>
-              <a:t> </a:t>
-            </a:r>
-            <a:r>
-              <a:rPr lang="en-US" altLang="en-US" sz="2800" dirty="0" smtClean="0">
-                <a:solidFill>
-                  <a:srgbClr val="0070C0"/>
-                </a:solidFill>
-              </a:rPr>
-              <a:t>analytical processing</a:t>
+              <a:rPr lang="en-US" altLang="en-US" sz="2400" dirty="0"/>
+              <a:t>Does not require transaction processing, recovery, and concurrency control mechanisms</a:t>
             </a:r>
           </a:p>
           <a:p>
@@ -8355,28 +9256,45 @@
               </a:lnSpc>
             </a:pPr>
             <a:r>
-              <a:rPr lang="en-US" altLang="en-US" sz="2400" dirty="0" smtClean="0">
-                <a:solidFill>
-                  <a:srgbClr val="000000"/>
-                </a:solidFill>
-              </a:rPr>
-              <a:t>Data warehouse operations (drilling, slicing, dicing, etc.)</a:t>
-            </a:r>
-          </a:p>
-          <a:p>
-            <a:pPr lvl="1">
+              <a:rPr lang="en-US" altLang="en-US" sz="2400" dirty="0"/>
+              <a:t>Requires only two operations in data accessing: </a:t>
+            </a:r>
+          </a:p>
+          <a:p>
+            <a:pPr lvl="2">
               <a:lnSpc>
                 <a:spcPct val="130000"/>
               </a:lnSpc>
             </a:pPr>
             <a:r>
-              <a:rPr lang="en-US" altLang="en-US" sz="2400" dirty="0" smtClean="0">
+              <a:rPr lang="en-US" altLang="en-US" dirty="0">
                 <a:solidFill>
-                  <a:srgbClr val="000000"/>
+                  <a:schemeClr val="hlink"/>
                 </a:solidFill>
               </a:rPr>
-              <a:t>Data analysis to support decision making</a:t>
-            </a:r>
+              <a:t>initial loading of data</a:t>
+            </a:r>
+            <a:r>
+              <a:rPr lang="en-US" altLang="en-US" dirty="0"/>
+              <a:t> and </a:t>
+            </a:r>
+            <a:r>
+              <a:rPr lang="en-US" altLang="en-US" dirty="0">
+                <a:solidFill>
+                  <a:schemeClr val="hlink"/>
+                </a:solidFill>
+              </a:rPr>
+              <a:t>access of </a:t>
+            </a:r>
+            <a:r>
+              <a:rPr lang="en-US" altLang="en-US" dirty="0" smtClean="0">
+                <a:solidFill>
+                  <a:schemeClr val="hlink"/>
+                </a:solidFill>
+              </a:rPr>
+              <a:t>data</a:t>
+            </a:r>
+            <a:endParaRPr lang="en-US" altLang="en-US" dirty="0"/>
           </a:p>
         </p:txBody>
       </p:sp>
@@ -8406,7 +9324,7 @@
     </p:spTree>
     <p:extLst>
       <p:ext uri="{BB962C8B-B14F-4D97-AF65-F5344CB8AC3E}">
-        <p14:creationId xmlns:p14="http://schemas.microsoft.com/office/powerpoint/2010/main" val="1613509881"/>
+        <p14:creationId xmlns:p14="http://schemas.microsoft.com/office/powerpoint/2010/main" val="46094343"/>
       </p:ext>
     </p:extLst>
   </p:cSld>
@@ -8498,6 +9416,167 @@
       </p:sp>
       <p:sp>
         <p:nvSpPr>
+          <p:cNvPr id="3" name="Content Placeholder 2"/>
+          <p:cNvSpPr>
+            <a:spLocks noGrp="1"/>
+          </p:cNvSpPr>
+          <p:nvPr>
+            <p:ph idx="1"/>
+          </p:nvPr>
+        </p:nvSpPr>
+        <p:spPr>
+          <a:xfrm>
+            <a:off x="457200" y="1600200"/>
+            <a:ext cx="8343900" cy="4525963"/>
+          </a:xfrm>
+        </p:spPr>
+        <p:txBody>
+          <a:bodyPr>
+            <a:normAutofit/>
+          </a:bodyPr>
+          <a:lstStyle/>
+          <a:p>
+            <a:pPr>
+              <a:lnSpc>
+                <a:spcPct val="130000"/>
+              </a:lnSpc>
+            </a:pPr>
+            <a:r>
+              <a:rPr lang="en-US" altLang="en-US" sz="2800" dirty="0" smtClean="0">
+                <a:solidFill>
+                  <a:srgbClr val="000000"/>
+                </a:solidFill>
+              </a:rPr>
+              <a:t>OLTP: </a:t>
+            </a:r>
+            <a:r>
+              <a:rPr lang="en-US" altLang="en-US" sz="2800" b="1" dirty="0" smtClean="0">
+                <a:solidFill>
+                  <a:srgbClr val="FF0000"/>
+                </a:solidFill>
+              </a:rPr>
+              <a:t>Online</a:t>
+            </a:r>
+            <a:r>
+              <a:rPr lang="en-US" altLang="en-US" sz="2800" dirty="0" smtClean="0">
+                <a:solidFill>
+                  <a:srgbClr val="FF0000"/>
+                </a:solidFill>
+              </a:rPr>
+              <a:t> </a:t>
+            </a:r>
+            <a:r>
+              <a:rPr lang="en-US" altLang="en-US" sz="2800" dirty="0" smtClean="0">
+                <a:solidFill>
+                  <a:srgbClr val="7030A0"/>
+                </a:solidFill>
+              </a:rPr>
+              <a:t>transactional processing</a:t>
+            </a:r>
+          </a:p>
+          <a:p>
+            <a:pPr lvl="1">
+              <a:lnSpc>
+                <a:spcPct val="130000"/>
+              </a:lnSpc>
+            </a:pPr>
+            <a:r>
+              <a:rPr lang="en-US" altLang="en-US" sz="2400" dirty="0" smtClean="0">
+                <a:solidFill>
+                  <a:srgbClr val="000000"/>
+                </a:solidFill>
+              </a:rPr>
+              <a:t>DBMS operations</a:t>
+            </a:r>
+          </a:p>
+          <a:p>
+            <a:pPr lvl="1">
+              <a:lnSpc>
+                <a:spcPct val="130000"/>
+              </a:lnSpc>
+            </a:pPr>
+            <a:r>
+              <a:rPr lang="en-US" altLang="en-US" sz="2400" dirty="0" smtClean="0">
+                <a:solidFill>
+                  <a:srgbClr val="000000"/>
+                </a:solidFill>
+              </a:rPr>
+              <a:t>Query and transactional processing</a:t>
+            </a:r>
+          </a:p>
+          <a:p>
+            <a:pPr>
+              <a:lnSpc>
+                <a:spcPct val="130000"/>
+              </a:lnSpc>
+            </a:pPr>
+            <a:r>
+              <a:rPr lang="en-US" altLang="en-US" sz="2800" dirty="0" smtClean="0">
+                <a:solidFill>
+                  <a:srgbClr val="000000"/>
+                </a:solidFill>
+              </a:rPr>
+              <a:t>OLAP: </a:t>
+            </a:r>
+            <a:r>
+              <a:rPr lang="en-US" altLang="en-US" sz="2800" b="1" dirty="0" smtClean="0">
+                <a:solidFill>
+                  <a:srgbClr val="FF0000"/>
+                </a:solidFill>
+              </a:rPr>
+              <a:t>Online</a:t>
+            </a:r>
+            <a:r>
+              <a:rPr lang="en-US" altLang="en-US" sz="2800" dirty="0" smtClean="0">
+                <a:solidFill>
+                  <a:srgbClr val="FF0000"/>
+                </a:solidFill>
+              </a:rPr>
+              <a:t> </a:t>
+            </a:r>
+            <a:r>
+              <a:rPr lang="en-US" altLang="en-US" sz="2800" dirty="0" smtClean="0">
+                <a:solidFill>
+                  <a:srgbClr val="0070C0"/>
+                </a:solidFill>
+              </a:rPr>
+              <a:t>analytical processing</a:t>
+            </a:r>
+          </a:p>
+          <a:p>
+            <a:pPr lvl="1">
+              <a:lnSpc>
+                <a:spcPct val="130000"/>
+              </a:lnSpc>
+            </a:pPr>
+            <a:r>
+              <a:rPr lang="en-US" altLang="en-US" sz="2400" dirty="0" smtClean="0">
+                <a:solidFill>
+                  <a:srgbClr val="000000"/>
+                </a:solidFill>
+              </a:rPr>
+              <a:t>Data warehouse operations (drilling, slicing, dicing, etc.)</a:t>
+            </a:r>
+          </a:p>
+          <a:p>
+            <a:pPr lvl="1">
+              <a:lnSpc>
+                <a:spcPct val="130000"/>
+              </a:lnSpc>
+            </a:pPr>
+            <a:r>
+              <a:rPr lang="en-US" altLang="en-US" sz="2400" dirty="0" smtClean="0">
+                <a:solidFill>
+                  <a:srgbClr val="000000"/>
+                </a:solidFill>
+              </a:rPr>
+              <a:t>Data analysis to support decision making</a:t>
+            </a:r>
+          </a:p>
+        </p:txBody>
+      </p:sp>
+      <p:sp>
+        <p:nvSpPr>
           <p:cNvPr id="4" name="Slide Number Placeholder 3"/>
           <p:cNvSpPr>
             <a:spLocks noGrp="1"/>
@@ -8514,6 +9593,122 @@
             <a:fld id="{18A68613-FF0B-4246-B613-8295211CFAFA}" type="slidenum">
               <a:rPr lang="en-US" smtClean="0"/>
               <a:t>22</a:t>
+            </a:fld>
+            <a:endParaRPr lang="en-US"/>
+          </a:p>
+        </p:txBody>
+      </p:sp>
+    </p:spTree>
+    <p:extLst>
+      <p:ext uri="{BB962C8B-B14F-4D97-AF65-F5344CB8AC3E}">
+        <p14:creationId xmlns:p14="http://schemas.microsoft.com/office/powerpoint/2010/main" val="1613509881"/>
+      </p:ext>
+    </p:extLst>
+  </p:cSld>
+  <p:clrMapOvr>
+    <a:masterClrMapping/>
+  </p:clrMapOvr>
+</p:sld>
+</file>
+
+<file path=ppt/slides/slide23.xml><?xml version="1.0" encoding="utf-8"?>
+<p:sld xmlns:a="http://schemas.openxmlformats.org/drawingml/2006/main" xmlns:r="http://schemas.openxmlformats.org/officeDocument/2006/relationships" xmlns:p="http://schemas.openxmlformats.org/presentationml/2006/main">
+  <p:cSld>
+    <p:spTree>
+      <p:nvGrpSpPr>
+        <p:cNvPr id="1" name=""/>
+        <p:cNvGrpSpPr/>
+        <p:nvPr/>
+      </p:nvGrpSpPr>
+      <p:grpSpPr>
+        <a:xfrm>
+          <a:off x="0" y="0"/>
+          <a:ext cx="0" cy="0"/>
+          <a:chOff x="0" y="0"/>
+          <a:chExt cx="0" cy="0"/>
+        </a:xfrm>
+      </p:grpSpPr>
+      <p:sp>
+        <p:nvSpPr>
+          <p:cNvPr id="2" name="Title 1"/>
+          <p:cNvSpPr>
+            <a:spLocks noGrp="1"/>
+          </p:cNvSpPr>
+          <p:nvPr>
+            <p:ph type="title"/>
+          </p:nvPr>
+        </p:nvSpPr>
+        <p:spPr/>
+        <p:txBody>
+          <a:bodyPr/>
+          <a:lstStyle/>
+          <a:p>
+            <a:r>
+              <a:rPr lang="en-US" altLang="zh-CN" dirty="0"/>
+              <a:t>OL</a:t>
+            </a:r>
+            <a:r>
+              <a:rPr lang="en-US" altLang="zh-CN" b="1" dirty="0">
+                <a:solidFill>
+                  <a:srgbClr val="FF0000"/>
+                </a:solidFill>
+              </a:rPr>
+              <a:t>T</a:t>
+            </a:r>
+            <a:r>
+              <a:rPr lang="en-US" altLang="zh-CN" dirty="0"/>
+              <a:t>P</a:t>
+            </a:r>
+            <a:r>
+              <a:rPr lang="zh-CN" altLang="en-US" dirty="0"/>
+              <a:t> </a:t>
+            </a:r>
+            <a:r>
+              <a:rPr lang="en-US" altLang="zh-CN" dirty="0"/>
+              <a:t>vs</a:t>
+            </a:r>
+            <a:r>
+              <a:rPr lang="zh-CN" altLang="en-US" dirty="0"/>
+              <a:t> </a:t>
+            </a:r>
+            <a:r>
+              <a:rPr lang="en-US" altLang="zh-CN" dirty="0"/>
+              <a:t>OL</a:t>
+            </a:r>
+            <a:r>
+              <a:rPr lang="en-US" altLang="zh-CN" b="1" dirty="0">
+                <a:solidFill>
+                  <a:srgbClr val="FF0000"/>
+                </a:solidFill>
+              </a:rPr>
+              <a:t>A</a:t>
+            </a:r>
+            <a:r>
+              <a:rPr lang="en-US" altLang="zh-CN" dirty="0"/>
+              <a:t>P</a:t>
+            </a:r>
+            <a:endParaRPr lang="en-US" dirty="0"/>
+          </a:p>
+        </p:txBody>
+      </p:sp>
+      <p:sp>
+        <p:nvSpPr>
+          <p:cNvPr id="4" name="Slide Number Placeholder 3"/>
+          <p:cNvSpPr>
+            <a:spLocks noGrp="1"/>
+          </p:cNvSpPr>
+          <p:nvPr>
+            <p:ph type="sldNum" sz="quarter" idx="12"/>
+          </p:nvPr>
+        </p:nvSpPr>
+        <p:spPr/>
+        <p:txBody>
+          <a:bodyPr/>
+          <a:lstStyle/>
+          <a:p>
+            <a:fld id="{18A68613-FF0B-4246-B613-8295211CFAFA}" type="slidenum">
+              <a:rPr lang="en-US" smtClean="0"/>
+              <a:t>23</a:t>
             </a:fld>
             <a:endParaRPr lang="en-US"/>
           </a:p>
@@ -8552,7 +9747,7 @@
             <a:graphicData uri="http://schemas.openxmlformats.org/presentationml/2006/ole">
               <mc:AlternateContent xmlns:mc="http://schemas.openxmlformats.org/markup-compatibility/2006">
                 <mc:Choice xmlns:v="urn:schemas-microsoft-com:vml" Requires="v">
-                  <p:oleObj spid="_x0000_s3120" name="Document" r:id="rId3" imgW="11163300" imgH="5600700" progId="Word.Document.8">
+                  <p:oleObj spid="_x0000_s3126" name="Document" r:id="rId3" imgW="11163300" imgH="5600700" progId="Word.Document.8">
                     <p:embed/>
                   </p:oleObj>
                 </mc:Choice>
@@ -8623,7 +9818,7 @@
             </a:ln>
             <a:extLst>
               <a:ext uri="{909E8E84-426E-40dd-AFC4-6F175D3DCCD1}">
-                <a14:hiddenFill xmlns="" xmlns:a14="http://schemas.microsoft.com/office/drawing/2010/main">
+                <a14:hiddenFill xmlns:a14="http://schemas.microsoft.com/office/drawing/2010/main" xmlns="">
                   <a:noFill/>
                 </a14:hiddenFill>
               </a:ext>
@@ -8655,7 +9850,7 @@
 </p:sld>
 </file>
 
-<file path=ppt/slides/slide23.xml><?xml version="1.0" encoding="utf-8"?>
+<file path=ppt/slides/slide24.xml><?xml version="1.0" encoding="utf-8"?>
 <p:sld xmlns:a="http://schemas.openxmlformats.org/drawingml/2006/main" xmlns:r="http://schemas.openxmlformats.org/officeDocument/2006/relationships" xmlns:p="http://schemas.openxmlformats.org/presentationml/2006/main">
   <p:cSld>
     <p:spTree>
@@ -8819,7 +10014,7 @@
           <a:p>
             <a:fld id="{18A68613-FF0B-4246-B613-8295211CFAFA}" type="slidenum">
               <a:rPr lang="en-US" smtClean="0"/>
-              <a:t>23</a:t>
+              <a:t>24</a:t>
             </a:fld>
             <a:endParaRPr lang="en-US"/>
           </a:p>
@@ -8928,7 +10123,7 @@
 </p:sld>
 </file>
 
-<file path=ppt/slides/slide24.xml><?xml version="1.0" encoding="utf-8"?>
+<file path=ppt/slides/slide25.xml><?xml version="1.0" encoding="utf-8"?>
 <p:sld xmlns:a="http://schemas.openxmlformats.org/drawingml/2006/main" xmlns:r="http://schemas.openxmlformats.org/officeDocument/2006/relationships" xmlns:p="http://schemas.openxmlformats.org/presentationml/2006/main">
   <p:cSld>
     <p:spTree>
@@ -9170,7 +10365,7 @@
           <a:p>
             <a:fld id="{18A68613-FF0B-4246-B613-8295211CFAFA}" type="slidenum">
               <a:rPr lang="en-US" smtClean="0"/>
-              <a:t>24</a:t>
+              <a:t>25</a:t>
             </a:fld>
             <a:endParaRPr lang="en-US"/>
           </a:p>
@@ -9180,216 +10375,6 @@
     <p:extLst>
       <p:ext uri="{BB962C8B-B14F-4D97-AF65-F5344CB8AC3E}">
         <p14:creationId xmlns:p14="http://schemas.microsoft.com/office/powerpoint/2010/main" val="1675979905"/>
-      </p:ext>
-    </p:extLst>
-  </p:cSld>
-  <p:clrMapOvr>
-    <a:masterClrMapping/>
-  </p:clrMapOvr>
-</p:sld>
-</file>
-
-<file path=ppt/slides/slide25.xml><?xml version="1.0" encoding="utf-8"?>
-<p:sld xmlns:a="http://schemas.openxmlformats.org/drawingml/2006/main" xmlns:r="http://schemas.openxmlformats.org/officeDocument/2006/relationships" xmlns:p="http://schemas.openxmlformats.org/presentationml/2006/main">
-  <p:cSld>
-    <p:spTree>
-      <p:nvGrpSpPr>
-        <p:cNvPr id="1" name=""/>
-        <p:cNvGrpSpPr/>
-        <p:nvPr/>
-      </p:nvGrpSpPr>
-      <p:grpSpPr>
-        <a:xfrm>
-          <a:off x="0" y="0"/>
-          <a:ext cx="0" cy="0"/>
-          <a:chOff x="0" y="0"/>
-          <a:chExt cx="0" cy="0"/>
-        </a:xfrm>
-      </p:grpSpPr>
-      <p:sp>
-        <p:nvSpPr>
-          <p:cNvPr id="2" name="Title 1"/>
-          <p:cNvSpPr>
-            <a:spLocks noGrp="1"/>
-          </p:cNvSpPr>
-          <p:nvPr>
-            <p:ph type="title"/>
-          </p:nvPr>
-        </p:nvSpPr>
-        <p:spPr/>
-        <p:txBody>
-          <a:bodyPr/>
-          <a:lstStyle/>
-          <a:p>
-            <a:r>
-              <a:rPr lang="en-US" altLang="en-US" dirty="0"/>
-              <a:t>Data Warehouse Usage</a:t>
-            </a:r>
-            <a:endParaRPr lang="en-US" dirty="0"/>
-          </a:p>
-        </p:txBody>
-      </p:sp>
-      <p:sp>
-        <p:nvSpPr>
-          <p:cNvPr id="3" name="Content Placeholder 2"/>
-          <p:cNvSpPr>
-            <a:spLocks noGrp="1"/>
-          </p:cNvSpPr>
-          <p:nvPr>
-            <p:ph idx="1"/>
-          </p:nvPr>
-        </p:nvSpPr>
-        <p:spPr/>
-        <p:txBody>
-          <a:bodyPr>
-            <a:normAutofit fontScale="92500" lnSpcReduction="20000"/>
-          </a:bodyPr>
-          <a:lstStyle/>
-          <a:p>
-            <a:pPr>
-              <a:spcAft>
-                <a:spcPts val="600"/>
-              </a:spcAft>
-            </a:pPr>
-            <a:r>
-              <a:rPr lang="en-US" altLang="en-US" sz="2400" dirty="0"/>
-              <a:t>Three kinds of data warehouse applications</a:t>
-            </a:r>
-          </a:p>
-          <a:p>
-            <a:pPr lvl="1">
-              <a:spcAft>
-                <a:spcPts val="600"/>
-              </a:spcAft>
-            </a:pPr>
-            <a:r>
-              <a:rPr lang="en-US" altLang="en-US" sz="2400" dirty="0">
-                <a:solidFill>
-                  <a:srgbClr val="FF0000"/>
-                </a:solidFill>
-              </a:rPr>
-              <a:t>Information processing</a:t>
-            </a:r>
-          </a:p>
-          <a:p>
-            <a:pPr lvl="2">
-              <a:spcAft>
-                <a:spcPts val="600"/>
-              </a:spcAft>
-            </a:pPr>
-            <a:r>
-              <a:rPr lang="en-US" altLang="en-US" dirty="0"/>
-              <a:t>supports querying, basic statistical analysis, and reporting using crosstabs, tables, charts and graphs</a:t>
-            </a:r>
-          </a:p>
-          <a:p>
-            <a:pPr lvl="1">
-              <a:spcAft>
-                <a:spcPts val="600"/>
-              </a:spcAft>
-            </a:pPr>
-            <a:r>
-              <a:rPr lang="en-US" altLang="en-US" sz="2400" dirty="0">
-                <a:solidFill>
-                  <a:srgbClr val="FF0000"/>
-                </a:solidFill>
-              </a:rPr>
-              <a:t>Analytical processing</a:t>
-            </a:r>
-          </a:p>
-          <a:p>
-            <a:pPr lvl="2">
-              <a:spcAft>
-                <a:spcPts val="600"/>
-              </a:spcAft>
-            </a:pPr>
-            <a:r>
-              <a:rPr lang="en-US" altLang="en-US" dirty="0"/>
-              <a:t>multidimensional analysis of data warehouse data</a:t>
-            </a:r>
-          </a:p>
-          <a:p>
-            <a:pPr lvl="2">
-              <a:spcAft>
-                <a:spcPts val="600"/>
-              </a:spcAft>
-            </a:pPr>
-            <a:r>
-              <a:rPr lang="en-US" altLang="en-US" dirty="0"/>
-              <a:t>supports basic OLAP operations, slice-dice, drilling, pivoting</a:t>
-            </a:r>
-          </a:p>
-          <a:p>
-            <a:pPr lvl="1">
-              <a:spcAft>
-                <a:spcPts val="600"/>
-              </a:spcAft>
-            </a:pPr>
-            <a:r>
-              <a:rPr lang="en-US" altLang="en-US" sz="2400" dirty="0">
-                <a:solidFill>
-                  <a:srgbClr val="FF0000"/>
-                </a:solidFill>
-              </a:rPr>
-              <a:t>Data mining</a:t>
-            </a:r>
-          </a:p>
-          <a:p>
-            <a:pPr lvl="2">
-              <a:spcAft>
-                <a:spcPts val="600"/>
-              </a:spcAft>
-            </a:pPr>
-            <a:r>
-              <a:rPr lang="en-US" altLang="en-US" dirty="0"/>
-              <a:t>knowledge discovery from hidden patterns </a:t>
-            </a:r>
-          </a:p>
-          <a:p>
-            <a:pPr lvl="2">
-              <a:spcAft>
-                <a:spcPts val="600"/>
-              </a:spcAft>
-            </a:pPr>
-            <a:r>
-              <a:rPr lang="en-US" altLang="en-US" dirty="0"/>
-              <a:t>supports associations, constructing analytical models, performing classification and prediction, and presenting the mining results using visualization </a:t>
-            </a:r>
-            <a:r>
-              <a:rPr lang="en-US" altLang="en-US" dirty="0" smtClean="0"/>
-              <a:t>tools</a:t>
-            </a:r>
-            <a:endParaRPr lang="en-US" altLang="en-US" dirty="0"/>
-          </a:p>
-        </p:txBody>
-      </p:sp>
-      <p:sp>
-        <p:nvSpPr>
-          <p:cNvPr id="4" name="Slide Number Placeholder 3"/>
-          <p:cNvSpPr>
-            <a:spLocks noGrp="1"/>
-          </p:cNvSpPr>
-          <p:nvPr>
-            <p:ph type="sldNum" sz="quarter" idx="12"/>
-          </p:nvPr>
-        </p:nvSpPr>
-        <p:spPr/>
-        <p:txBody>
-          <a:bodyPr/>
-          <a:lstStyle/>
-          <a:p>
-            <a:fld id="{18A68613-FF0B-4246-B613-8295211CFAFA}" type="slidenum">
-              <a:rPr lang="en-US" smtClean="0"/>
-              <a:t>25</a:t>
-            </a:fld>
-            <a:endParaRPr lang="en-US"/>
-          </a:p>
-        </p:txBody>
-      </p:sp>
-    </p:spTree>
-    <p:extLst>
-      <p:ext uri="{BB962C8B-B14F-4D97-AF65-F5344CB8AC3E}">
-        <p14:creationId xmlns:p14="http://schemas.microsoft.com/office/powerpoint/2010/main" val="1451900562"/>
       </p:ext>
     </p:extLst>
   </p:cSld>
@@ -9433,7 +10418,7 @@
           <a:p>
             <a:r>
               <a:rPr lang="en-US" altLang="en-US" dirty="0"/>
-              <a:t>Efficient Processing OLAP Queries</a:t>
+              <a:t>Data Warehouse Usage</a:t>
             </a:r>
             <a:endParaRPr lang="en-US" dirty="0"/>
           </a:p>
@@ -9449,214 +10434,127 @@
             <p:ph idx="1"/>
           </p:nvPr>
         </p:nvSpPr>
-        <p:spPr>
-          <a:xfrm>
-            <a:off x="457200" y="1600200"/>
-            <a:ext cx="8686800" cy="4525963"/>
-          </a:xfrm>
-        </p:spPr>
+        <p:spPr/>
         <p:txBody>
           <a:bodyPr>
-            <a:noAutofit/>
+            <a:normAutofit fontScale="92500" lnSpcReduction="20000"/>
           </a:bodyPr>
           <a:lstStyle/>
           <a:p>
             <a:pPr>
               <a:spcAft>
-                <a:spcPts val="200"/>
+                <a:spcPts val="600"/>
               </a:spcAft>
             </a:pPr>
             <a:r>
-              <a:rPr lang="en-US" altLang="en-US" sz="2000" b="1" dirty="0"/>
-              <a:t>Determine which operations</a:t>
-            </a:r>
-            <a:r>
-              <a:rPr lang="en-US" altLang="en-US" sz="2000" dirty="0"/>
-              <a:t> should be performed on the available cuboids</a:t>
+              <a:rPr lang="en-US" altLang="en-US" sz="2400" dirty="0"/>
+              <a:t>Three kinds of data warehouse applications</a:t>
             </a:r>
           </a:p>
           <a:p>
             <a:pPr lvl="1">
               <a:spcAft>
-                <a:spcPts val="200"/>
+                <a:spcPts val="600"/>
               </a:spcAft>
             </a:pPr>
             <a:r>
-              <a:rPr lang="en-US" altLang="en-US" sz="2000" dirty="0"/>
-              <a:t>Transform drill, roll, etc. into corresponding SQL and/or OLAP operations, e.g., dice = selection + projection</a:t>
-            </a:r>
-          </a:p>
-          <a:p>
-            <a:pPr>
+              <a:rPr lang="en-US" altLang="en-US" sz="2400" dirty="0">
+                <a:solidFill>
+                  <a:srgbClr val="FF0000"/>
+                </a:solidFill>
+              </a:rPr>
+              <a:t>Information processing</a:t>
+            </a:r>
+          </a:p>
+          <a:p>
+            <a:pPr lvl="2">
               <a:spcAft>
-                <a:spcPts val="200"/>
+                <a:spcPts val="600"/>
               </a:spcAft>
             </a:pPr>
             <a:r>
-              <a:rPr lang="en-US" altLang="en-US" sz="2000" b="1" dirty="0"/>
-              <a:t>Determine which materialized cuboid(s)</a:t>
-            </a:r>
-            <a:r>
-              <a:rPr lang="en-US" altLang="en-US" sz="2000" dirty="0"/>
-              <a:t> should be selected for OLAP op.</a:t>
+              <a:rPr lang="en-US" altLang="en-US" dirty="0"/>
+              <a:t>supports querying, basic statistical analysis, and reporting using crosstabs, tables, charts and graphs</a:t>
             </a:r>
           </a:p>
           <a:p>
             <a:pPr lvl="1">
               <a:spcAft>
-                <a:spcPts val="200"/>
+                <a:spcPts val="600"/>
               </a:spcAft>
             </a:pPr>
             <a:r>
-              <a:rPr lang="en-US" altLang="en-US" sz="2000" dirty="0"/>
-              <a:t>Let the query to be processed be on {</a:t>
-            </a:r>
-            <a:r>
-              <a:rPr lang="en-US" altLang="en-US" sz="2000" i="1" dirty="0"/>
-              <a:t>brand, </a:t>
-            </a:r>
-            <a:r>
-              <a:rPr lang="en-US" altLang="en-US" sz="2000" i="1" dirty="0" err="1"/>
-              <a:t>province_or_state</a:t>
-            </a:r>
-            <a:r>
-              <a:rPr lang="en-US" altLang="en-US" sz="2000" dirty="0"/>
-              <a:t>} with the condition “</a:t>
-            </a:r>
-            <a:r>
-              <a:rPr lang="en-US" altLang="en-US" sz="2000" i="1" dirty="0"/>
-              <a:t>year = 2004</a:t>
-            </a:r>
-            <a:r>
-              <a:rPr lang="en-US" altLang="en-US" sz="2000" dirty="0"/>
-              <a:t>”, and there are 4 materialized cuboids available:</a:t>
+              <a:rPr lang="en-US" altLang="en-US" sz="2400" dirty="0">
+                <a:solidFill>
+                  <a:srgbClr val="FF0000"/>
+                </a:solidFill>
+              </a:rPr>
+              <a:t>Analytical processing</a:t>
             </a:r>
           </a:p>
           <a:p>
             <a:pPr lvl="2">
               <a:spcAft>
-                <a:spcPts val="200"/>
+                <a:spcPts val="600"/>
               </a:spcAft>
-              <a:buNone/>
             </a:pPr>
             <a:r>
-              <a:rPr lang="en-US" altLang="en-US" sz="2000" dirty="0"/>
-              <a:t>1) {</a:t>
-            </a:r>
-            <a:r>
-              <a:rPr lang="en-US" altLang="en-US" sz="2000" i="1" dirty="0"/>
-              <a:t>year, </a:t>
-            </a:r>
-            <a:r>
-              <a:rPr lang="en-US" altLang="en-US" sz="2000" i="1" dirty="0" err="1"/>
-              <a:t>item_name</a:t>
-            </a:r>
-            <a:r>
-              <a:rPr lang="en-US" altLang="en-US" sz="2000" i="1" dirty="0"/>
-              <a:t>, city</a:t>
-            </a:r>
-            <a:r>
-              <a:rPr lang="en-US" altLang="en-US" sz="2000" dirty="0"/>
-              <a:t>}  </a:t>
+              <a:rPr lang="en-US" altLang="en-US" dirty="0"/>
+              <a:t>multidimensional analysis of data warehouse data</a:t>
             </a:r>
           </a:p>
           <a:p>
             <a:pPr lvl="2">
               <a:spcAft>
-                <a:spcPts val="200"/>
+                <a:spcPts val="600"/>
               </a:spcAft>
-              <a:buNone/>
             </a:pPr>
             <a:r>
-              <a:rPr lang="en-US" altLang="en-US" sz="2000" dirty="0"/>
-              <a:t>2) {</a:t>
-            </a:r>
-            <a:r>
-              <a:rPr lang="en-US" altLang="en-US" sz="2000" i="1" dirty="0"/>
-              <a:t>year, brand, country</a:t>
-            </a:r>
-            <a:r>
-              <a:rPr lang="en-US" altLang="en-US" sz="2000" dirty="0"/>
-              <a:t>}</a:t>
+              <a:rPr lang="en-US" altLang="en-US" dirty="0"/>
+              <a:t>supports basic OLAP operations, slice-dice, drilling, pivoting</a:t>
+            </a:r>
+          </a:p>
+          <a:p>
+            <a:pPr lvl="1">
+              <a:spcAft>
+                <a:spcPts val="600"/>
+              </a:spcAft>
+            </a:pPr>
+            <a:r>
+              <a:rPr lang="en-US" altLang="en-US" sz="2400" dirty="0">
+                <a:solidFill>
+                  <a:srgbClr val="FF0000"/>
+                </a:solidFill>
+              </a:rPr>
+              <a:t>Data mining</a:t>
             </a:r>
           </a:p>
           <a:p>
             <a:pPr lvl="2">
               <a:spcAft>
-                <a:spcPts val="200"/>
+                <a:spcPts val="600"/>
               </a:spcAft>
-              <a:buNone/>
             </a:pPr>
             <a:r>
-              <a:rPr lang="en-US" altLang="en-US" sz="2000" dirty="0"/>
-              <a:t>3) {</a:t>
-            </a:r>
-            <a:r>
-              <a:rPr lang="en-US" altLang="en-US" sz="2000" i="1" dirty="0"/>
-              <a:t>year, brand, </a:t>
-            </a:r>
-            <a:r>
-              <a:rPr lang="en-US" altLang="en-US" sz="2000" i="1" dirty="0" err="1"/>
-              <a:t>province_or_state</a:t>
-            </a:r>
-            <a:r>
-              <a:rPr lang="en-US" altLang="en-US" sz="2000" dirty="0" smtClean="0"/>
-              <a:t>}</a:t>
-            </a:r>
-            <a:endParaRPr lang="en-US" altLang="en-US" sz="2000" b="1" dirty="0">
-              <a:solidFill>
-                <a:srgbClr val="00B050"/>
-              </a:solidFill>
-            </a:endParaRPr>
+              <a:rPr lang="en-US" altLang="en-US" dirty="0"/>
+              <a:t>knowledge discovery from hidden patterns </a:t>
+            </a:r>
           </a:p>
           <a:p>
             <a:pPr lvl="2">
               <a:spcAft>
-                <a:spcPts val="200"/>
+                <a:spcPts val="600"/>
               </a:spcAft>
-              <a:buNone/>
             </a:pPr>
             <a:r>
-              <a:rPr lang="en-US" altLang="en-US" sz="2000" dirty="0"/>
-              <a:t>4) {</a:t>
-            </a:r>
-            <a:r>
-              <a:rPr lang="en-US" altLang="en-US" sz="2000" i="1" dirty="0" err="1"/>
-              <a:t>item_name</a:t>
-            </a:r>
-            <a:r>
-              <a:rPr lang="en-US" altLang="en-US" sz="2000" i="1" dirty="0"/>
-              <a:t>, </a:t>
-            </a:r>
-            <a:r>
-              <a:rPr lang="en-US" altLang="en-US" sz="2000" i="1" dirty="0" err="1"/>
-              <a:t>province_or_state</a:t>
-            </a:r>
-            <a:r>
-              <a:rPr lang="en-US" altLang="en-US" sz="2000" dirty="0"/>
-              <a:t>}  where </a:t>
-            </a:r>
-            <a:r>
-              <a:rPr lang="en-US" altLang="en-US" sz="2000" i="1" dirty="0"/>
-              <a:t>year = 2004</a:t>
-            </a:r>
-          </a:p>
-          <a:p>
-            <a:pPr lvl="2">
-              <a:spcAft>
-                <a:spcPts val="200"/>
-              </a:spcAft>
-              <a:buNone/>
-            </a:pPr>
-            <a:r>
-              <a:rPr lang="en-US" altLang="en-US" sz="2000" dirty="0"/>
-              <a:t>Which should be selected to process the query</a:t>
-            </a:r>
-            <a:r>
-              <a:rPr lang="en-US" altLang="en-US" sz="2000" dirty="0" smtClean="0"/>
-              <a:t>?</a:t>
-            </a:r>
-            <a:endParaRPr lang="en-US" altLang="en-US" sz="2000" dirty="0"/>
+              <a:rPr lang="en-US" altLang="en-US" dirty="0"/>
+              <a:t>supports associations, constructing analytical models, performing classification and prediction, and presenting the mining results using visualization </a:t>
+            </a:r>
+            <a:r>
+              <a:rPr lang="en-US" altLang="en-US" dirty="0" smtClean="0"/>
+              <a:t>tools</a:t>
+            </a:r>
+            <a:endParaRPr lang="en-US" altLang="en-US" dirty="0"/>
           </a:p>
         </p:txBody>
       </p:sp>
@@ -9686,7 +10584,7 @@
     </p:spTree>
     <p:extLst>
       <p:ext uri="{BB962C8B-B14F-4D97-AF65-F5344CB8AC3E}">
-        <p14:creationId xmlns:p14="http://schemas.microsoft.com/office/powerpoint/2010/main" val="1879715242"/>
+        <p14:creationId xmlns:p14="http://schemas.microsoft.com/office/powerpoint/2010/main" val="1451900562"/>
       </p:ext>
     </p:extLst>
   </p:cSld>
@@ -9900,18 +10798,6 @@
               <a:rPr lang="en-US" altLang="en-US" sz="2000" dirty="0" smtClean="0"/>
               <a:t>}</a:t>
             </a:r>
-            <a:r>
-              <a:rPr lang="zh-CN" altLang="en-US" sz="2000" dirty="0" smtClean="0"/>
-              <a:t> </a:t>
-            </a:r>
-            <a:r>
-              <a:rPr lang="zh-CN" altLang="en-US" sz="2000" b="1" dirty="0" smtClean="0">
-                <a:solidFill>
-                  <a:srgbClr val="00B050"/>
-                </a:solidFill>
-              </a:rPr>
-              <a:t>√</a:t>
-            </a:r>
             <a:endParaRPr lang="en-US" altLang="en-US" sz="2000" b="1" dirty="0">
               <a:solidFill>
                 <a:srgbClr val="00B050"/>
@@ -9995,7 +10881,7 @@
     </p:spTree>
     <p:extLst>
       <p:ext uri="{BB962C8B-B14F-4D97-AF65-F5344CB8AC3E}">
-        <p14:creationId xmlns:p14="http://schemas.microsoft.com/office/powerpoint/2010/main" val="236064673"/>
+        <p14:creationId xmlns:p14="http://schemas.microsoft.com/office/powerpoint/2010/main" val="1879715242"/>
       </p:ext>
     </p:extLst>
   </p:cSld>
@@ -10038,8 +10924,8 @@
           <a:lstStyle/>
           <a:p>
             <a:r>
-              <a:rPr lang="en-US" dirty="0" smtClean="0"/>
-              <a:t>References</a:t>
+              <a:rPr lang="en-US" altLang="en-US" dirty="0"/>
+              <a:t>Efficient Processing OLAP Queries</a:t>
             </a:r>
             <a:endParaRPr lang="en-US" dirty="0"/>
           </a:p>
@@ -10055,198 +10941,226 @@
             <p:ph idx="1"/>
           </p:nvPr>
         </p:nvSpPr>
-        <p:spPr/>
+        <p:spPr>
+          <a:xfrm>
+            <a:off x="457200" y="1600200"/>
+            <a:ext cx="8686800" cy="4525963"/>
+          </a:xfrm>
+        </p:spPr>
         <p:txBody>
           <a:bodyPr>
-            <a:normAutofit fontScale="55000" lnSpcReduction="20000"/>
+            <a:noAutofit/>
           </a:bodyPr>
           <a:lstStyle/>
           <a:p>
             <a:pPr>
-              <a:spcBef>
-                <a:spcPct val="10000"/>
-              </a:spcBef>
               <a:spcAft>
-                <a:spcPct val="10000"/>
+                <a:spcPts val="200"/>
               </a:spcAft>
             </a:pPr>
             <a:r>
-              <a:rPr lang="en-US" altLang="en-US" dirty="0"/>
-              <a:t>S. Agarwal, R. Agrawal, P. M. Deshpande, A. Gupta, J. F. </a:t>
-            </a:r>
-            <a:r>
-              <a:rPr lang="en-US" altLang="en-US" dirty="0" err="1"/>
-              <a:t>Naughton</a:t>
-            </a:r>
-            <a:r>
-              <a:rPr lang="en-US" altLang="en-US" dirty="0"/>
-              <a:t>, R. </a:t>
-            </a:r>
-            <a:r>
-              <a:rPr lang="en-US" altLang="en-US" dirty="0" err="1"/>
-              <a:t>Ramakrishnan</a:t>
-            </a:r>
-            <a:r>
-              <a:rPr lang="en-US" altLang="en-US" dirty="0"/>
-              <a:t>, and S. </a:t>
-            </a:r>
-            <a:r>
-              <a:rPr lang="en-US" altLang="en-US" dirty="0" err="1"/>
-              <a:t>Sarawagi</a:t>
-            </a:r>
-            <a:r>
-              <a:rPr lang="en-US" altLang="en-US" dirty="0"/>
-              <a:t>.  On the computation of multidimensional aggregates.  VLDB’96</a:t>
-            </a:r>
-          </a:p>
-          <a:p>
-            <a:pPr>
-              <a:spcBef>
-                <a:spcPct val="10000"/>
-              </a:spcBef>
+              <a:rPr lang="en-US" altLang="en-US" sz="2000" b="1" dirty="0"/>
+              <a:t>Determine which operations</a:t>
+            </a:r>
+            <a:r>
+              <a:rPr lang="en-US" altLang="en-US" sz="2000" dirty="0"/>
+              <a:t> should be performed on the available cuboids</a:t>
+            </a:r>
+          </a:p>
+          <a:p>
+            <a:pPr lvl="1">
               <a:spcAft>
-                <a:spcPct val="10000"/>
+                <a:spcPts val="200"/>
               </a:spcAft>
             </a:pPr>
             <a:r>
-              <a:rPr lang="en-US" altLang="en-US" dirty="0"/>
-              <a:t>D. Agrawal, A. E. </a:t>
-            </a:r>
-            <a:r>
-              <a:rPr lang="en-US" altLang="en-US" dirty="0" err="1"/>
-              <a:t>Abbadi</a:t>
-            </a:r>
-            <a:r>
-              <a:rPr lang="en-US" altLang="en-US" dirty="0"/>
-              <a:t>, A. Singh, and T. </a:t>
-            </a:r>
-            <a:r>
-              <a:rPr lang="en-US" altLang="en-US" dirty="0" err="1"/>
-              <a:t>Yurek</a:t>
-            </a:r>
-            <a:r>
-              <a:rPr lang="en-US" altLang="en-US" dirty="0"/>
-              <a:t>. Efficient view maintenance in data warehouses. SIGMOD’97</a:t>
+              <a:rPr lang="en-US" altLang="en-US" sz="2000" dirty="0"/>
+              <a:t>Transform drill, roll, etc. into corresponding SQL and/or OLAP operations, e.g., dice = selection + projection</a:t>
             </a:r>
           </a:p>
           <a:p>
             <a:pPr>
-              <a:spcBef>
-                <a:spcPct val="10000"/>
-              </a:spcBef>
               <a:spcAft>
-                <a:spcPct val="10000"/>
+                <a:spcPts val="200"/>
               </a:spcAft>
             </a:pPr>
             <a:r>
-              <a:rPr lang="en-US" altLang="en-US" dirty="0"/>
-              <a:t>R. Agrawal, A. Gupta, and S. </a:t>
-            </a:r>
-            <a:r>
-              <a:rPr lang="en-US" altLang="en-US" dirty="0" err="1"/>
-              <a:t>Sarawagi</a:t>
-            </a:r>
-            <a:r>
-              <a:rPr lang="en-US" altLang="en-US" dirty="0"/>
-              <a:t>. Modeling multidimensional databases.  ICDE’97</a:t>
-            </a:r>
-          </a:p>
-          <a:p>
-            <a:pPr>
-              <a:spcBef>
-                <a:spcPct val="10000"/>
-              </a:spcBef>
+              <a:rPr lang="en-US" altLang="en-US" sz="2000" b="1" dirty="0"/>
+              <a:t>Determine which materialized cuboid(s)</a:t>
+            </a:r>
+            <a:r>
+              <a:rPr lang="en-US" altLang="en-US" sz="2000" dirty="0"/>
+              <a:t> should be selected for OLAP op.</a:t>
+            </a:r>
+          </a:p>
+          <a:p>
+            <a:pPr lvl="1">
               <a:spcAft>
-                <a:spcPct val="10000"/>
+                <a:spcPts val="200"/>
               </a:spcAft>
             </a:pPr>
             <a:r>
-              <a:rPr lang="en-US" altLang="en-US" b="1" dirty="0"/>
-              <a:t>S. </a:t>
-            </a:r>
-            <a:r>
-              <a:rPr lang="en-US" altLang="en-US" b="1" dirty="0" err="1"/>
-              <a:t>Chaudhuri</a:t>
-            </a:r>
-            <a:r>
-              <a:rPr lang="en-US" altLang="en-US" b="1" dirty="0"/>
-              <a:t> and U. </a:t>
-            </a:r>
-            <a:r>
-              <a:rPr lang="en-US" altLang="en-US" b="1" dirty="0" err="1"/>
-              <a:t>Dayal</a:t>
-            </a:r>
-            <a:r>
-              <a:rPr lang="en-US" altLang="en-US" b="1" dirty="0"/>
-              <a:t>. An overview of data warehousing and OLAP technology. ACM SIGMOD Record, 26:65-74, 1997</a:t>
-            </a:r>
-          </a:p>
-          <a:p>
-            <a:pPr>
-              <a:spcBef>
-                <a:spcPct val="10000"/>
-              </a:spcBef>
+              <a:rPr lang="en-US" altLang="en-US" sz="2000" dirty="0"/>
+              <a:t>Let the query to be processed be on {</a:t>
+            </a:r>
+            <a:r>
+              <a:rPr lang="en-US" altLang="en-US" sz="2000" i="1" dirty="0"/>
+              <a:t>brand, </a:t>
+            </a:r>
+            <a:r>
+              <a:rPr lang="en-US" altLang="en-US" sz="2000" i="1" dirty="0" err="1"/>
+              <a:t>province_or_state</a:t>
+            </a:r>
+            <a:r>
+              <a:rPr lang="en-US" altLang="en-US" sz="2000" dirty="0"/>
+              <a:t>} with the condition “</a:t>
+            </a:r>
+            <a:r>
+              <a:rPr lang="en-US" altLang="en-US" sz="2000" i="1" dirty="0"/>
+              <a:t>year = 2004</a:t>
+            </a:r>
+            <a:r>
+              <a:rPr lang="en-US" altLang="en-US" sz="2000" dirty="0"/>
+              <a:t>”, and there are 4 materialized cuboids available:</a:t>
+            </a:r>
+          </a:p>
+          <a:p>
+            <a:pPr lvl="2">
               <a:spcAft>
-                <a:spcPct val="10000"/>
+                <a:spcPts val="200"/>
               </a:spcAft>
+              <a:buNone/>
             </a:pPr>
             <a:r>
-              <a:rPr lang="en-US" altLang="en-US" dirty="0"/>
-              <a:t>J. Gray, et al. Data cube: A relational aggregation operator generalizing group-by, cross-tab and sub-totals.  Data Mining and Knowledge Discovery, 1:29-54, 1997.</a:t>
-            </a:r>
-          </a:p>
-          <a:p>
-            <a:r>
-              <a:rPr lang="en-US" altLang="en-US" dirty="0"/>
-              <a:t>A. Gupta and I. S. </a:t>
-            </a:r>
-            <a:r>
-              <a:rPr lang="en-US" altLang="en-US" dirty="0" err="1"/>
-              <a:t>Mumick</a:t>
-            </a:r>
-            <a:r>
-              <a:rPr lang="en-US" altLang="en-US" dirty="0"/>
-              <a:t>. Materialized Views: Techniques, Implementations, and Applications. MIT Press, 1999</a:t>
-            </a:r>
-          </a:p>
-          <a:p>
-            <a:r>
-              <a:rPr lang="en-US" altLang="en-US" dirty="0"/>
-              <a:t>J. Han. Towards on-line analytical mining in large databases. </a:t>
-            </a:r>
-            <a:r>
-              <a:rPr lang="en-US" altLang="en-US" i="1" dirty="0"/>
-              <a:t>SIGMOD Record</a:t>
-            </a:r>
-            <a:r>
-              <a:rPr lang="en-US" altLang="en-US" dirty="0"/>
-              <a:t>, 1998</a:t>
-            </a:r>
-          </a:p>
-          <a:p>
-            <a:r>
-              <a:rPr lang="en-US" altLang="en-US" dirty="0"/>
-              <a:t>V. </a:t>
-            </a:r>
-            <a:r>
-              <a:rPr lang="en-US" altLang="en-US" dirty="0" err="1"/>
-              <a:t>Harinarayan</a:t>
-            </a:r>
-            <a:r>
-              <a:rPr lang="en-US" altLang="en-US" dirty="0"/>
-              <a:t>, A. </a:t>
-            </a:r>
-            <a:r>
-              <a:rPr lang="en-US" altLang="en-US" dirty="0" err="1"/>
-              <a:t>Rajaraman</a:t>
-            </a:r>
-            <a:r>
-              <a:rPr lang="en-US" altLang="en-US" dirty="0"/>
-              <a:t>, and J. D. Ullman. Implementing data cubes efficiently. SIGMOD’96</a:t>
-            </a:r>
-          </a:p>
-          <a:p>
-            <a:endParaRPr lang="en-US" dirty="0"/>
+              <a:rPr lang="en-US" altLang="en-US" sz="2000" dirty="0"/>
+              <a:t>1) {</a:t>
+            </a:r>
+            <a:r>
+              <a:rPr lang="en-US" altLang="en-US" sz="2000" i="1" dirty="0"/>
+              <a:t>year, </a:t>
+            </a:r>
+            <a:r>
+              <a:rPr lang="en-US" altLang="en-US" sz="2000" i="1" dirty="0" err="1"/>
+              <a:t>item_name</a:t>
+            </a:r>
+            <a:r>
+              <a:rPr lang="en-US" altLang="en-US" sz="2000" i="1" dirty="0"/>
+              <a:t>, city</a:t>
+            </a:r>
+            <a:r>
+              <a:rPr lang="en-US" altLang="en-US" sz="2000" dirty="0"/>
+              <a:t>}  </a:t>
+            </a:r>
+          </a:p>
+          <a:p>
+            <a:pPr lvl="2">
+              <a:spcAft>
+                <a:spcPts val="200"/>
+              </a:spcAft>
+              <a:buNone/>
+            </a:pPr>
+            <a:r>
+              <a:rPr lang="en-US" altLang="en-US" sz="2000" dirty="0"/>
+              <a:t>2) {</a:t>
+            </a:r>
+            <a:r>
+              <a:rPr lang="en-US" altLang="en-US" sz="2000" i="1" dirty="0"/>
+              <a:t>year, brand, country</a:t>
+            </a:r>
+            <a:r>
+              <a:rPr lang="en-US" altLang="en-US" sz="2000" dirty="0"/>
+              <a:t>}</a:t>
+            </a:r>
+          </a:p>
+          <a:p>
+            <a:pPr lvl="2">
+              <a:spcAft>
+                <a:spcPts val="200"/>
+              </a:spcAft>
+              <a:buNone/>
+            </a:pPr>
+            <a:r>
+              <a:rPr lang="en-US" altLang="en-US" sz="2000" dirty="0"/>
+              <a:t>3) {</a:t>
+            </a:r>
+            <a:r>
+              <a:rPr lang="en-US" altLang="en-US" sz="2000" i="1" dirty="0"/>
+              <a:t>year, brand, </a:t>
+            </a:r>
+            <a:r>
+              <a:rPr lang="en-US" altLang="en-US" sz="2000" i="1" dirty="0" err="1"/>
+              <a:t>province_or_state</a:t>
+            </a:r>
+            <a:r>
+              <a:rPr lang="en-US" altLang="en-US" sz="2000" dirty="0" smtClean="0"/>
+              <a:t>}</a:t>
+            </a:r>
+            <a:r>
+              <a:rPr lang="zh-CN" altLang="en-US" sz="2000" dirty="0" smtClean="0"/>
+              <a:t> </a:t>
+            </a:r>
+            <a:r>
+              <a:rPr lang="zh-CN" altLang="en-US" sz="2000" b="1" dirty="0" smtClean="0">
+                <a:solidFill>
+                  <a:srgbClr val="00B050"/>
+                </a:solidFill>
+              </a:rPr>
+              <a:t>√</a:t>
+            </a:r>
+            <a:endParaRPr lang="en-US" altLang="en-US" sz="2000" b="1" dirty="0">
+              <a:solidFill>
+                <a:srgbClr val="00B050"/>
+              </a:solidFill>
+            </a:endParaRPr>
+          </a:p>
+          <a:p>
+            <a:pPr lvl="2">
+              <a:spcAft>
+                <a:spcPts val="200"/>
+              </a:spcAft>
+              <a:buNone/>
+            </a:pPr>
+            <a:r>
+              <a:rPr lang="en-US" altLang="en-US" sz="2000" dirty="0"/>
+              <a:t>4) {</a:t>
+            </a:r>
+            <a:r>
+              <a:rPr lang="en-US" altLang="en-US" sz="2000" i="1" dirty="0" err="1"/>
+              <a:t>item_name</a:t>
+            </a:r>
+            <a:r>
+              <a:rPr lang="en-US" altLang="en-US" sz="2000" i="1" dirty="0"/>
+              <a:t>, </a:t>
+            </a:r>
+            <a:r>
+              <a:rPr lang="en-US" altLang="en-US" sz="2000" i="1" dirty="0" err="1"/>
+              <a:t>province_or_state</a:t>
+            </a:r>
+            <a:r>
+              <a:rPr lang="en-US" altLang="en-US" sz="2000" dirty="0"/>
+              <a:t>}  where </a:t>
+            </a:r>
+            <a:r>
+              <a:rPr lang="en-US" altLang="en-US" sz="2000" i="1" dirty="0"/>
+              <a:t>year = 2004</a:t>
+            </a:r>
+          </a:p>
+          <a:p>
+            <a:pPr lvl="2">
+              <a:spcAft>
+                <a:spcPts val="200"/>
+              </a:spcAft>
+              <a:buNone/>
+            </a:pPr>
+            <a:r>
+              <a:rPr lang="en-US" altLang="en-US" sz="2000" dirty="0"/>
+              <a:t>Which should be selected to process the query</a:t>
+            </a:r>
+            <a:r>
+              <a:rPr lang="en-US" altLang="en-US" sz="2000" dirty="0" smtClean="0"/>
+              <a:t>?</a:t>
+            </a:r>
+            <a:endParaRPr lang="en-US" altLang="en-US" sz="2000" dirty="0"/>
           </a:p>
         </p:txBody>
       </p:sp>
@@ -10276,7 +11190,7 @@
     </p:spTree>
     <p:extLst>
       <p:ext uri="{BB962C8B-B14F-4D97-AF65-F5344CB8AC3E}">
-        <p14:creationId xmlns:p14="http://schemas.microsoft.com/office/powerpoint/2010/main" val="1548092440"/>
+        <p14:creationId xmlns:p14="http://schemas.microsoft.com/office/powerpoint/2010/main" val="236064673"/>
       </p:ext>
     </p:extLst>
   </p:cSld>
@@ -10320,7 +11234,7 @@
           <a:p>
             <a:r>
               <a:rPr lang="en-US" dirty="0" smtClean="0"/>
-              <a:t>References (cont.)</a:t>
+              <a:t>References</a:t>
             </a:r>
             <a:endParaRPr lang="en-US" dirty="0"/>
           </a:p>
@@ -10339,69 +11253,37 @@
         <p:spPr/>
         <p:txBody>
           <a:bodyPr>
-            <a:normAutofit fontScale="62500" lnSpcReduction="20000"/>
+            <a:normAutofit fontScale="55000" lnSpcReduction="20000"/>
           </a:bodyPr>
           <a:lstStyle/>
           <a:p>
+            <a:pPr>
+              <a:spcBef>
+                <a:spcPct val="10000"/>
+              </a:spcBef>
+              <a:spcAft>
+                <a:spcPct val="10000"/>
+              </a:spcAft>
+            </a:pPr>
             <a:r>
               <a:rPr lang="en-US" altLang="en-US" dirty="0"/>
-              <a:t>C. </a:t>
+              <a:t>S. Agarwal, R. Agrawal, P. M. Deshpande, A. Gupta, J. F. </a:t>
             </a:r>
             <a:r>
               <a:rPr lang="en-US" altLang="en-US" dirty="0" err="1"/>
-              <a:t>Imhoff</a:t>
+              <a:t>Naughton</a:t>
             </a:r>
             <a:r>
               <a:rPr lang="en-US" altLang="en-US" dirty="0"/>
-              <a:t>, N. </a:t>
+              <a:t>, R. </a:t>
             </a:r>
             <a:r>
               <a:rPr lang="en-US" altLang="en-US" dirty="0" err="1"/>
-              <a:t>Galemmo</a:t>
+              <a:t>Ramakrishnan</a:t>
             </a:r>
             <a:r>
               <a:rPr lang="en-US" altLang="en-US" dirty="0"/>
-              <a:t>, and J. G. Geiger. Mastering Data Warehouse Design: Relational and Dimensional Techniques. John Wiley, 2003</a:t>
-            </a:r>
-          </a:p>
-          <a:p>
-            <a:r>
-              <a:rPr lang="en-US" altLang="en-US" dirty="0"/>
-              <a:t>W. H. </a:t>
-            </a:r>
-            <a:r>
-              <a:rPr lang="en-US" altLang="en-US" dirty="0" err="1"/>
-              <a:t>Inmon</a:t>
-            </a:r>
-            <a:r>
-              <a:rPr lang="en-US" altLang="en-US" dirty="0"/>
-              <a:t>. Building the Data Warehouse. John Wiley, 1996</a:t>
-            </a:r>
-          </a:p>
-          <a:p>
-            <a:r>
-              <a:rPr lang="en-US" altLang="en-US" dirty="0"/>
-              <a:t>R. Kimball and M. Ross.  The Data Warehouse Toolkit: The Complete Guide to Dimensional Modeling. 2ed. John Wiley, 2002</a:t>
-            </a:r>
-          </a:p>
-          <a:p>
-            <a:r>
-              <a:rPr lang="en-US" altLang="en-US" dirty="0"/>
-              <a:t>P. O'Neil and D. </a:t>
-            </a:r>
-            <a:r>
-              <a:rPr lang="en-US" altLang="en-US" dirty="0" err="1"/>
-              <a:t>Quass</a:t>
-            </a:r>
-            <a:r>
-              <a:rPr lang="en-US" altLang="en-US" dirty="0"/>
-              <a:t>. Improved query performance with variant indexes. SIGMOD'97</a:t>
-            </a:r>
-          </a:p>
-          <a:p>
-            <a:r>
-              <a:rPr lang="en-US" altLang="en-US" dirty="0"/>
-              <a:t>S. </a:t>
+              <a:t>, and S. </a:t>
             </a:r>
             <a:r>
               <a:rPr lang="en-US" altLang="en-US" dirty="0" err="1"/>
@@ -10409,71 +11291,157 @@
             </a:r>
             <a:r>
               <a:rPr lang="en-US" altLang="en-US" dirty="0"/>
-              <a:t> and M. </a:t>
+              <a:t>.  On the computation of multidimensional aggregates.  VLDB’96</a:t>
+            </a:r>
+          </a:p>
+          <a:p>
+            <a:pPr>
+              <a:spcBef>
+                <a:spcPct val="10000"/>
+              </a:spcBef>
+              <a:spcAft>
+                <a:spcPct val="10000"/>
+              </a:spcAft>
+            </a:pPr>
+            <a:r>
+              <a:rPr lang="en-US" altLang="en-US" dirty="0"/>
+              <a:t>D. Agrawal, A. E. </a:t>
             </a:r>
             <a:r>
               <a:rPr lang="en-US" altLang="en-US" dirty="0" err="1"/>
-              <a:t>Stonebraker</a:t>
+              <a:t>Abbadi</a:t>
             </a:r>
             <a:r>
               <a:rPr lang="en-US" altLang="en-US" dirty="0"/>
-              <a:t>. Efficient organization of large multidimensional arrays. ICDE'94</a:t>
-            </a:r>
-          </a:p>
-          <a:p>
+              <a:t>, A. Singh, and T. </a:t>
+            </a:r>
+            <a:r>
+              <a:rPr lang="en-US" altLang="en-US" dirty="0" err="1"/>
+              <a:t>Yurek</a:t>
+            </a:r>
             <a:r>
               <a:rPr lang="en-US" altLang="en-US" dirty="0"/>
-              <a:t>P. </a:t>
+              <a:t>. Efficient view maintenance in data warehouses. SIGMOD’97</a:t>
+            </a:r>
+          </a:p>
+          <a:p>
+            <a:pPr>
+              <a:spcBef>
+                <a:spcPct val="10000"/>
+              </a:spcBef>
+              <a:spcAft>
+                <a:spcPct val="10000"/>
+              </a:spcAft>
+            </a:pPr>
+            <a:r>
+              <a:rPr lang="en-US" altLang="en-US" dirty="0"/>
+              <a:t>R. Agrawal, A. Gupta, and S. </a:t>
             </a:r>
             <a:r>
               <a:rPr lang="en-US" altLang="en-US" dirty="0" err="1"/>
-              <a:t>Valduriez</a:t>
+              <a:t>Sarawagi</a:t>
             </a:r>
             <a:r>
               <a:rPr lang="en-US" altLang="en-US" dirty="0"/>
-              <a:t>. Join indices. ACM Trans. Database Systems, 12:218-246, 1987.</a:t>
-            </a:r>
-          </a:p>
-          <a:p>
+              <a:t>. Modeling multidimensional databases.  ICDE’97</a:t>
+            </a:r>
+          </a:p>
+          <a:p>
+            <a:pPr>
+              <a:spcBef>
+                <a:spcPct val="10000"/>
+              </a:spcBef>
+              <a:spcAft>
+                <a:spcPct val="10000"/>
+              </a:spcAft>
+            </a:pPr>
+            <a:r>
+              <a:rPr lang="en-US" altLang="en-US" b="1" dirty="0"/>
+              <a:t>S. </a:t>
+            </a:r>
+            <a:r>
+              <a:rPr lang="en-US" altLang="en-US" b="1" dirty="0" err="1"/>
+              <a:t>Chaudhuri</a:t>
+            </a:r>
+            <a:r>
+              <a:rPr lang="en-US" altLang="en-US" b="1" dirty="0"/>
+              <a:t> and U. </a:t>
+            </a:r>
+            <a:r>
+              <a:rPr lang="en-US" altLang="en-US" b="1" dirty="0" err="1"/>
+              <a:t>Dayal</a:t>
+            </a:r>
+            <a:r>
+              <a:rPr lang="en-US" altLang="en-US" b="1" dirty="0"/>
+              <a:t>. An overview of data warehousing and OLAP technology. ACM SIGMOD Record, 26:65-74, 1997</a:t>
+            </a:r>
+          </a:p>
+          <a:p>
+            <a:pPr>
+              <a:spcBef>
+                <a:spcPct val="10000"/>
+              </a:spcBef>
+              <a:spcAft>
+                <a:spcPct val="10000"/>
+              </a:spcAft>
+            </a:pPr>
             <a:r>
               <a:rPr lang="en-US" altLang="en-US" dirty="0"/>
-              <a:t>J. </a:t>
+              <a:t>J. Gray, et al. Data cube: A relational aggregation operator generalizing group-by, cross-tab and sub-totals.  Data Mining and Knowledge Discovery, 1:29-54, 1997.</a:t>
+            </a:r>
+          </a:p>
+          <a:p>
+            <a:r>
+              <a:rPr lang="en-US" altLang="en-US" dirty="0"/>
+              <a:t>A. Gupta and I. S. </a:t>
             </a:r>
             <a:r>
               <a:rPr lang="en-US" altLang="en-US" dirty="0" err="1"/>
-              <a:t>Widom</a:t>
+              <a:t>Mumick</a:t>
             </a:r>
             <a:r>
               <a:rPr lang="en-US" altLang="en-US" dirty="0"/>
-              <a:t>. Research problems in data warehousing.  CIKM’95.</a:t>
+              <a:t>. Materialized Views: Techniques, Implementations, and Applications. MIT Press, 1999</a:t>
             </a:r>
           </a:p>
           <a:p>
             <a:r>
               <a:rPr lang="en-US" altLang="en-US" dirty="0"/>
-              <a:t>K. Wu, E. </a:t>
+              <a:t>J. Han. Towards on-line analytical mining in large databases. </a:t>
+            </a:r>
+            <a:r>
+              <a:rPr lang="en-US" altLang="en-US" i="1" dirty="0"/>
+              <a:t>SIGMOD Record</a:t>
+            </a:r>
+            <a:r>
+              <a:rPr lang="en-US" altLang="en-US" dirty="0"/>
+              <a:t>, 1998</a:t>
+            </a:r>
+          </a:p>
+          <a:p>
+            <a:r>
+              <a:rPr lang="en-US" altLang="en-US" dirty="0"/>
+              <a:t>V. </a:t>
             </a:r>
             <a:r>
               <a:rPr lang="en-US" altLang="en-US" dirty="0" err="1"/>
-              <a:t>Otoo</a:t>
+              <a:t>Harinarayan</a:t>
             </a:r>
             <a:r>
               <a:rPr lang="en-US" altLang="en-US" dirty="0"/>
-              <a:t>, and A. </a:t>
+              <a:t>, A. </a:t>
             </a:r>
             <a:r>
               <a:rPr lang="en-US" altLang="en-US" dirty="0" err="1"/>
-              <a:t>Shoshani</a:t>
+              <a:t>Rajaraman</a:t>
             </a:r>
             <a:r>
               <a:rPr lang="en-US" altLang="en-US" dirty="0"/>
-              <a:t>, Optimal Bitmap Indices with Efficient Compression, ACM Trans. on Database Systems (TODS), 31(1), 2006, pp. 1-38</a:t>
-            </a:r>
-            <a:r>
-              <a:rPr lang="en-US" altLang="en-US" dirty="0" smtClean="0"/>
-              <a:t>.</a:t>
-            </a:r>
-            <a:endParaRPr lang="en-US" altLang="en-US" dirty="0"/>
+              <a:t>, and J. D. Ullman. Implementing data cubes efficiently. SIGMOD’96</a:t>
+            </a:r>
+          </a:p>
+          <a:p>
+            <a:endParaRPr lang="en-US" dirty="0"/>
           </a:p>
         </p:txBody>
       </p:sp>
@@ -10503,7 +11471,7 @@
     </p:spTree>
     <p:extLst>
       <p:ext uri="{BB962C8B-B14F-4D97-AF65-F5344CB8AC3E}">
-        <p14:creationId xmlns:p14="http://schemas.microsoft.com/office/powerpoint/2010/main" val="2025255675"/>
+        <p14:creationId xmlns:p14="http://schemas.microsoft.com/office/powerpoint/2010/main" val="1548092440"/>
       </p:ext>
     </p:extLst>
   </p:cSld>
@@ -10547,7 +11515,15 @@
           <a:p>
             <a:r>
               <a:rPr lang="en-US" altLang="zh-CN" dirty="0" smtClean="0"/>
-              <a:t>Q-Q</a:t>
+              <a:t>How</a:t>
+            </a:r>
+            <a:r>
+              <a:rPr lang="zh-CN" altLang="en-US" dirty="0"/>
+              <a:t> </a:t>
+            </a:r>
+            <a:r>
+              <a:rPr lang="en-US" altLang="zh-CN" dirty="0" smtClean="0"/>
+              <a:t>to</a:t>
             </a:r>
             <a:r>
               <a:rPr lang="zh-CN" altLang="en-US" dirty="0" smtClean="0"/>
@@ -10555,7 +11531,7 @@
             </a:r>
             <a:r>
               <a:rPr lang="en-US" altLang="zh-CN" dirty="0" smtClean="0"/>
-              <a:t>plot</a:t>
+              <a:t>Work</a:t>
             </a:r>
             <a:endParaRPr lang="en-US" dirty="0"/>
           </a:p>
@@ -10576,9 +11552,16 @@
           <a:bodyPr/>
           <a:lstStyle/>
           <a:p>
+            <a:pPr marL="0" indent="0">
+              <a:buNone/>
+            </a:pPr>
+            <a:r>
+              <a:rPr lang="zh-CN" altLang="en-US" dirty="0" smtClean="0"/>
+              <a:t>	</a:t>
+            </a:r>
             <a:r>
               <a:rPr lang="en-US" altLang="zh-CN" dirty="0" smtClean="0"/>
-              <a:t>Data</a:t>
+              <a:t>If</a:t>
             </a:r>
             <a:r>
               <a:rPr lang="zh-CN" altLang="en-US" dirty="0" smtClean="0"/>
@@ -10586,7 +11569,7 @@
             </a:r>
             <a:r>
               <a:rPr lang="en-US" altLang="zh-CN" dirty="0" smtClean="0"/>
-              <a:t>object</a:t>
+              <a:t>you</a:t>
             </a:r>
             <a:r>
               <a:rPr lang="zh-CN" altLang="en-US" dirty="0" smtClean="0"/>
@@ -10594,7 +11577,7 @@
             </a:r>
             <a:r>
               <a:rPr lang="en-US" altLang="zh-CN" dirty="0" smtClean="0"/>
-              <a:t>and</a:t>
+              <a:t>want</a:t>
             </a:r>
             <a:r>
               <a:rPr lang="zh-CN" altLang="en-US" dirty="0" smtClean="0"/>
@@ -10602,14 +11585,7 @@
             </a:r>
             <a:r>
               <a:rPr lang="en-US" altLang="zh-CN" dirty="0" smtClean="0"/>
-              <a:t>attributes</a:t>
-            </a:r>
-            <a:endParaRPr lang="zh-CN" altLang="en-US" dirty="0" smtClean="0"/>
-          </a:p>
-          <a:p>
-            <a:r>
-              <a:rPr lang="en-US" altLang="zh-CN" dirty="0" smtClean="0"/>
-              <a:t>Scatter</a:t>
+              <a:t>to</a:t>
             </a:r>
             <a:r>
               <a:rPr lang="zh-CN" altLang="en-US" dirty="0" smtClean="0"/>
@@ -10617,14 +11593,7 @@
             </a:r>
             <a:r>
               <a:rPr lang="en-US" altLang="zh-CN" dirty="0" smtClean="0"/>
-              <a:t>plot</a:t>
-            </a:r>
-            <a:endParaRPr lang="zh-CN" altLang="en-US" dirty="0" smtClean="0"/>
-          </a:p>
-          <a:p>
-            <a:r>
-              <a:rPr lang="en-US" altLang="zh-CN" dirty="0" smtClean="0"/>
-              <a:t>Q-Q</a:t>
+              <a:t>do</a:t>
             </a:r>
             <a:r>
               <a:rPr lang="zh-CN" altLang="en-US" dirty="0" smtClean="0"/>
@@ -10632,23 +11601,167 @@
             </a:r>
             <a:r>
               <a:rPr lang="en-US" altLang="zh-CN" dirty="0" smtClean="0"/>
-              <a:t>plot</a:t>
+              <a:t>something,</a:t>
             </a:r>
             <a:endParaRPr lang="zh-CN" altLang="en-US" dirty="0" smtClean="0"/>
           </a:p>
           <a:p>
-            <a:pPr lvl="1"/>
+            <a:pPr marL="0" indent="0">
+              <a:buNone/>
+            </a:pPr>
+            <a:r>
+              <a:rPr lang="zh-CN" altLang="en-US" i="1" dirty="0" smtClean="0">
+                <a:solidFill>
+                  <a:srgbClr val="FF0000"/>
+                </a:solidFill>
+              </a:rPr>
+              <a:t>	</a:t>
+            </a:r>
+            <a:r>
+              <a:rPr lang="en-US" altLang="zh-CN" i="1" dirty="0" smtClean="0">
+                <a:solidFill>
+                  <a:srgbClr val="FF0000"/>
+                </a:solidFill>
+              </a:rPr>
+              <a:t>Be</a:t>
+            </a:r>
+            <a:r>
+              <a:rPr lang="zh-CN" altLang="en-US" i="1" dirty="0" smtClean="0">
+                <a:solidFill>
+                  <a:srgbClr val="FF0000"/>
+                </a:solidFill>
+              </a:rPr>
+              <a:t> </a:t>
+            </a:r>
+            <a:r>
+              <a:rPr lang="en-US" altLang="zh-CN" i="1" dirty="0">
+                <a:solidFill>
+                  <a:srgbClr val="FF0000"/>
+                </a:solidFill>
+              </a:rPr>
+              <a:t>D</a:t>
+            </a:r>
+            <a:r>
+              <a:rPr lang="en-US" altLang="zh-CN" i="1" dirty="0" smtClean="0">
+                <a:solidFill>
+                  <a:srgbClr val="FF0000"/>
+                </a:solidFill>
+              </a:rPr>
+              <a:t>etermined</a:t>
+            </a:r>
+            <a:r>
+              <a:rPr lang="zh-CN" altLang="en-US" i="1" dirty="0" smtClean="0">
+                <a:solidFill>
+                  <a:srgbClr val="FF0000"/>
+                </a:solidFill>
+              </a:rPr>
+              <a:t> </a:t>
+            </a:r>
             <a:r>
               <a:rPr lang="en-US" altLang="zh-CN" dirty="0" smtClean="0"/>
-              <a:t>An</a:t>
+              <a:t>and</a:t>
             </a:r>
             <a:r>
               <a:rPr lang="zh-CN" altLang="en-US" dirty="0" smtClean="0"/>
               <a:t> </a:t>
             </a:r>
             <a:r>
+              <a:rPr lang="en-US" altLang="zh-CN" i="1" dirty="0" smtClean="0">
+                <a:solidFill>
+                  <a:srgbClr val="FF0000"/>
+                </a:solidFill>
+              </a:rPr>
+              <a:t>Work</a:t>
+            </a:r>
+            <a:r>
+              <a:rPr lang="zh-CN" altLang="en-US" i="1" dirty="0" smtClean="0">
+                <a:solidFill>
+                  <a:srgbClr val="FF0000"/>
+                </a:solidFill>
+              </a:rPr>
+              <a:t> </a:t>
+            </a:r>
+            <a:r>
+              <a:rPr lang="en-US" altLang="zh-CN" i="1" dirty="0">
+                <a:solidFill>
+                  <a:srgbClr val="FF0000"/>
+                </a:solidFill>
+              </a:rPr>
+              <a:t>H</a:t>
+            </a:r>
+            <a:r>
+              <a:rPr lang="en-US" altLang="zh-CN" i="1" dirty="0" smtClean="0">
+                <a:solidFill>
+                  <a:srgbClr val="FF0000"/>
+                </a:solidFill>
+              </a:rPr>
+              <a:t>ard</a:t>
+            </a:r>
+            <a:r>
               <a:rPr lang="en-US" altLang="zh-CN" dirty="0" smtClean="0"/>
-              <a:t>application</a:t>
+              <a:t>!</a:t>
+            </a:r>
+            <a:endParaRPr lang="zh-CN" altLang="en-US" dirty="0" smtClean="0"/>
+          </a:p>
+          <a:p>
+            <a:pPr marL="0" indent="0">
+              <a:buNone/>
+            </a:pPr>
+            <a:r>
+              <a:rPr lang="zh-CN" altLang="en-US" dirty="0" smtClean="0"/>
+              <a:t>	</a:t>
+            </a:r>
+            <a:r>
+              <a:rPr lang="en-US" altLang="zh-CN" dirty="0" smtClean="0"/>
+              <a:t>and</a:t>
+            </a:r>
+            <a:r>
+              <a:rPr lang="zh-CN" altLang="en-US" dirty="0" smtClean="0"/>
+              <a:t> </a:t>
+            </a:r>
+            <a:r>
+              <a:rPr lang="en-US" altLang="zh-CN" i="1" dirty="0">
+                <a:solidFill>
+                  <a:srgbClr val="FF0000"/>
+                </a:solidFill>
+              </a:rPr>
+              <a:t>W</a:t>
+            </a:r>
+            <a:r>
+              <a:rPr lang="en-US" altLang="zh-CN" i="1" dirty="0" smtClean="0">
+                <a:solidFill>
+                  <a:srgbClr val="FF0000"/>
+                </a:solidFill>
+              </a:rPr>
+              <a:t>ork</a:t>
+            </a:r>
+            <a:r>
+              <a:rPr lang="zh-CN" altLang="en-US" i="1" dirty="0" smtClean="0">
+                <a:solidFill>
+                  <a:srgbClr val="FF0000"/>
+                </a:solidFill>
+              </a:rPr>
+              <a:t> </a:t>
+            </a:r>
+            <a:r>
+              <a:rPr lang="en-US" altLang="zh-CN" i="1" dirty="0">
+                <a:solidFill>
+                  <a:srgbClr val="FF0000"/>
+                </a:solidFill>
+              </a:rPr>
+              <a:t>S</a:t>
+            </a:r>
+            <a:r>
+              <a:rPr lang="en-US" altLang="zh-CN" i="1" dirty="0" smtClean="0">
+                <a:solidFill>
+                  <a:srgbClr val="FF0000"/>
+                </a:solidFill>
+              </a:rPr>
+              <a:t>mart</a:t>
+            </a:r>
+            <a:r>
+              <a:rPr lang="en-US" altLang="zh-CN" dirty="0" smtClean="0"/>
+              <a:t>!</a:t>
             </a:r>
             <a:endParaRPr lang="en-US" dirty="0"/>
           </a:p>
@@ -10680,6 +11793,410 @@
     </p:spTree>
     <p:extLst>
       <p:ext uri="{BB962C8B-B14F-4D97-AF65-F5344CB8AC3E}">
+        <p14:creationId xmlns:p14="http://schemas.microsoft.com/office/powerpoint/2010/main" val="278273850"/>
+      </p:ext>
+    </p:extLst>
+  </p:cSld>
+  <p:clrMapOvr>
+    <a:masterClrMapping/>
+  </p:clrMapOvr>
+</p:sld>
+</file>
+
+<file path=ppt/slides/slide30.xml><?xml version="1.0" encoding="utf-8"?>
+<p:sld xmlns:a="http://schemas.openxmlformats.org/drawingml/2006/main" xmlns:r="http://schemas.openxmlformats.org/officeDocument/2006/relationships" xmlns:p="http://schemas.openxmlformats.org/presentationml/2006/main">
+  <p:cSld>
+    <p:spTree>
+      <p:nvGrpSpPr>
+        <p:cNvPr id="1" name=""/>
+        <p:cNvGrpSpPr/>
+        <p:nvPr/>
+      </p:nvGrpSpPr>
+      <p:grpSpPr>
+        <a:xfrm>
+          <a:off x="0" y="0"/>
+          <a:ext cx="0" cy="0"/>
+          <a:chOff x="0" y="0"/>
+          <a:chExt cx="0" cy="0"/>
+        </a:xfrm>
+      </p:grpSpPr>
+      <p:sp>
+        <p:nvSpPr>
+          <p:cNvPr id="2" name="Title 1"/>
+          <p:cNvSpPr>
+            <a:spLocks noGrp="1"/>
+          </p:cNvSpPr>
+          <p:nvPr>
+            <p:ph type="title"/>
+          </p:nvPr>
+        </p:nvSpPr>
+        <p:spPr/>
+        <p:txBody>
+          <a:bodyPr/>
+          <a:lstStyle/>
+          <a:p>
+            <a:r>
+              <a:rPr lang="en-US" dirty="0" smtClean="0"/>
+              <a:t>References (cont.)</a:t>
+            </a:r>
+            <a:endParaRPr lang="en-US" dirty="0"/>
+          </a:p>
+        </p:txBody>
+      </p:sp>
+      <p:sp>
+        <p:nvSpPr>
+          <p:cNvPr id="3" name="Content Placeholder 2"/>
+          <p:cNvSpPr>
+            <a:spLocks noGrp="1"/>
+          </p:cNvSpPr>
+          <p:nvPr>
+            <p:ph idx="1"/>
+          </p:nvPr>
+        </p:nvSpPr>
+        <p:spPr/>
+        <p:txBody>
+          <a:bodyPr>
+            <a:normAutofit fontScale="62500" lnSpcReduction="20000"/>
+          </a:bodyPr>
+          <a:lstStyle/>
+          <a:p>
+            <a:r>
+              <a:rPr lang="en-US" altLang="en-US" dirty="0"/>
+              <a:t>C. </a:t>
+            </a:r>
+            <a:r>
+              <a:rPr lang="en-US" altLang="en-US" dirty="0" err="1"/>
+              <a:t>Imhoff</a:t>
+            </a:r>
+            <a:r>
+              <a:rPr lang="en-US" altLang="en-US" dirty="0"/>
+              <a:t>, N. </a:t>
+            </a:r>
+            <a:r>
+              <a:rPr lang="en-US" altLang="en-US" dirty="0" err="1"/>
+              <a:t>Galemmo</a:t>
+            </a:r>
+            <a:r>
+              <a:rPr lang="en-US" altLang="en-US" dirty="0"/>
+              <a:t>, and J. G. Geiger. Mastering Data Warehouse Design: Relational and Dimensional Techniques. John Wiley, 2003</a:t>
+            </a:r>
+          </a:p>
+          <a:p>
+            <a:r>
+              <a:rPr lang="en-US" altLang="en-US" dirty="0"/>
+              <a:t>W. H. </a:t>
+            </a:r>
+            <a:r>
+              <a:rPr lang="en-US" altLang="en-US" dirty="0" err="1"/>
+              <a:t>Inmon</a:t>
+            </a:r>
+            <a:r>
+              <a:rPr lang="en-US" altLang="en-US" dirty="0"/>
+              <a:t>. Building the Data Warehouse. John Wiley, 1996</a:t>
+            </a:r>
+          </a:p>
+          <a:p>
+            <a:r>
+              <a:rPr lang="en-US" altLang="en-US" dirty="0"/>
+              <a:t>R. Kimball and M. Ross.  The Data Warehouse Toolkit: The Complete Guide to Dimensional Modeling. 2ed. John Wiley, 2002</a:t>
+            </a:r>
+          </a:p>
+          <a:p>
+            <a:r>
+              <a:rPr lang="en-US" altLang="en-US" dirty="0"/>
+              <a:t>P. O'Neil and D. </a:t>
+            </a:r>
+            <a:r>
+              <a:rPr lang="en-US" altLang="en-US" dirty="0" err="1"/>
+              <a:t>Quass</a:t>
+            </a:r>
+            <a:r>
+              <a:rPr lang="en-US" altLang="en-US" dirty="0"/>
+              <a:t>. Improved query performance with variant indexes. SIGMOD'97</a:t>
+            </a:r>
+          </a:p>
+          <a:p>
+            <a:r>
+              <a:rPr lang="en-US" altLang="en-US" dirty="0"/>
+              <a:t>S. </a:t>
+            </a:r>
+            <a:r>
+              <a:rPr lang="en-US" altLang="en-US" dirty="0" err="1"/>
+              <a:t>Sarawagi</a:t>
+            </a:r>
+            <a:r>
+              <a:rPr lang="en-US" altLang="en-US" dirty="0"/>
+              <a:t> and M. </a:t>
+            </a:r>
+            <a:r>
+              <a:rPr lang="en-US" altLang="en-US" dirty="0" err="1"/>
+              <a:t>Stonebraker</a:t>
+            </a:r>
+            <a:r>
+              <a:rPr lang="en-US" altLang="en-US" dirty="0"/>
+              <a:t>. Efficient organization of large multidimensional arrays. ICDE'94</a:t>
+            </a:r>
+          </a:p>
+          <a:p>
+            <a:r>
+              <a:rPr lang="en-US" altLang="en-US" dirty="0"/>
+              <a:t>P. </a:t>
+            </a:r>
+            <a:r>
+              <a:rPr lang="en-US" altLang="en-US" dirty="0" err="1"/>
+              <a:t>Valduriez</a:t>
+            </a:r>
+            <a:r>
+              <a:rPr lang="en-US" altLang="en-US" dirty="0"/>
+              <a:t>. Join indices. ACM Trans. Database Systems, 12:218-246, 1987.</a:t>
+            </a:r>
+          </a:p>
+          <a:p>
+            <a:r>
+              <a:rPr lang="en-US" altLang="en-US" dirty="0"/>
+              <a:t>J. </a:t>
+            </a:r>
+            <a:r>
+              <a:rPr lang="en-US" altLang="en-US" dirty="0" err="1"/>
+              <a:t>Widom</a:t>
+            </a:r>
+            <a:r>
+              <a:rPr lang="en-US" altLang="en-US" dirty="0"/>
+              <a:t>. Research problems in data warehousing.  CIKM’95.</a:t>
+            </a:r>
+          </a:p>
+          <a:p>
+            <a:r>
+              <a:rPr lang="en-US" altLang="en-US" dirty="0"/>
+              <a:t>K. Wu, E. </a:t>
+            </a:r>
+            <a:r>
+              <a:rPr lang="en-US" altLang="en-US" dirty="0" err="1"/>
+              <a:t>Otoo</a:t>
+            </a:r>
+            <a:r>
+              <a:rPr lang="en-US" altLang="en-US" dirty="0"/>
+              <a:t>, and A. </a:t>
+            </a:r>
+            <a:r>
+              <a:rPr lang="en-US" altLang="en-US" dirty="0" err="1"/>
+              <a:t>Shoshani</a:t>
+            </a:r>
+            <a:r>
+              <a:rPr lang="en-US" altLang="en-US" dirty="0"/>
+              <a:t>, Optimal Bitmap Indices with Efficient Compression, ACM Trans. on Database Systems (TODS), 31(1), 2006, pp. 1-38</a:t>
+            </a:r>
+            <a:r>
+              <a:rPr lang="en-US" altLang="en-US" dirty="0" smtClean="0"/>
+              <a:t>.</a:t>
+            </a:r>
+            <a:endParaRPr lang="en-US" altLang="en-US" dirty="0"/>
+          </a:p>
+        </p:txBody>
+      </p:sp>
+      <p:sp>
+        <p:nvSpPr>
+          <p:cNvPr id="4" name="Slide Number Placeholder 3"/>
+          <p:cNvSpPr>
+            <a:spLocks noGrp="1"/>
+          </p:cNvSpPr>
+          <p:nvPr>
+            <p:ph type="sldNum" sz="quarter" idx="12"/>
+          </p:nvPr>
+        </p:nvSpPr>
+        <p:spPr/>
+        <p:txBody>
+          <a:bodyPr/>
+          <a:lstStyle/>
+          <a:p>
+            <a:fld id="{18A68613-FF0B-4246-B613-8295211CFAFA}" type="slidenum">
+              <a:rPr lang="en-US" smtClean="0"/>
+              <a:t>30</a:t>
+            </a:fld>
+            <a:endParaRPr lang="en-US"/>
+          </a:p>
+        </p:txBody>
+      </p:sp>
+    </p:spTree>
+    <p:extLst>
+      <p:ext uri="{BB962C8B-B14F-4D97-AF65-F5344CB8AC3E}">
+        <p14:creationId xmlns:p14="http://schemas.microsoft.com/office/powerpoint/2010/main" val="2025255675"/>
+      </p:ext>
+    </p:extLst>
+  </p:cSld>
+  <p:clrMapOvr>
+    <a:masterClrMapping/>
+  </p:clrMapOvr>
+</p:sld>
+</file>
+
+<file path=ppt/slides/slide4.xml><?xml version="1.0" encoding="utf-8"?>
+<p:sld xmlns:a="http://schemas.openxmlformats.org/drawingml/2006/main" xmlns:r="http://schemas.openxmlformats.org/officeDocument/2006/relationships" xmlns:p="http://schemas.openxmlformats.org/presentationml/2006/main">
+  <p:cSld>
+    <p:spTree>
+      <p:nvGrpSpPr>
+        <p:cNvPr id="1" name=""/>
+        <p:cNvGrpSpPr/>
+        <p:nvPr/>
+      </p:nvGrpSpPr>
+      <p:grpSpPr>
+        <a:xfrm>
+          <a:off x="0" y="0"/>
+          <a:ext cx="0" cy="0"/>
+          <a:chOff x="0" y="0"/>
+          <a:chExt cx="0" cy="0"/>
+        </a:xfrm>
+      </p:grpSpPr>
+      <p:sp>
+        <p:nvSpPr>
+          <p:cNvPr id="2" name="Title 1"/>
+          <p:cNvSpPr>
+            <a:spLocks noGrp="1"/>
+          </p:cNvSpPr>
+          <p:nvPr>
+            <p:ph type="title"/>
+          </p:nvPr>
+        </p:nvSpPr>
+        <p:spPr/>
+        <p:txBody>
+          <a:bodyPr/>
+          <a:lstStyle/>
+          <a:p>
+            <a:r>
+              <a:rPr lang="en-US" altLang="zh-CN" dirty="0" smtClean="0"/>
+              <a:t>Q-Q</a:t>
+            </a:r>
+            <a:r>
+              <a:rPr lang="zh-CN" altLang="en-US" dirty="0" smtClean="0"/>
+              <a:t> </a:t>
+            </a:r>
+            <a:r>
+              <a:rPr lang="en-US" altLang="zh-CN" dirty="0" smtClean="0"/>
+              <a:t>plot</a:t>
+            </a:r>
+            <a:endParaRPr lang="en-US" dirty="0"/>
+          </a:p>
+        </p:txBody>
+      </p:sp>
+      <p:sp>
+        <p:nvSpPr>
+          <p:cNvPr id="3" name="Content Placeholder 2"/>
+          <p:cNvSpPr>
+            <a:spLocks noGrp="1"/>
+          </p:cNvSpPr>
+          <p:nvPr>
+            <p:ph idx="1"/>
+          </p:nvPr>
+        </p:nvSpPr>
+        <p:spPr/>
+        <p:txBody>
+          <a:bodyPr/>
+          <a:lstStyle/>
+          <a:p>
+            <a:r>
+              <a:rPr lang="en-US" altLang="zh-CN" dirty="0" smtClean="0"/>
+              <a:t>Data</a:t>
+            </a:r>
+            <a:r>
+              <a:rPr lang="zh-CN" altLang="en-US" dirty="0" smtClean="0"/>
+              <a:t> </a:t>
+            </a:r>
+            <a:r>
+              <a:rPr lang="en-US" altLang="zh-CN" dirty="0" smtClean="0"/>
+              <a:t>object</a:t>
+            </a:r>
+            <a:r>
+              <a:rPr lang="zh-CN" altLang="en-US" dirty="0" smtClean="0"/>
+              <a:t> </a:t>
+            </a:r>
+            <a:r>
+              <a:rPr lang="en-US" altLang="zh-CN" dirty="0" smtClean="0"/>
+              <a:t>and</a:t>
+            </a:r>
+            <a:r>
+              <a:rPr lang="zh-CN" altLang="en-US" dirty="0" smtClean="0"/>
+              <a:t> </a:t>
+            </a:r>
+            <a:r>
+              <a:rPr lang="en-US" altLang="zh-CN" dirty="0" smtClean="0"/>
+              <a:t>attributes</a:t>
+            </a:r>
+            <a:endParaRPr lang="zh-CN" altLang="en-US" dirty="0" smtClean="0"/>
+          </a:p>
+          <a:p>
+            <a:r>
+              <a:rPr lang="en-US" altLang="zh-CN" dirty="0" smtClean="0"/>
+              <a:t>Scatter</a:t>
+            </a:r>
+            <a:r>
+              <a:rPr lang="zh-CN" altLang="en-US" dirty="0" smtClean="0"/>
+              <a:t> </a:t>
+            </a:r>
+            <a:r>
+              <a:rPr lang="en-US" altLang="zh-CN" dirty="0" smtClean="0"/>
+              <a:t>plot</a:t>
+            </a:r>
+            <a:endParaRPr lang="zh-CN" altLang="en-US" dirty="0" smtClean="0"/>
+          </a:p>
+          <a:p>
+            <a:r>
+              <a:rPr lang="en-US" altLang="zh-CN" dirty="0" smtClean="0"/>
+              <a:t>Q-Q</a:t>
+            </a:r>
+            <a:r>
+              <a:rPr lang="zh-CN" altLang="en-US" dirty="0" smtClean="0"/>
+              <a:t> </a:t>
+            </a:r>
+            <a:r>
+              <a:rPr lang="en-US" altLang="zh-CN" dirty="0" smtClean="0"/>
+              <a:t>plot</a:t>
+            </a:r>
+            <a:endParaRPr lang="zh-CN" altLang="en-US" dirty="0" smtClean="0"/>
+          </a:p>
+          <a:p>
+            <a:pPr lvl="1"/>
+            <a:r>
+              <a:rPr lang="en-US" altLang="zh-CN" dirty="0" smtClean="0"/>
+              <a:t>An</a:t>
+            </a:r>
+            <a:r>
+              <a:rPr lang="zh-CN" altLang="en-US" dirty="0" smtClean="0"/>
+              <a:t> </a:t>
+            </a:r>
+            <a:r>
+              <a:rPr lang="en-US" altLang="zh-CN" dirty="0" smtClean="0"/>
+              <a:t>application</a:t>
+            </a:r>
+            <a:endParaRPr lang="en-US" dirty="0"/>
+          </a:p>
+        </p:txBody>
+      </p:sp>
+      <p:sp>
+        <p:nvSpPr>
+          <p:cNvPr id="4" name="Slide Number Placeholder 3"/>
+          <p:cNvSpPr>
+            <a:spLocks noGrp="1"/>
+          </p:cNvSpPr>
+          <p:nvPr>
+            <p:ph type="sldNum" sz="quarter" idx="12"/>
+          </p:nvPr>
+        </p:nvSpPr>
+        <p:spPr/>
+        <p:txBody>
+          <a:bodyPr/>
+          <a:lstStyle/>
+          <a:p>
+            <a:fld id="{18A68613-FF0B-4246-B613-8295211CFAFA}" type="slidenum">
+              <a:rPr lang="en-US" smtClean="0"/>
+              <a:t>4</a:t>
+            </a:fld>
+            <a:endParaRPr lang="en-US"/>
+          </a:p>
+        </p:txBody>
+      </p:sp>
+    </p:spTree>
+    <p:extLst>
+      <p:ext uri="{BB962C8B-B14F-4D97-AF65-F5344CB8AC3E}">
         <p14:creationId xmlns:p14="http://schemas.microsoft.com/office/powerpoint/2010/main" val="950028149"/>
       </p:ext>
     </p:extLst>
@@ -10690,7 +12207,7 @@
 </p:sld>
 </file>
 
-<file path=ppt/slides/slide4.xml><?xml version="1.0" encoding="utf-8"?>
+<file path=ppt/slides/slide5.xml><?xml version="1.0" encoding="utf-8"?>
 <p:sld xmlns:a="http://schemas.openxmlformats.org/drawingml/2006/main" xmlns:r="http://schemas.openxmlformats.org/officeDocument/2006/relationships" xmlns:p="http://schemas.openxmlformats.org/presentationml/2006/main">
   <p:cSld>
     <p:spTree>
@@ -11271,7 +12788,7 @@
 </p:sld>
 </file>
 
-<file path=ppt/slides/slide5.xml><?xml version="1.0" encoding="utf-8"?>
+<file path=ppt/slides/slide6.xml><?xml version="1.0" encoding="utf-8"?>
 <p:sld xmlns:a="http://schemas.openxmlformats.org/drawingml/2006/main" xmlns:r="http://schemas.openxmlformats.org/officeDocument/2006/relationships" xmlns:p="http://schemas.openxmlformats.org/presentationml/2006/main">
   <p:cSld>
     <p:spTree>
@@ -11746,7 +13263,7 @@
           <a:p>
             <a:fld id="{18A68613-FF0B-4246-B613-8295211CFAFA}" type="slidenum">
               <a:rPr lang="en-US" smtClean="0"/>
-              <a:t>5</a:t>
+              <a:t>6</a:t>
             </a:fld>
             <a:endParaRPr lang="en-US" dirty="0"/>
           </a:p>
@@ -11756,328 +13273,6 @@
     <p:extLst>
       <p:ext uri="{BB962C8B-B14F-4D97-AF65-F5344CB8AC3E}">
         <p14:creationId xmlns:p14="http://schemas.microsoft.com/office/powerpoint/2010/main" val="111696782"/>
-      </p:ext>
-    </p:extLst>
-  </p:cSld>
-  <p:clrMapOvr>
-    <a:masterClrMapping/>
-  </p:clrMapOvr>
-</p:sld>
-</file>
-
-<file path=ppt/slides/slide6.xml><?xml version="1.0" encoding="utf-8"?>
-<p:sld xmlns:a="http://schemas.openxmlformats.org/drawingml/2006/main" xmlns:r="http://schemas.openxmlformats.org/officeDocument/2006/relationships" xmlns:p="http://schemas.openxmlformats.org/presentationml/2006/main">
-  <p:cSld>
-    <p:spTree>
-      <p:nvGrpSpPr>
-        <p:cNvPr id="1" name=""/>
-        <p:cNvGrpSpPr/>
-        <p:nvPr/>
-      </p:nvGrpSpPr>
-      <p:grpSpPr>
-        <a:xfrm>
-          <a:off x="0" y="0"/>
-          <a:ext cx="0" cy="0"/>
-          <a:chOff x="0" y="0"/>
-          <a:chExt cx="0" cy="0"/>
-        </a:xfrm>
-      </p:grpSpPr>
-      <p:sp>
-        <p:nvSpPr>
-          <p:cNvPr id="2" name="Title 1"/>
-          <p:cNvSpPr>
-            <a:spLocks noGrp="1"/>
-          </p:cNvSpPr>
-          <p:nvPr>
-            <p:ph type="title"/>
-          </p:nvPr>
-        </p:nvSpPr>
-        <p:spPr/>
-        <p:txBody>
-          <a:bodyPr>
-            <a:normAutofit/>
-          </a:bodyPr>
-          <a:lstStyle/>
-          <a:p>
-            <a:r>
-              <a:rPr lang="en-US" altLang="zh-CN" dirty="0" smtClean="0">
-                <a:ea typeface="SimSun" pitchFamily="2" charset="-122"/>
-              </a:rPr>
-              <a:t>Efficient </a:t>
-            </a:r>
-            <a:r>
-              <a:rPr lang="en-US" altLang="zh-CN" dirty="0">
-                <a:ea typeface="SimSun" pitchFamily="2" charset="-122"/>
-              </a:rPr>
-              <a:t>Computation</a:t>
-            </a:r>
-            <a:endParaRPr lang="en-US" dirty="0"/>
-          </a:p>
-        </p:txBody>
-      </p:sp>
-      <p:sp>
-        <p:nvSpPr>
-          <p:cNvPr id="3" name="Content Placeholder 2"/>
-          <p:cNvSpPr>
-            <a:spLocks noGrp="1"/>
-          </p:cNvSpPr>
-          <p:nvPr>
-            <p:ph idx="1"/>
-          </p:nvPr>
-        </p:nvSpPr>
-        <p:spPr/>
-        <p:txBody>
-          <a:bodyPr>
-            <a:normAutofit fontScale="92500" lnSpcReduction="20000"/>
-          </a:bodyPr>
-          <a:lstStyle/>
-          <a:p>
-            <a:r>
-              <a:rPr lang="en-US" altLang="zh-CN" sz="2400" dirty="0">
-                <a:ea typeface="SimSun" pitchFamily="2" charset="-122"/>
-              </a:rPr>
-              <a:t>General computation heuristics (Agarwal et al.’96)</a:t>
-            </a:r>
-          </a:p>
-          <a:p>
-            <a:r>
-              <a:rPr lang="en-US" altLang="zh-CN" sz="2400" dirty="0">
-                <a:ea typeface="SimSun" pitchFamily="2" charset="-122"/>
-              </a:rPr>
-              <a:t>Computing full/iceberg cubes: 3 methodologies </a:t>
-            </a:r>
-          </a:p>
-          <a:p>
-            <a:pPr lvl="1"/>
-            <a:r>
-              <a:rPr lang="en-US" altLang="zh-CN" sz="2400" dirty="0" smtClean="0">
-                <a:ea typeface="SimSun" pitchFamily="2" charset="-122"/>
-              </a:rPr>
-              <a:t>Bottom-Up:</a:t>
-            </a:r>
-            <a:endParaRPr lang="zh-CN" altLang="en-US" sz="2400" dirty="0" smtClean="0">
-              <a:ea typeface="SimSun" pitchFamily="2" charset="-122"/>
-            </a:endParaRPr>
-          </a:p>
-          <a:p>
-            <a:pPr lvl="2"/>
-            <a:r>
-              <a:rPr lang="en-US" altLang="zh-CN" b="1" u="sng" dirty="0" smtClean="0">
-                <a:solidFill>
-                  <a:srgbClr val="FF0000"/>
-                </a:solidFill>
-                <a:ea typeface="SimSun" pitchFamily="2" charset="-122"/>
-              </a:rPr>
-              <a:t>Multi-way </a:t>
-            </a:r>
-            <a:r>
-              <a:rPr lang="en-US" altLang="zh-CN" b="1" u="sng" dirty="0">
-                <a:solidFill>
-                  <a:srgbClr val="FF0000"/>
-                </a:solidFill>
-                <a:ea typeface="SimSun" pitchFamily="2" charset="-122"/>
-              </a:rPr>
-              <a:t>array aggregation</a:t>
-            </a:r>
-            <a:r>
-              <a:rPr lang="en-US" altLang="zh-CN" b="1" dirty="0">
-                <a:ea typeface="SimSun" pitchFamily="2" charset="-122"/>
-              </a:rPr>
-              <a:t> </a:t>
-            </a:r>
-            <a:r>
-              <a:rPr lang="en-US" altLang="zh-CN" dirty="0" smtClean="0">
-                <a:ea typeface="SimSun" pitchFamily="2" charset="-122"/>
-              </a:rPr>
-              <a:t>(Zhao, Deshpande &amp; </a:t>
-            </a:r>
-            <a:r>
-              <a:rPr lang="en-US" altLang="zh-CN" dirty="0" err="1" smtClean="0">
-                <a:ea typeface="SimSun" pitchFamily="2" charset="-122"/>
-              </a:rPr>
-              <a:t>Naughton</a:t>
-            </a:r>
-            <a:r>
-              <a:rPr lang="en-US" altLang="zh-CN" dirty="0" smtClean="0">
-                <a:ea typeface="SimSun" pitchFamily="2" charset="-122"/>
-              </a:rPr>
-              <a:t>, SIGMOD’97) </a:t>
-            </a:r>
-          </a:p>
-          <a:p>
-            <a:pPr lvl="1"/>
-            <a:r>
-              <a:rPr lang="en-US" altLang="zh-CN" sz="2400" dirty="0" smtClean="0">
-                <a:ea typeface="SimSun" pitchFamily="2" charset="-122"/>
-              </a:rPr>
-              <a:t>Top-down</a:t>
-            </a:r>
-            <a:r>
-              <a:rPr lang="en-US" altLang="zh-CN" sz="2400" dirty="0">
-                <a:ea typeface="SimSun" pitchFamily="2" charset="-122"/>
-              </a:rPr>
-              <a:t>: </a:t>
-            </a:r>
-          </a:p>
-          <a:p>
-            <a:pPr lvl="2"/>
-            <a:r>
-              <a:rPr lang="en-US" altLang="zh-CN" b="1" dirty="0">
-                <a:solidFill>
-                  <a:srgbClr val="FF0000"/>
-                </a:solidFill>
-                <a:ea typeface="SimSun" pitchFamily="2" charset="-122"/>
-              </a:rPr>
-              <a:t>BUC</a:t>
-            </a:r>
-            <a:r>
-              <a:rPr lang="en-US" altLang="zh-CN" dirty="0">
-                <a:ea typeface="SimSun" pitchFamily="2" charset="-122"/>
-              </a:rPr>
-              <a:t> (Beyer &amp; </a:t>
-            </a:r>
-            <a:r>
-              <a:rPr lang="en-US" altLang="zh-CN" dirty="0" err="1">
-                <a:ea typeface="SimSun" pitchFamily="2" charset="-122"/>
-              </a:rPr>
-              <a:t>Ramarkrishnan</a:t>
-            </a:r>
-            <a:r>
-              <a:rPr lang="en-US" altLang="zh-CN" dirty="0">
-                <a:ea typeface="SimSun" pitchFamily="2" charset="-122"/>
-              </a:rPr>
-              <a:t>, SIGMOD’99)</a:t>
-            </a:r>
-          </a:p>
-          <a:p>
-            <a:pPr lvl="1"/>
-            <a:r>
-              <a:rPr lang="en-US" altLang="zh-CN" sz="2400" dirty="0">
-                <a:ea typeface="SimSun" pitchFamily="2" charset="-122"/>
-              </a:rPr>
-              <a:t>Integrating Top-Down and Bottom-Up: </a:t>
-            </a:r>
-          </a:p>
-          <a:p>
-            <a:pPr lvl="2"/>
-            <a:r>
-              <a:rPr lang="en-US" altLang="zh-CN" dirty="0">
-                <a:ea typeface="SimSun" pitchFamily="2" charset="-122"/>
-              </a:rPr>
-              <a:t>Star-cubing algorithm (Xin, Han, Li &amp; </a:t>
-            </a:r>
-            <a:r>
-              <a:rPr lang="en-US" altLang="zh-CN" dirty="0" err="1">
-                <a:ea typeface="SimSun" pitchFamily="2" charset="-122"/>
-              </a:rPr>
-              <a:t>Wah</a:t>
-            </a:r>
-            <a:r>
-              <a:rPr lang="en-US" altLang="zh-CN" dirty="0">
-                <a:ea typeface="SimSun" pitchFamily="2" charset="-122"/>
-              </a:rPr>
-              <a:t>: VLDB’03)</a:t>
-            </a:r>
-          </a:p>
-          <a:p>
-            <a:r>
-              <a:rPr lang="en-US" altLang="zh-CN" sz="2400" dirty="0">
-                <a:ea typeface="SimSun" pitchFamily="2" charset="-122"/>
-              </a:rPr>
-              <a:t>High-dimensional OLAP: </a:t>
-            </a:r>
-          </a:p>
-          <a:p>
-            <a:pPr lvl="1"/>
-            <a:r>
-              <a:rPr lang="en-US" altLang="zh-CN" sz="2400" b="1" dirty="0">
-                <a:solidFill>
-                  <a:srgbClr val="FF0000"/>
-                </a:solidFill>
-                <a:ea typeface="SimSun" pitchFamily="2" charset="-122"/>
-              </a:rPr>
-              <a:t>A s</a:t>
-            </a:r>
-            <a:r>
-              <a:rPr lang="en-US" altLang="zh-CN" sz="2400" b="1" dirty="0" smtClean="0">
-                <a:solidFill>
-                  <a:srgbClr val="FF0000"/>
-                </a:solidFill>
-                <a:ea typeface="SimSun" pitchFamily="2" charset="-122"/>
-              </a:rPr>
-              <a:t>hell-fragment </a:t>
-            </a:r>
-            <a:r>
-              <a:rPr lang="en-US" altLang="zh-CN" sz="2400" b="1" dirty="0">
-                <a:solidFill>
-                  <a:srgbClr val="FF0000"/>
-                </a:solidFill>
-                <a:ea typeface="SimSun" pitchFamily="2" charset="-122"/>
-              </a:rPr>
-              <a:t>a</a:t>
-            </a:r>
-            <a:r>
-              <a:rPr lang="en-US" altLang="zh-CN" sz="2400" b="1" dirty="0" smtClean="0">
-                <a:solidFill>
-                  <a:srgbClr val="FF0000"/>
-                </a:solidFill>
-                <a:ea typeface="SimSun" pitchFamily="2" charset="-122"/>
-              </a:rPr>
-              <a:t>pproach </a:t>
-            </a:r>
-            <a:r>
-              <a:rPr lang="en-US" altLang="zh-CN" sz="2400" dirty="0">
-                <a:ea typeface="SimSun" pitchFamily="2" charset="-122"/>
-              </a:rPr>
-              <a:t>(Li, et al. VLDB’04)</a:t>
-            </a:r>
-          </a:p>
-          <a:p>
-            <a:r>
-              <a:rPr lang="en-US" altLang="zh-CN" sz="2400" dirty="0">
-                <a:ea typeface="SimSun" pitchFamily="2" charset="-122"/>
-              </a:rPr>
-              <a:t>Computing alternative kinds of cubes: </a:t>
-            </a:r>
-          </a:p>
-          <a:p>
-            <a:pPr lvl="1"/>
-            <a:r>
-              <a:rPr lang="en-US" altLang="zh-CN" sz="2400" dirty="0">
-                <a:ea typeface="SimSun" pitchFamily="2" charset="-122"/>
-              </a:rPr>
-              <a:t>Partial cube, closed cube, approximate cube, ……</a:t>
-            </a:r>
-          </a:p>
-        </p:txBody>
-      </p:sp>
-      <p:sp>
-        <p:nvSpPr>
-          <p:cNvPr id="4" name="Slide Number Placeholder 3"/>
-          <p:cNvSpPr>
-            <a:spLocks noGrp="1"/>
-          </p:cNvSpPr>
-          <p:nvPr>
-            <p:ph type="sldNum" sz="quarter" idx="12"/>
-          </p:nvPr>
-        </p:nvSpPr>
-        <p:spPr/>
-        <p:txBody>
-          <a:bodyPr/>
-          <a:lstStyle/>
-          <a:p>
-            <a:fld id="{18A68613-FF0B-4246-B613-8295211CFAFA}" type="slidenum">
-              <a:rPr lang="en-US" smtClean="0"/>
-              <a:t>6</a:t>
-            </a:fld>
-            <a:endParaRPr lang="en-US"/>
-          </a:p>
-        </p:txBody>
-      </p:sp>
-    </p:spTree>
-    <p:extLst>
-      <p:ext uri="{BB962C8B-B14F-4D97-AF65-F5344CB8AC3E}">
-        <p14:creationId xmlns:p14="http://schemas.microsoft.com/office/powerpoint/2010/main" val="1082627792"/>
       </p:ext>
     </p:extLst>
   </p:cSld>
@@ -12125,6 +13320,328 @@
               <a:rPr lang="en-US" altLang="zh-CN" dirty="0" smtClean="0">
                 <a:ea typeface="SimSun" pitchFamily="2" charset="-122"/>
               </a:rPr>
+              <a:t>Efficient </a:t>
+            </a:r>
+            <a:r>
+              <a:rPr lang="en-US" altLang="zh-CN" dirty="0">
+                <a:ea typeface="SimSun" pitchFamily="2" charset="-122"/>
+              </a:rPr>
+              <a:t>Computation</a:t>
+            </a:r>
+            <a:endParaRPr lang="en-US" dirty="0"/>
+          </a:p>
+        </p:txBody>
+      </p:sp>
+      <p:sp>
+        <p:nvSpPr>
+          <p:cNvPr id="3" name="Content Placeholder 2"/>
+          <p:cNvSpPr>
+            <a:spLocks noGrp="1"/>
+          </p:cNvSpPr>
+          <p:nvPr>
+            <p:ph idx="1"/>
+          </p:nvPr>
+        </p:nvSpPr>
+        <p:spPr/>
+        <p:txBody>
+          <a:bodyPr>
+            <a:normAutofit fontScale="92500" lnSpcReduction="20000"/>
+          </a:bodyPr>
+          <a:lstStyle/>
+          <a:p>
+            <a:r>
+              <a:rPr lang="en-US" altLang="zh-CN" sz="2400" dirty="0">
+                <a:ea typeface="SimSun" pitchFamily="2" charset="-122"/>
+              </a:rPr>
+              <a:t>General computation heuristics (Agarwal et al.’96)</a:t>
+            </a:r>
+          </a:p>
+          <a:p>
+            <a:r>
+              <a:rPr lang="en-US" altLang="zh-CN" sz="2400" dirty="0">
+                <a:ea typeface="SimSun" pitchFamily="2" charset="-122"/>
+              </a:rPr>
+              <a:t>Computing full/iceberg cubes: 3 methodologies </a:t>
+            </a:r>
+          </a:p>
+          <a:p>
+            <a:pPr lvl="1"/>
+            <a:r>
+              <a:rPr lang="en-US" altLang="zh-CN" sz="2400" dirty="0" smtClean="0">
+                <a:ea typeface="SimSun" pitchFamily="2" charset="-122"/>
+              </a:rPr>
+              <a:t>Bottom-Up:</a:t>
+            </a:r>
+            <a:endParaRPr lang="zh-CN" altLang="en-US" sz="2400" dirty="0" smtClean="0">
+              <a:ea typeface="SimSun" pitchFamily="2" charset="-122"/>
+            </a:endParaRPr>
+          </a:p>
+          <a:p>
+            <a:pPr lvl="2"/>
+            <a:r>
+              <a:rPr lang="en-US" altLang="zh-CN" b="1" u="sng" dirty="0" smtClean="0">
+                <a:solidFill>
+                  <a:srgbClr val="FF0000"/>
+                </a:solidFill>
+                <a:ea typeface="SimSun" pitchFamily="2" charset="-122"/>
+              </a:rPr>
+              <a:t>Multi-way </a:t>
+            </a:r>
+            <a:r>
+              <a:rPr lang="en-US" altLang="zh-CN" b="1" u="sng" dirty="0">
+                <a:solidFill>
+                  <a:srgbClr val="FF0000"/>
+                </a:solidFill>
+                <a:ea typeface="SimSun" pitchFamily="2" charset="-122"/>
+              </a:rPr>
+              <a:t>array aggregation</a:t>
+            </a:r>
+            <a:r>
+              <a:rPr lang="en-US" altLang="zh-CN" b="1" dirty="0">
+                <a:ea typeface="SimSun" pitchFamily="2" charset="-122"/>
+              </a:rPr>
+              <a:t> </a:t>
+            </a:r>
+            <a:r>
+              <a:rPr lang="en-US" altLang="zh-CN" dirty="0" smtClean="0">
+                <a:ea typeface="SimSun" pitchFamily="2" charset="-122"/>
+              </a:rPr>
+              <a:t>(Zhao, Deshpande &amp; </a:t>
+            </a:r>
+            <a:r>
+              <a:rPr lang="en-US" altLang="zh-CN" dirty="0" err="1" smtClean="0">
+                <a:ea typeface="SimSun" pitchFamily="2" charset="-122"/>
+              </a:rPr>
+              <a:t>Naughton</a:t>
+            </a:r>
+            <a:r>
+              <a:rPr lang="en-US" altLang="zh-CN" dirty="0" smtClean="0">
+                <a:ea typeface="SimSun" pitchFamily="2" charset="-122"/>
+              </a:rPr>
+              <a:t>, SIGMOD’97) </a:t>
+            </a:r>
+          </a:p>
+          <a:p>
+            <a:pPr lvl="1"/>
+            <a:r>
+              <a:rPr lang="en-US" altLang="zh-CN" sz="2400" dirty="0" smtClean="0">
+                <a:ea typeface="SimSun" pitchFamily="2" charset="-122"/>
+              </a:rPr>
+              <a:t>Top-down</a:t>
+            </a:r>
+            <a:r>
+              <a:rPr lang="en-US" altLang="zh-CN" sz="2400" dirty="0">
+                <a:ea typeface="SimSun" pitchFamily="2" charset="-122"/>
+              </a:rPr>
+              <a:t>: </a:t>
+            </a:r>
+          </a:p>
+          <a:p>
+            <a:pPr lvl="2"/>
+            <a:r>
+              <a:rPr lang="en-US" altLang="zh-CN" b="1" dirty="0">
+                <a:solidFill>
+                  <a:srgbClr val="FF0000"/>
+                </a:solidFill>
+                <a:ea typeface="SimSun" pitchFamily="2" charset="-122"/>
+              </a:rPr>
+              <a:t>BUC</a:t>
+            </a:r>
+            <a:r>
+              <a:rPr lang="en-US" altLang="zh-CN" dirty="0">
+                <a:ea typeface="SimSun" pitchFamily="2" charset="-122"/>
+              </a:rPr>
+              <a:t> (Beyer &amp; </a:t>
+            </a:r>
+            <a:r>
+              <a:rPr lang="en-US" altLang="zh-CN" dirty="0" err="1">
+                <a:ea typeface="SimSun" pitchFamily="2" charset="-122"/>
+              </a:rPr>
+              <a:t>Ramarkrishnan</a:t>
+            </a:r>
+            <a:r>
+              <a:rPr lang="en-US" altLang="zh-CN" dirty="0">
+                <a:ea typeface="SimSun" pitchFamily="2" charset="-122"/>
+              </a:rPr>
+              <a:t>, SIGMOD’99)</a:t>
+            </a:r>
+          </a:p>
+          <a:p>
+            <a:pPr lvl="1"/>
+            <a:r>
+              <a:rPr lang="en-US" altLang="zh-CN" sz="2400" dirty="0">
+                <a:ea typeface="SimSun" pitchFamily="2" charset="-122"/>
+              </a:rPr>
+              <a:t>Integrating Top-Down and Bottom-Up: </a:t>
+            </a:r>
+          </a:p>
+          <a:p>
+            <a:pPr lvl="2"/>
+            <a:r>
+              <a:rPr lang="en-US" altLang="zh-CN" dirty="0">
+                <a:ea typeface="SimSun" pitchFamily="2" charset="-122"/>
+              </a:rPr>
+              <a:t>Star-cubing algorithm (Xin, Han, Li &amp; </a:t>
+            </a:r>
+            <a:r>
+              <a:rPr lang="en-US" altLang="zh-CN" dirty="0" err="1">
+                <a:ea typeface="SimSun" pitchFamily="2" charset="-122"/>
+              </a:rPr>
+              <a:t>Wah</a:t>
+            </a:r>
+            <a:r>
+              <a:rPr lang="en-US" altLang="zh-CN" dirty="0">
+                <a:ea typeface="SimSun" pitchFamily="2" charset="-122"/>
+              </a:rPr>
+              <a:t>: VLDB’03)</a:t>
+            </a:r>
+          </a:p>
+          <a:p>
+            <a:r>
+              <a:rPr lang="en-US" altLang="zh-CN" sz="2400" dirty="0">
+                <a:ea typeface="SimSun" pitchFamily="2" charset="-122"/>
+              </a:rPr>
+              <a:t>High-dimensional OLAP: </a:t>
+            </a:r>
+          </a:p>
+          <a:p>
+            <a:pPr lvl="1"/>
+            <a:r>
+              <a:rPr lang="en-US" altLang="zh-CN" sz="2400" b="1" dirty="0">
+                <a:solidFill>
+                  <a:srgbClr val="FF0000"/>
+                </a:solidFill>
+                <a:ea typeface="SimSun" pitchFamily="2" charset="-122"/>
+              </a:rPr>
+              <a:t>A s</a:t>
+            </a:r>
+            <a:r>
+              <a:rPr lang="en-US" altLang="zh-CN" sz="2400" b="1" dirty="0" smtClean="0">
+                <a:solidFill>
+                  <a:srgbClr val="FF0000"/>
+                </a:solidFill>
+                <a:ea typeface="SimSun" pitchFamily="2" charset="-122"/>
+              </a:rPr>
+              <a:t>hell-fragment </a:t>
+            </a:r>
+            <a:r>
+              <a:rPr lang="en-US" altLang="zh-CN" sz="2400" b="1" dirty="0">
+                <a:solidFill>
+                  <a:srgbClr val="FF0000"/>
+                </a:solidFill>
+                <a:ea typeface="SimSun" pitchFamily="2" charset="-122"/>
+              </a:rPr>
+              <a:t>a</a:t>
+            </a:r>
+            <a:r>
+              <a:rPr lang="en-US" altLang="zh-CN" sz="2400" b="1" dirty="0" smtClean="0">
+                <a:solidFill>
+                  <a:srgbClr val="FF0000"/>
+                </a:solidFill>
+                <a:ea typeface="SimSun" pitchFamily="2" charset="-122"/>
+              </a:rPr>
+              <a:t>pproach </a:t>
+            </a:r>
+            <a:r>
+              <a:rPr lang="en-US" altLang="zh-CN" sz="2400" dirty="0">
+                <a:ea typeface="SimSun" pitchFamily="2" charset="-122"/>
+              </a:rPr>
+              <a:t>(Li, et al. VLDB’04)</a:t>
+            </a:r>
+          </a:p>
+          <a:p>
+            <a:r>
+              <a:rPr lang="en-US" altLang="zh-CN" sz="2400" dirty="0">
+                <a:ea typeface="SimSun" pitchFamily="2" charset="-122"/>
+              </a:rPr>
+              <a:t>Computing alternative kinds of cubes: </a:t>
+            </a:r>
+          </a:p>
+          <a:p>
+            <a:pPr lvl="1"/>
+            <a:r>
+              <a:rPr lang="en-US" altLang="zh-CN" sz="2400" dirty="0">
+                <a:ea typeface="SimSun" pitchFamily="2" charset="-122"/>
+              </a:rPr>
+              <a:t>Partial cube, closed cube, approximate cube, ……</a:t>
+            </a:r>
+          </a:p>
+        </p:txBody>
+      </p:sp>
+      <p:sp>
+        <p:nvSpPr>
+          <p:cNvPr id="4" name="Slide Number Placeholder 3"/>
+          <p:cNvSpPr>
+            <a:spLocks noGrp="1"/>
+          </p:cNvSpPr>
+          <p:nvPr>
+            <p:ph type="sldNum" sz="quarter" idx="12"/>
+          </p:nvPr>
+        </p:nvSpPr>
+        <p:spPr/>
+        <p:txBody>
+          <a:bodyPr/>
+          <a:lstStyle/>
+          <a:p>
+            <a:fld id="{18A68613-FF0B-4246-B613-8295211CFAFA}" type="slidenum">
+              <a:rPr lang="en-US" smtClean="0"/>
+              <a:t>7</a:t>
+            </a:fld>
+            <a:endParaRPr lang="en-US"/>
+          </a:p>
+        </p:txBody>
+      </p:sp>
+    </p:spTree>
+    <p:extLst>
+      <p:ext uri="{BB962C8B-B14F-4D97-AF65-F5344CB8AC3E}">
+        <p14:creationId xmlns:p14="http://schemas.microsoft.com/office/powerpoint/2010/main" val="1082627792"/>
+      </p:ext>
+    </p:extLst>
+  </p:cSld>
+  <p:clrMapOvr>
+    <a:masterClrMapping/>
+  </p:clrMapOvr>
+</p:sld>
+</file>
+
+<file path=ppt/slides/slide8.xml><?xml version="1.0" encoding="utf-8"?>
+<p:sld xmlns:a="http://schemas.openxmlformats.org/drawingml/2006/main" xmlns:r="http://schemas.openxmlformats.org/officeDocument/2006/relationships" xmlns:p="http://schemas.openxmlformats.org/presentationml/2006/main">
+  <p:cSld>
+    <p:spTree>
+      <p:nvGrpSpPr>
+        <p:cNvPr id="1" name=""/>
+        <p:cNvGrpSpPr/>
+        <p:nvPr/>
+      </p:nvGrpSpPr>
+      <p:grpSpPr>
+        <a:xfrm>
+          <a:off x="0" y="0"/>
+          <a:ext cx="0" cy="0"/>
+          <a:chOff x="0" y="0"/>
+          <a:chExt cx="0" cy="0"/>
+        </a:xfrm>
+      </p:grpSpPr>
+      <p:sp>
+        <p:nvSpPr>
+          <p:cNvPr id="2" name="Title 1"/>
+          <p:cNvSpPr>
+            <a:spLocks noGrp="1"/>
+          </p:cNvSpPr>
+          <p:nvPr>
+            <p:ph type="title"/>
+          </p:nvPr>
+        </p:nvSpPr>
+        <p:spPr/>
+        <p:txBody>
+          <a:bodyPr>
+            <a:normAutofit/>
+          </a:bodyPr>
+          <a:lstStyle/>
+          <a:p>
+            <a:r>
+              <a:rPr lang="en-US" altLang="zh-CN" dirty="0" smtClean="0">
+                <a:ea typeface="SimSun" pitchFamily="2" charset="-122"/>
+              </a:rPr>
               <a:t>Multi-Way </a:t>
             </a:r>
             <a:r>
@@ -12484,7 +14001,7 @@
           <a:p>
             <a:fld id="{18A68613-FF0B-4246-B613-8295211CFAFA}" type="slidenum">
               <a:rPr lang="en-US" smtClean="0"/>
-              <a:t>7</a:t>
+              <a:t>8</a:t>
             </a:fld>
             <a:endParaRPr lang="en-US"/>
           </a:p>
@@ -31707,7 +33224,7 @@
 </p:sld>
 </file>
 
-<file path=ppt/slides/slide8.xml><?xml version="1.0" encoding="utf-8"?>
+<file path=ppt/slides/slide9.xml><?xml version="1.0" encoding="utf-8"?>
 <p:sld xmlns:a="http://schemas.openxmlformats.org/drawingml/2006/main" xmlns:r="http://schemas.openxmlformats.org/officeDocument/2006/relationships" xmlns:p="http://schemas.openxmlformats.org/presentationml/2006/main">
   <p:cSld>
     <p:spTree>
@@ -32211,7 +33728,7 @@
           <a:p>
             <a:fld id="{18A68613-FF0B-4246-B613-8295211CFAFA}" type="slidenum">
               <a:rPr lang="en-US" smtClean="0"/>
-              <a:t>8</a:t>
+              <a:t>9</a:t>
             </a:fld>
             <a:endParaRPr lang="en-US"/>
           </a:p>
@@ -32489,1044 +34006,6 @@
   <p:clrMapOvr>
     <a:masterClrMapping/>
   </p:clrMapOvr>
-</p:sld>
-</file>
-
-<file path=ppt/slides/slide9.xml><?xml version="1.0" encoding="utf-8"?>
-<p:sld xmlns:a="http://schemas.openxmlformats.org/drawingml/2006/main" xmlns:r="http://schemas.openxmlformats.org/officeDocument/2006/relationships" xmlns:p="http://schemas.openxmlformats.org/presentationml/2006/main">
-  <p:cSld>
-    <p:spTree>
-      <p:nvGrpSpPr>
-        <p:cNvPr id="1" name=""/>
-        <p:cNvGrpSpPr/>
-        <p:nvPr/>
-      </p:nvGrpSpPr>
-      <p:grpSpPr>
-        <a:xfrm>
-          <a:off x="0" y="0"/>
-          <a:ext cx="0" cy="0"/>
-          <a:chOff x="0" y="0"/>
-          <a:chExt cx="0" cy="0"/>
-        </a:xfrm>
-      </p:grpSpPr>
-      <p:sp>
-        <p:nvSpPr>
-          <p:cNvPr id="3" name="Content Placeholder 2"/>
-          <p:cNvSpPr>
-            <a:spLocks noGrp="1"/>
-          </p:cNvSpPr>
-          <p:nvPr>
-            <p:ph idx="1"/>
-          </p:nvPr>
-        </p:nvSpPr>
-        <p:spPr/>
-        <p:txBody>
-          <a:bodyPr>
-            <a:normAutofit/>
-          </a:bodyPr>
-          <a:lstStyle/>
-          <a:p>
-            <a:r>
-              <a:rPr lang="en-US" altLang="en-US" sz="2000" dirty="0"/>
-              <a:t>How to minimizes the memory requirement and reduced I/</a:t>
-            </a:r>
-            <a:r>
-              <a:rPr lang="en-US" altLang="en-US" sz="2000" dirty="0" err="1"/>
-              <a:t>Os</a:t>
-            </a:r>
-            <a:r>
-              <a:rPr lang="en-US" altLang="en-US" sz="2000" dirty="0" smtClean="0"/>
-              <a:t>?</a:t>
-            </a:r>
-          </a:p>
-          <a:p>
-            <a:pPr lvl="1">
-              <a:lnSpc>
-                <a:spcPct val="120000"/>
-              </a:lnSpc>
-            </a:pPr>
-            <a:r>
-              <a:rPr lang="en-US" altLang="zh-CN" sz="2000" dirty="0">
-                <a:ea typeface="SimSun" pitchFamily="2" charset="-122"/>
-              </a:rPr>
-              <a:t>Keep the </a:t>
-            </a:r>
-            <a:r>
-              <a:rPr lang="en-US" altLang="zh-CN" sz="2000" b="1" dirty="0">
-                <a:ea typeface="SimSun" pitchFamily="2" charset="-122"/>
-              </a:rPr>
-              <a:t>smallest</a:t>
-            </a:r>
-            <a:r>
-              <a:rPr lang="en-US" altLang="zh-CN" sz="2000" dirty="0">
-                <a:ea typeface="SimSun" pitchFamily="2" charset="-122"/>
-              </a:rPr>
-              <a:t> plane in </a:t>
-            </a:r>
-            <a:r>
-              <a:rPr lang="en-US" altLang="zh-CN" sz="2000" b="1" dirty="0">
-                <a:ea typeface="SimSun" pitchFamily="2" charset="-122"/>
-              </a:rPr>
-              <a:t>main </a:t>
-            </a:r>
-            <a:r>
-              <a:rPr lang="en-US" altLang="zh-CN" sz="2000" b="1" dirty="0" smtClean="0">
-                <a:ea typeface="SimSun" pitchFamily="2" charset="-122"/>
-              </a:rPr>
-              <a:t>memory</a:t>
-            </a:r>
-            <a:endParaRPr lang="zh-CN" altLang="en-US" sz="2000" dirty="0">
-              <a:ea typeface="SimSun" pitchFamily="2" charset="-122"/>
-            </a:endParaRPr>
-          </a:p>
-          <a:p>
-            <a:pPr lvl="1">
-              <a:lnSpc>
-                <a:spcPct val="120000"/>
-              </a:lnSpc>
-            </a:pPr>
-            <a:r>
-              <a:rPr lang="en-US" altLang="zh-CN" sz="2000" dirty="0">
-                <a:ea typeface="SimSun" pitchFamily="2" charset="-122"/>
-              </a:rPr>
-              <a:t>F</a:t>
-            </a:r>
-            <a:r>
-              <a:rPr lang="en-US" altLang="zh-CN" sz="2000" dirty="0" smtClean="0">
-                <a:ea typeface="SimSun" pitchFamily="2" charset="-122"/>
-              </a:rPr>
-              <a:t>etch </a:t>
-            </a:r>
-            <a:r>
-              <a:rPr lang="en-US" altLang="zh-CN" sz="2000" dirty="0">
-                <a:ea typeface="SimSun" pitchFamily="2" charset="-122"/>
-              </a:rPr>
-              <a:t>and compute </a:t>
-            </a:r>
-            <a:r>
-              <a:rPr lang="en-US" altLang="zh-CN" sz="2000" b="1" dirty="0">
-                <a:ea typeface="SimSun" pitchFamily="2" charset="-122"/>
-              </a:rPr>
-              <a:t>only one chunk</a:t>
-            </a:r>
-            <a:r>
-              <a:rPr lang="en-US" altLang="zh-CN" sz="2000" dirty="0">
-                <a:ea typeface="SimSun" pitchFamily="2" charset="-122"/>
-              </a:rPr>
-              <a:t> at a time for the </a:t>
-            </a:r>
-            <a:r>
-              <a:rPr lang="en-US" altLang="zh-CN" sz="2000" b="1" dirty="0">
-                <a:ea typeface="SimSun" pitchFamily="2" charset="-122"/>
-              </a:rPr>
-              <a:t>largest</a:t>
-            </a:r>
-            <a:r>
-              <a:rPr lang="en-US" altLang="zh-CN" sz="2000" dirty="0">
-                <a:ea typeface="SimSun" pitchFamily="2" charset="-122"/>
-              </a:rPr>
-              <a:t> plane</a:t>
-            </a:r>
-          </a:p>
-          <a:p>
-            <a:pPr lvl="1">
-              <a:lnSpc>
-                <a:spcPct val="120000"/>
-              </a:lnSpc>
-            </a:pPr>
-            <a:r>
-              <a:rPr lang="en-US" altLang="zh-CN" sz="2000" dirty="0">
-                <a:ea typeface="SimSun" pitchFamily="2" charset="-122"/>
-              </a:rPr>
-              <a:t>The planes should be </a:t>
-            </a:r>
-            <a:r>
-              <a:rPr lang="en-US" altLang="zh-CN" sz="2000" b="1" dirty="0">
-                <a:ea typeface="SimSun" pitchFamily="2" charset="-122"/>
-              </a:rPr>
-              <a:t>sorted</a:t>
-            </a:r>
-            <a:r>
-              <a:rPr lang="en-US" altLang="zh-CN" sz="2000" dirty="0">
-                <a:ea typeface="SimSun" pitchFamily="2" charset="-122"/>
-              </a:rPr>
-              <a:t> and computed according to their </a:t>
-            </a:r>
-            <a:r>
-              <a:rPr lang="en-US" altLang="zh-CN" sz="2000" b="1" dirty="0">
-                <a:ea typeface="SimSun" pitchFamily="2" charset="-122"/>
-              </a:rPr>
-              <a:t>size</a:t>
-            </a:r>
-            <a:r>
-              <a:rPr lang="en-US" altLang="zh-CN" sz="2000" dirty="0">
-                <a:ea typeface="SimSun" pitchFamily="2" charset="-122"/>
-              </a:rPr>
-              <a:t> in ascending </a:t>
-            </a:r>
-            <a:r>
-              <a:rPr lang="en-US" altLang="zh-CN" sz="2000" dirty="0" smtClean="0">
-                <a:ea typeface="SimSun" pitchFamily="2" charset="-122"/>
-              </a:rPr>
-              <a:t>order</a:t>
-            </a:r>
-            <a:endParaRPr lang="en-US" altLang="zh-CN" sz="2000" dirty="0">
-              <a:ea typeface="SimSun" pitchFamily="2" charset="-122"/>
-            </a:endParaRPr>
-          </a:p>
-        </p:txBody>
-      </p:sp>
-      <p:pic>
-        <p:nvPicPr>
-          <p:cNvPr id="5" name="Picture 4"/>
-          <p:cNvPicPr>
-            <a:picLocks noChangeAspect="1" noChangeArrowheads="1"/>
-          </p:cNvPicPr>
-          <p:nvPr/>
-        </p:nvPicPr>
-        <p:blipFill>
-          <a:blip r:embed="rId2">
-            <a:extLst>
-              <a:ext uri="{28A0092B-C50C-407E-A947-70E740481C1C}">
-                <a14:useLocalDpi xmlns:a14="http://schemas.microsoft.com/office/drawing/2010/main" val="0"/>
-              </a:ext>
-            </a:extLst>
-          </a:blip>
-          <a:srcRect/>
-          <a:stretch>
-            <a:fillRect/>
-          </a:stretch>
-        </p:blipFill>
-        <p:spPr>
-          <a:xfrm>
-            <a:off x="2381503" y="3334118"/>
-            <a:ext cx="4171697" cy="3091725"/>
-          </a:xfrm>
-          <a:prstGeom prst="rect">
-            <a:avLst/>
-          </a:prstGeom>
-          <a:noFill/>
-          <a:extLst>
-            <a:ext uri="{909E8E84-426E-40DD-AFC4-6F175D3DCCD1}">
-              <a14:hiddenFill xmlns:a14="http://schemas.microsoft.com/office/drawing/2010/main">
-                <a:solidFill>
-                  <a:schemeClr val="accent1"/>
-                </a:solidFill>
-              </a14:hiddenFill>
-            </a:ext>
-            <a:ext uri="{91240B29-F687-4F45-9708-019B960494DF}">
-              <a14:hiddenLine xmlns:a14="http://schemas.microsoft.com/office/drawing/2010/main" w="9525" cap="flat" cmpd="sng">
-                <a:solidFill>
-                  <a:schemeClr val="tx1"/>
-                </a:solidFill>
-                <a:prstDash val="solid"/>
-                <a:miter lim="800000"/>
-                <a:headEnd type="none" w="med" len="med"/>
-                <a:tailEnd type="none" w="med" len="med"/>
-              </a14:hiddenLine>
-            </a:ext>
-            <a:ext uri="{AF507438-7753-43E0-B8FC-AC1667EBCBE1}">
-              <a14:hiddenEffects xmlns:a14="http://schemas.microsoft.com/office/drawing/2010/main">
-                <a:effectLst>
-                  <a:outerShdw dist="35921" dir="2700000" algn="ctr" rotWithShape="0">
-                    <a:schemeClr val="bg2"/>
-                  </a:outerShdw>
-                </a:effectLst>
-              </a14:hiddenEffects>
-            </a:ext>
-          </a:extLst>
-        </p:spPr>
-      </p:pic>
-      <p:sp>
-        <p:nvSpPr>
-          <p:cNvPr id="7" name="TextBox 6"/>
-          <p:cNvSpPr txBox="1"/>
-          <p:nvPr/>
-        </p:nvSpPr>
-        <p:spPr>
-          <a:xfrm>
-            <a:off x="4755268" y="6044367"/>
-            <a:ext cx="3002845" cy="646331"/>
-          </a:xfrm>
-          <a:prstGeom prst="rect">
-            <a:avLst/>
-          </a:prstGeom>
-          <a:solidFill>
-            <a:srgbClr val="92D050"/>
-          </a:solidFill>
-        </p:spPr>
-        <p:txBody>
-          <a:bodyPr wrap="square" rtlCol="0">
-            <a:spAutoFit/>
-          </a:bodyPr>
-          <a:lstStyle/>
-          <a:p>
-            <a:r>
-              <a:rPr lang="en-US" dirty="0" smtClean="0"/>
-              <a:t>One </a:t>
-            </a:r>
-            <a:r>
-              <a:rPr lang="en-US" b="1" dirty="0" smtClean="0"/>
-              <a:t>column</a:t>
-            </a:r>
-            <a:r>
-              <a:rPr lang="en-US" dirty="0" smtClean="0"/>
-              <a:t> of AC plane</a:t>
-            </a:r>
-            <a:r>
-              <a:rPr lang="en-US" altLang="zh-CN" dirty="0" smtClean="0"/>
-              <a:t>:</a:t>
-            </a:r>
-            <a:endParaRPr lang="zh-CN" altLang="en-US" dirty="0"/>
-          </a:p>
-          <a:p>
-            <a:r>
-              <a:rPr lang="en-US" altLang="zh-CN" dirty="0" smtClean="0"/>
-              <a:t>40</a:t>
-            </a:r>
-            <a:r>
-              <a:rPr lang="zh-CN" altLang="en-US" dirty="0" smtClean="0"/>
-              <a:t> * </a:t>
-            </a:r>
-            <a:r>
-              <a:rPr lang="en-US" altLang="zh-CN" dirty="0" smtClean="0"/>
-              <a:t>(4,000/4)</a:t>
-            </a:r>
-            <a:r>
-              <a:rPr lang="zh-CN" altLang="en-US" dirty="0" smtClean="0"/>
-              <a:t> </a:t>
-            </a:r>
-            <a:r>
-              <a:rPr lang="en-US" altLang="zh-CN" dirty="0" smtClean="0"/>
-              <a:t>=</a:t>
-            </a:r>
-            <a:r>
-              <a:rPr lang="zh-CN" altLang="en-US" dirty="0" smtClean="0"/>
-              <a:t> </a:t>
-            </a:r>
-            <a:r>
-              <a:rPr lang="en-US" altLang="zh-CN" dirty="0" smtClean="0"/>
-              <a:t>40,000</a:t>
-            </a:r>
-            <a:endParaRPr lang="en-US" dirty="0"/>
-          </a:p>
-        </p:txBody>
-      </p:sp>
-      <p:sp>
-        <p:nvSpPr>
-          <p:cNvPr id="9" name="TextBox 8"/>
-          <p:cNvSpPr txBox="1"/>
-          <p:nvPr/>
-        </p:nvSpPr>
-        <p:spPr>
-          <a:xfrm>
-            <a:off x="868072" y="3863181"/>
-            <a:ext cx="2399520" cy="923330"/>
-          </a:xfrm>
-          <a:prstGeom prst="rect">
-            <a:avLst/>
-          </a:prstGeom>
-          <a:solidFill>
-            <a:srgbClr val="FFC000"/>
-          </a:solidFill>
-        </p:spPr>
-        <p:txBody>
-          <a:bodyPr wrap="square" rtlCol="0">
-            <a:spAutoFit/>
-          </a:bodyPr>
-          <a:lstStyle/>
-          <a:p>
-            <a:r>
-              <a:rPr lang="en-US" dirty="0" smtClean="0"/>
-              <a:t>One </a:t>
-            </a:r>
-            <a:r>
-              <a:rPr lang="en-US" b="1" dirty="0" smtClean="0"/>
-              <a:t>chunk</a:t>
-            </a:r>
-            <a:r>
-              <a:rPr lang="en-US" dirty="0" smtClean="0"/>
-              <a:t> of BC</a:t>
-            </a:r>
-            <a:r>
-              <a:rPr lang="zh-CN" altLang="en-US" dirty="0" smtClean="0"/>
-              <a:t> </a:t>
-            </a:r>
-            <a:r>
-              <a:rPr lang="en-US" dirty="0" smtClean="0"/>
-              <a:t>plane</a:t>
-            </a:r>
-            <a:r>
-              <a:rPr lang="en-US" altLang="zh-CN" dirty="0" smtClean="0"/>
-              <a:t>:</a:t>
-            </a:r>
-            <a:endParaRPr lang="zh-CN" altLang="en-US" dirty="0" smtClean="0"/>
-          </a:p>
-          <a:p>
-            <a:r>
-              <a:rPr lang="en-US" altLang="zh-CN" dirty="0" smtClean="0"/>
-              <a:t>(400/4)</a:t>
-            </a:r>
-            <a:r>
-              <a:rPr lang="zh-CN" altLang="en-US" dirty="0" smtClean="0"/>
-              <a:t> * </a:t>
-            </a:r>
-            <a:r>
-              <a:rPr lang="en-US" altLang="zh-CN" dirty="0" smtClean="0"/>
-              <a:t>(4,000/4)</a:t>
-            </a:r>
-            <a:endParaRPr lang="zh-CN" altLang="en-US" dirty="0" smtClean="0"/>
-          </a:p>
-          <a:p>
-            <a:r>
-              <a:rPr lang="en-US" altLang="zh-CN" dirty="0" smtClean="0"/>
-              <a:t>=</a:t>
-            </a:r>
-            <a:r>
-              <a:rPr lang="zh-CN" altLang="en-US" dirty="0" smtClean="0"/>
-              <a:t> </a:t>
-            </a:r>
-            <a:r>
-              <a:rPr lang="en-US" altLang="zh-CN" dirty="0" smtClean="0"/>
-              <a:t>100,000</a:t>
-            </a:r>
-            <a:endParaRPr lang="en-US" dirty="0"/>
-          </a:p>
-        </p:txBody>
-      </p:sp>
-      <p:sp>
-        <p:nvSpPr>
-          <p:cNvPr id="10" name="TextBox 9"/>
-          <p:cNvSpPr txBox="1"/>
-          <p:nvPr/>
-        </p:nvSpPr>
-        <p:spPr>
-          <a:xfrm>
-            <a:off x="4114447" y="3365391"/>
-            <a:ext cx="1507068" cy="384721"/>
-          </a:xfrm>
-          <a:prstGeom prst="rect">
-            <a:avLst/>
-          </a:prstGeom>
-          <a:gradFill flip="none" rotWithShape="1">
-            <a:gsLst>
-              <a:gs pos="0">
-                <a:srgbClr val="94A088">
-                  <a:tint val="66000"/>
-                  <a:satMod val="160000"/>
-                </a:srgbClr>
-              </a:gs>
-              <a:gs pos="50000">
-                <a:srgbClr val="94A088">
-                  <a:tint val="44500"/>
-                  <a:satMod val="160000"/>
-                </a:srgbClr>
-              </a:gs>
-              <a:gs pos="100000">
-                <a:srgbClr val="94A088">
-                  <a:tint val="23500"/>
-                  <a:satMod val="160000"/>
-                </a:srgbClr>
-              </a:gs>
-            </a:gsLst>
-            <a:lin ang="5400000" scaled="1"/>
-            <a:tileRect/>
-          </a:gradFill>
-        </p:spPr>
-        <p:txBody>
-          <a:bodyPr wrap="square" rtlCol="0">
-            <a:spAutoFit/>
-          </a:bodyPr>
-          <a:lstStyle/>
-          <a:p>
-            <a:r>
-              <a:rPr lang="en-US" dirty="0" smtClean="0"/>
-              <a:t>4x4x4 chunks</a:t>
-            </a:r>
-            <a:endParaRPr lang="en-US" dirty="0"/>
-          </a:p>
-        </p:txBody>
-      </p:sp>
-      <p:sp>
-        <p:nvSpPr>
-          <p:cNvPr id="11" name="TextBox 10"/>
-          <p:cNvSpPr txBox="1"/>
-          <p:nvPr/>
-        </p:nvSpPr>
-        <p:spPr>
-          <a:xfrm>
-            <a:off x="6553200" y="3502674"/>
-            <a:ext cx="1794934" cy="923330"/>
-          </a:xfrm>
-          <a:prstGeom prst="rect">
-            <a:avLst/>
-          </a:prstGeom>
-          <a:solidFill>
-            <a:srgbClr val="FFFF00"/>
-          </a:solidFill>
-        </p:spPr>
-        <p:txBody>
-          <a:bodyPr wrap="square" rtlCol="0">
-            <a:spAutoFit/>
-          </a:bodyPr>
-          <a:lstStyle/>
-          <a:p>
-            <a:r>
-              <a:rPr lang="en-US" b="1" dirty="0" smtClean="0">
-                <a:solidFill>
-                  <a:srgbClr val="FF0000"/>
-                </a:solidFill>
-              </a:rPr>
-              <a:t>Entire</a:t>
-            </a:r>
-            <a:r>
-              <a:rPr lang="en-US" dirty="0" smtClean="0">
-                <a:solidFill>
-                  <a:srgbClr val="FF0000"/>
-                </a:solidFill>
-              </a:rPr>
-              <a:t> AB plane</a:t>
-            </a:r>
-            <a:r>
-              <a:rPr lang="en-US" altLang="zh-CN" dirty="0" smtClean="0">
-                <a:solidFill>
-                  <a:srgbClr val="FF0000"/>
-                </a:solidFill>
-              </a:rPr>
-              <a:t>:</a:t>
-            </a:r>
-            <a:r>
-              <a:rPr lang="zh-CN" altLang="en-US" dirty="0" smtClean="0">
-                <a:solidFill>
-                  <a:srgbClr val="FF0000"/>
-                </a:solidFill>
-              </a:rPr>
-              <a:t> </a:t>
-            </a:r>
-            <a:r>
-              <a:rPr lang="en-US" altLang="zh-CN" dirty="0" smtClean="0">
-                <a:solidFill>
-                  <a:srgbClr val="FF0000"/>
-                </a:solidFill>
-              </a:rPr>
-              <a:t>40</a:t>
-            </a:r>
-            <a:r>
-              <a:rPr lang="zh-CN" altLang="en-US" dirty="0" smtClean="0">
-                <a:solidFill>
-                  <a:srgbClr val="FF0000"/>
-                </a:solidFill>
-              </a:rPr>
-              <a:t> * </a:t>
-            </a:r>
-            <a:r>
-              <a:rPr lang="en-US" altLang="zh-CN" dirty="0" smtClean="0">
-                <a:solidFill>
-                  <a:srgbClr val="FF0000"/>
-                </a:solidFill>
-              </a:rPr>
-              <a:t>400</a:t>
-            </a:r>
-            <a:endParaRPr lang="zh-CN" altLang="en-US" dirty="0" smtClean="0">
-              <a:solidFill>
-                <a:srgbClr val="FF0000"/>
-              </a:solidFill>
-            </a:endParaRPr>
-          </a:p>
-          <a:p>
-            <a:r>
-              <a:rPr lang="en-US" altLang="zh-CN" dirty="0" smtClean="0">
-                <a:solidFill>
-                  <a:srgbClr val="FF0000"/>
-                </a:solidFill>
-              </a:rPr>
-              <a:t>=</a:t>
-            </a:r>
-            <a:r>
-              <a:rPr lang="zh-CN" altLang="en-US" dirty="0" smtClean="0">
-                <a:solidFill>
-                  <a:srgbClr val="FF0000"/>
-                </a:solidFill>
-              </a:rPr>
-              <a:t> </a:t>
-            </a:r>
-            <a:r>
-              <a:rPr lang="en-US" altLang="zh-CN" dirty="0" smtClean="0">
-                <a:solidFill>
-                  <a:srgbClr val="FF0000"/>
-                </a:solidFill>
-              </a:rPr>
-              <a:t>16,000</a:t>
-            </a:r>
-            <a:endParaRPr lang="en-US" dirty="0">
-              <a:solidFill>
-                <a:srgbClr val="FF0000"/>
-              </a:solidFill>
-            </a:endParaRPr>
-          </a:p>
-        </p:txBody>
-      </p:sp>
-      <p:sp>
-        <p:nvSpPr>
-          <p:cNvPr id="12" name="TextBox 11"/>
-          <p:cNvSpPr txBox="1"/>
-          <p:nvPr/>
-        </p:nvSpPr>
-        <p:spPr>
-          <a:xfrm>
-            <a:off x="6553200" y="4690859"/>
-            <a:ext cx="2133600" cy="923330"/>
-          </a:xfrm>
-          <a:prstGeom prst="rect">
-            <a:avLst/>
-          </a:prstGeom>
-          <a:gradFill flip="none" rotWithShape="1">
-            <a:gsLst>
-              <a:gs pos="0">
-                <a:schemeClr val="accent1">
-                  <a:tint val="66000"/>
-                  <a:satMod val="160000"/>
-                </a:schemeClr>
-              </a:gs>
-              <a:gs pos="50000">
-                <a:schemeClr val="accent1">
-                  <a:tint val="44500"/>
-                  <a:satMod val="160000"/>
-                </a:schemeClr>
-              </a:gs>
-              <a:gs pos="100000">
-                <a:schemeClr val="accent1">
-                  <a:tint val="23500"/>
-                  <a:satMod val="160000"/>
-                </a:schemeClr>
-              </a:gs>
-            </a:gsLst>
-            <a:path path="circle">
-              <a:fillToRect l="100000" t="100000"/>
-            </a:path>
-            <a:tileRect r="-100000" b="-100000"/>
-          </a:gradFill>
-        </p:spPr>
-        <p:txBody>
-          <a:bodyPr wrap="square" rtlCol="0">
-            <a:spAutoFit/>
-          </a:bodyPr>
-          <a:lstStyle/>
-          <a:p>
-            <a:r>
-              <a:rPr lang="en-US" dirty="0" smtClean="0"/>
-              <a:t>A: 40</a:t>
-            </a:r>
-            <a:r>
-              <a:rPr lang="zh-CN" altLang="en-US" dirty="0" smtClean="0"/>
-              <a:t> </a:t>
-            </a:r>
-            <a:r>
-              <a:rPr lang="en-US" altLang="zh-CN" dirty="0" smtClean="0"/>
-              <a:t>(location)</a:t>
-            </a:r>
-            <a:r>
-              <a:rPr lang="en-US" dirty="0" smtClean="0"/>
-              <a:t>,</a:t>
-            </a:r>
-            <a:endParaRPr lang="zh-CN" altLang="en-US" dirty="0" smtClean="0"/>
-          </a:p>
-          <a:p>
-            <a:r>
-              <a:rPr lang="en-US" dirty="0" smtClean="0"/>
-              <a:t>B: 400</a:t>
-            </a:r>
-            <a:r>
-              <a:rPr lang="zh-CN" altLang="en-US" dirty="0" smtClean="0"/>
-              <a:t> </a:t>
-            </a:r>
-            <a:r>
-              <a:rPr lang="en-US" altLang="zh-CN" dirty="0" smtClean="0"/>
-              <a:t>(item)</a:t>
-            </a:r>
-            <a:r>
-              <a:rPr lang="en-US" dirty="0" smtClean="0"/>
-              <a:t>,</a:t>
-            </a:r>
-            <a:endParaRPr lang="zh-CN" altLang="en-US" dirty="0" smtClean="0"/>
-          </a:p>
-          <a:p>
-            <a:r>
-              <a:rPr lang="en-US" dirty="0" smtClean="0"/>
-              <a:t>C: 4</a:t>
-            </a:r>
-            <a:r>
-              <a:rPr lang="en-US" altLang="zh-CN" dirty="0" smtClean="0"/>
-              <a:t>,</a:t>
-            </a:r>
-            <a:r>
-              <a:rPr lang="en-US" dirty="0" smtClean="0"/>
-              <a:t>000</a:t>
-            </a:r>
-            <a:r>
-              <a:rPr lang="zh-CN" altLang="en-US" dirty="0" smtClean="0"/>
-              <a:t> </a:t>
-            </a:r>
-            <a:r>
-              <a:rPr lang="en-US" altLang="zh-CN" dirty="0" smtClean="0"/>
-              <a:t>(time)</a:t>
-            </a:r>
-            <a:endParaRPr lang="en-US" dirty="0"/>
-          </a:p>
-        </p:txBody>
-      </p:sp>
-      <p:sp>
-        <p:nvSpPr>
-          <p:cNvPr id="2" name="Title 1"/>
-          <p:cNvSpPr>
-            <a:spLocks noGrp="1"/>
-          </p:cNvSpPr>
-          <p:nvPr>
-            <p:ph type="title"/>
-          </p:nvPr>
-        </p:nvSpPr>
-        <p:spPr/>
-        <p:txBody>
-          <a:bodyPr>
-            <a:normAutofit fontScale="90000"/>
-          </a:bodyPr>
-          <a:lstStyle/>
-          <a:p>
-            <a:r>
-              <a:rPr lang="en-US" altLang="zh-CN" dirty="0">
-                <a:ea typeface="SimSun" pitchFamily="2" charset="-122"/>
-              </a:rPr>
-              <a:t>Multi-way Array </a:t>
-            </a:r>
-            <a:r>
-              <a:rPr lang="en-US" altLang="zh-CN" dirty="0" smtClean="0">
-                <a:ea typeface="SimSun" pitchFamily="2" charset="-122"/>
-              </a:rPr>
-              <a:t>Aggregation</a:t>
-            </a:r>
-            <a:br>
-              <a:rPr lang="en-US" altLang="zh-CN" dirty="0" smtClean="0">
-                <a:ea typeface="SimSun" pitchFamily="2" charset="-122"/>
-              </a:rPr>
-            </a:br>
-            <a:r>
-              <a:rPr lang="en-US" altLang="zh-CN" dirty="0" smtClean="0">
-                <a:ea typeface="SimSun" pitchFamily="2" charset="-122"/>
-              </a:rPr>
-              <a:t>(3-D </a:t>
-            </a:r>
-            <a:r>
-              <a:rPr lang="en-US" altLang="zh-CN" dirty="0">
-                <a:ea typeface="SimSun" pitchFamily="2" charset="-122"/>
-              </a:rPr>
-              <a:t>to 2-D)</a:t>
-            </a:r>
-            <a:endParaRPr lang="en-US" dirty="0"/>
-          </a:p>
-        </p:txBody>
-      </p:sp>
-      <p:sp>
-        <p:nvSpPr>
-          <p:cNvPr id="4" name="Slide Number Placeholder 3"/>
-          <p:cNvSpPr>
-            <a:spLocks noGrp="1"/>
-          </p:cNvSpPr>
-          <p:nvPr>
-            <p:ph type="sldNum" sz="quarter" idx="12"/>
-          </p:nvPr>
-        </p:nvSpPr>
-        <p:spPr/>
-        <p:txBody>
-          <a:bodyPr/>
-          <a:lstStyle/>
-          <a:p>
-            <a:fld id="{18A68613-FF0B-4246-B613-8295211CFAFA}" type="slidenum">
-              <a:rPr lang="en-US" smtClean="0"/>
-              <a:t>9</a:t>
-            </a:fld>
-            <a:endParaRPr lang="en-US"/>
-          </a:p>
-        </p:txBody>
-      </p:sp>
-      <p:sp>
-        <p:nvSpPr>
-          <p:cNvPr id="21" name="TextBox 20"/>
-          <p:cNvSpPr txBox="1"/>
-          <p:nvPr/>
-        </p:nvSpPr>
-        <p:spPr>
-          <a:xfrm>
-            <a:off x="103239" y="5719982"/>
-            <a:ext cx="4180392" cy="1077218"/>
-          </a:xfrm>
-          <a:prstGeom prst="rect">
-            <a:avLst/>
-          </a:prstGeom>
-          <a:solidFill>
-            <a:srgbClr val="C00000"/>
-          </a:solidFill>
-        </p:spPr>
-        <p:txBody>
-          <a:bodyPr wrap="square" rtlCol="0">
-            <a:spAutoFit/>
-          </a:bodyPr>
-          <a:lstStyle/>
-          <a:p>
-            <a:r>
-              <a:rPr lang="en-US" altLang="zh-CN" sz="2800" b="1" u="sng" dirty="0" smtClean="0">
-                <a:solidFill>
-                  <a:schemeClr val="bg1"/>
-                </a:solidFill>
-              </a:rPr>
-              <a:t>Min</a:t>
-            </a:r>
-            <a:r>
-              <a:rPr lang="zh-CN" altLang="en-US" sz="2800" b="1" u="sng" dirty="0" smtClean="0">
-                <a:solidFill>
-                  <a:schemeClr val="bg1"/>
-                </a:solidFill>
-              </a:rPr>
-              <a:t> </a:t>
-            </a:r>
-            <a:r>
-              <a:rPr lang="en-US" altLang="zh-CN" sz="2800" b="1" u="sng" dirty="0" smtClean="0">
-                <a:solidFill>
-                  <a:schemeClr val="bg1"/>
-                </a:solidFill>
-              </a:rPr>
-              <a:t>memory</a:t>
-            </a:r>
-            <a:r>
-              <a:rPr lang="zh-CN" altLang="en-US" sz="2800" b="1" u="sng" dirty="0" smtClean="0">
-                <a:solidFill>
-                  <a:schemeClr val="bg1"/>
-                </a:solidFill>
-              </a:rPr>
-              <a:t> </a:t>
-            </a:r>
-            <a:r>
-              <a:rPr lang="en-US" altLang="zh-CN" sz="2800" b="1" u="sng" dirty="0" smtClean="0">
-                <a:solidFill>
-                  <a:schemeClr val="bg1"/>
-                </a:solidFill>
-              </a:rPr>
-              <a:t>size:</a:t>
-            </a:r>
-            <a:r>
-              <a:rPr lang="zh-CN" altLang="en-US" sz="2800" b="1" u="sng" dirty="0">
-                <a:solidFill>
-                  <a:schemeClr val="bg1"/>
-                </a:solidFill>
-              </a:rPr>
-              <a:t> </a:t>
-            </a:r>
-            <a:r>
-              <a:rPr lang="en-US" altLang="zh-CN" sz="2800" b="1" u="sng" dirty="0" smtClean="0">
-                <a:solidFill>
-                  <a:schemeClr val="bg1"/>
-                </a:solidFill>
-              </a:rPr>
-              <a:t>156,000</a:t>
-            </a:r>
-            <a:endParaRPr lang="zh-CN" altLang="en-US" sz="2800" b="1" u="sng" dirty="0">
-              <a:solidFill>
-                <a:schemeClr val="bg1"/>
-              </a:solidFill>
-            </a:endParaRPr>
-          </a:p>
-          <a:p>
-            <a:r>
-              <a:rPr lang="en-US" altLang="zh-CN" dirty="0" smtClean="0">
-                <a:solidFill>
-                  <a:schemeClr val="bg1"/>
-                </a:solidFill>
-              </a:rPr>
-              <a:t>&lt;</a:t>
-            </a:r>
-            <a:r>
-              <a:rPr lang="zh-CN" altLang="en-US" dirty="0" smtClean="0">
-                <a:solidFill>
-                  <a:schemeClr val="bg1"/>
-                </a:solidFill>
-              </a:rPr>
-              <a:t> </a:t>
-            </a:r>
-            <a:r>
-              <a:rPr lang="en-US" altLang="zh-CN" dirty="0" smtClean="0">
-                <a:solidFill>
-                  <a:schemeClr val="bg1"/>
-                </a:solidFill>
-              </a:rPr>
-              <a:t>40</a:t>
-            </a:r>
-            <a:r>
-              <a:rPr lang="zh-CN" altLang="en-US" dirty="0" smtClean="0">
-                <a:solidFill>
-                  <a:schemeClr val="bg1"/>
-                </a:solidFill>
-              </a:rPr>
-              <a:t>*</a:t>
-            </a:r>
-            <a:r>
-              <a:rPr lang="en-US" altLang="zh-CN" dirty="0" smtClean="0">
-                <a:solidFill>
-                  <a:schemeClr val="bg1"/>
-                </a:solidFill>
-              </a:rPr>
-              <a:t>400</a:t>
-            </a:r>
-            <a:r>
-              <a:rPr lang="zh-CN" altLang="en-US" dirty="0" smtClean="0">
-                <a:solidFill>
-                  <a:schemeClr val="bg1"/>
-                </a:solidFill>
-              </a:rPr>
-              <a:t> </a:t>
-            </a:r>
-            <a:r>
-              <a:rPr lang="en-US" altLang="zh-CN" dirty="0" smtClean="0">
-                <a:solidFill>
-                  <a:schemeClr val="bg1"/>
-                </a:solidFill>
-              </a:rPr>
-              <a:t>+</a:t>
-            </a:r>
-            <a:r>
-              <a:rPr lang="zh-CN" altLang="en-US" dirty="0" smtClean="0">
-                <a:solidFill>
-                  <a:schemeClr val="bg1"/>
-                </a:solidFill>
-              </a:rPr>
-              <a:t> </a:t>
-            </a:r>
-            <a:r>
-              <a:rPr lang="en-US" altLang="zh-CN" dirty="0" smtClean="0">
-                <a:solidFill>
-                  <a:schemeClr val="bg1"/>
-                </a:solidFill>
-              </a:rPr>
-              <a:t>400</a:t>
-            </a:r>
-            <a:r>
-              <a:rPr lang="zh-CN" altLang="en-US" dirty="0" smtClean="0">
-                <a:solidFill>
-                  <a:schemeClr val="bg1"/>
-                </a:solidFill>
-              </a:rPr>
-              <a:t>*</a:t>
-            </a:r>
-            <a:r>
-              <a:rPr lang="en-US" altLang="zh-CN" dirty="0" smtClean="0">
-                <a:solidFill>
-                  <a:schemeClr val="bg1"/>
-                </a:solidFill>
-              </a:rPr>
-              <a:t>4,000</a:t>
-            </a:r>
-            <a:r>
-              <a:rPr lang="zh-CN" altLang="en-US" dirty="0" smtClean="0">
-                <a:solidFill>
-                  <a:schemeClr val="bg1"/>
-                </a:solidFill>
-              </a:rPr>
-              <a:t> </a:t>
-            </a:r>
-            <a:r>
-              <a:rPr lang="en-US" altLang="zh-CN" dirty="0" smtClean="0">
-                <a:solidFill>
-                  <a:schemeClr val="bg1"/>
-                </a:solidFill>
-              </a:rPr>
-              <a:t>+</a:t>
-            </a:r>
-            <a:r>
-              <a:rPr lang="zh-CN" altLang="en-US" dirty="0" smtClean="0">
-                <a:solidFill>
-                  <a:schemeClr val="bg1"/>
-                </a:solidFill>
-              </a:rPr>
-              <a:t> </a:t>
-            </a:r>
-            <a:r>
-              <a:rPr lang="en-US" altLang="zh-CN" dirty="0" smtClean="0">
-                <a:solidFill>
-                  <a:schemeClr val="bg1"/>
-                </a:solidFill>
-              </a:rPr>
-              <a:t>40</a:t>
-            </a:r>
-            <a:r>
-              <a:rPr lang="zh-CN" altLang="en-US" dirty="0" smtClean="0">
-                <a:solidFill>
-                  <a:schemeClr val="bg1"/>
-                </a:solidFill>
-              </a:rPr>
-              <a:t> * </a:t>
-            </a:r>
-            <a:r>
-              <a:rPr lang="en-US" altLang="zh-CN" dirty="0" smtClean="0">
-                <a:solidFill>
-                  <a:schemeClr val="bg1"/>
-                </a:solidFill>
-              </a:rPr>
-              <a:t>4,000</a:t>
-            </a:r>
-            <a:endParaRPr lang="zh-CN" altLang="en-US" dirty="0">
-              <a:solidFill>
-                <a:schemeClr val="bg1"/>
-              </a:solidFill>
-            </a:endParaRPr>
-          </a:p>
-          <a:p>
-            <a:r>
-              <a:rPr lang="en-US" altLang="zh-CN" dirty="0" smtClean="0">
-                <a:solidFill>
-                  <a:schemeClr val="bg1"/>
-                </a:solidFill>
-              </a:rPr>
-              <a:t>=</a:t>
-            </a:r>
-            <a:r>
-              <a:rPr lang="zh-CN" altLang="en-US" dirty="0" smtClean="0">
-                <a:solidFill>
-                  <a:schemeClr val="bg1"/>
-                </a:solidFill>
-              </a:rPr>
-              <a:t> </a:t>
-            </a:r>
-            <a:r>
-              <a:rPr lang="en-US" altLang="zh-CN" dirty="0" smtClean="0">
-                <a:solidFill>
-                  <a:schemeClr val="bg1"/>
-                </a:solidFill>
-              </a:rPr>
-              <a:t>1,776,000</a:t>
-            </a:r>
-            <a:endParaRPr lang="zh-CN" altLang="en-US" dirty="0" smtClean="0">
-              <a:solidFill>
-                <a:schemeClr val="bg1"/>
-              </a:solidFill>
-            </a:endParaRPr>
-          </a:p>
-        </p:txBody>
-      </p:sp>
-    </p:spTree>
-    <p:extLst>
-      <p:ext uri="{BB962C8B-B14F-4D97-AF65-F5344CB8AC3E}">
-        <p14:creationId xmlns:p14="http://schemas.microsoft.com/office/powerpoint/2010/main" val="928780324"/>
-      </p:ext>
-    </p:extLst>
-  </p:cSld>
-  <p:clrMapOvr>
-    <a:masterClrMapping/>
-  </p:clrMapOvr>
-  <p:timing>
-    <p:tnLst>
-      <p:par>
-        <p:cTn id="1" dur="indefinite" restart="never" nodeType="tmRoot"/>
-      </p:par>
-    </p:tnLst>
-  </p:timing>
 </p:sld>
 </file>
 

--- a/teaching/CSEx0647Fall17-09-DataWarehouse.pptx
+++ b/teaching/CSEx0647Fall17-09-DataWarehouse.pptx
@@ -246,7 +246,7 @@
           <a:p>
             <a:fld id="{43492DA4-7033-254B-9755-02E963D2D60B}" type="datetimeFigureOut">
               <a:rPr lang="en-US" smtClean="0"/>
-              <a:t>9/18/17</a:t>
+              <a:t>9/20/17</a:t>
             </a:fld>
             <a:endParaRPr lang="en-US"/>
           </a:p>
@@ -412,7 +412,7 @@
           <a:p>
             <a:fld id="{3233186B-3F56-2747-A708-0F062C13EF5A}" type="datetimeFigureOut">
               <a:rPr lang="en-US" smtClean="0"/>
-              <a:t>9/18/17</a:t>
+              <a:t>9/20/17</a:t>
             </a:fld>
             <a:endParaRPr lang="en-US"/>
           </a:p>
@@ -5727,7 +5727,7 @@
           <a:graphicData uri="http://schemas.openxmlformats.org/presentationml/2006/ole">
             <mc:AlternateContent xmlns:mc="http://schemas.openxmlformats.org/markup-compatibility/2006">
               <mc:Choice xmlns:v="urn:schemas-microsoft-com:vml" Requires="v">
-                <p:oleObj spid="_x0000_s2102" name="SmartDraw" r:id="rId3" imgW="2721864" imgH="3043428" progId="SmartDraw.2">
+                <p:oleObj spid="_x0000_s2104" name="SmartDraw" r:id="rId3" imgW="2721864" imgH="3043428" progId="SmartDraw.2">
                   <p:embed/>
                 </p:oleObj>
               </mc:Choice>
@@ -6582,7 +6582,7 @@
           <a:graphicData uri="http://schemas.openxmlformats.org/presentationml/2006/ole">
             <mc:AlternateContent xmlns:mc="http://schemas.openxmlformats.org/markup-compatibility/2006">
               <mc:Choice xmlns:v="urn:schemas-microsoft-com:vml" Requires="v">
-                <p:oleObj spid="_x0000_s7202" name="SmartDraw" r:id="rId3" imgW="3177540" imgH="2816352" progId="SmartDraw.2">
+                <p:oleObj spid="_x0000_s7204" name="SmartDraw" r:id="rId3" imgW="3177540" imgH="2816352" progId="SmartDraw.2">
                   <p:embed/>
                 </p:oleObj>
               </mc:Choice>
@@ -8426,10 +8426,15 @@
             <p:ph idx="1"/>
           </p:nvPr>
         </p:nvSpPr>
-        <p:spPr/>
+        <p:spPr>
+          <a:xfrm>
+            <a:off x="457200" y="1600200"/>
+            <a:ext cx="8686800" cy="4525963"/>
+          </a:xfrm>
+        </p:spPr>
         <p:txBody>
           <a:bodyPr>
-            <a:normAutofit fontScale="92500" lnSpcReduction="20000"/>
+            <a:normAutofit fontScale="85000" lnSpcReduction="10000"/>
           </a:bodyPr>
           <a:lstStyle/>
           <a:p>
@@ -8442,8 +8447,13 @@
             <a:pPr lvl="1"/>
             <a:r>
               <a:rPr lang="en-US" dirty="0" smtClean="0"/>
-              <a:t>Intro, Data Processing, Data Cube</a:t>
-            </a:r>
+              <a:t>Intro, Data Processing, Data </a:t>
+            </a:r>
+            <a:r>
+              <a:rPr lang="en-US" dirty="0" smtClean="0"/>
+              <a:t>Cube, Frequent Pattern Mining</a:t>
+            </a:r>
+            <a:endParaRPr lang="en-US" dirty="0" smtClean="0"/>
           </a:p>
           <a:p>
             <a:pPr lvl="1"/>
@@ -9747,12 +9757,12 @@
             <a:graphicData uri="http://schemas.openxmlformats.org/presentationml/2006/ole">
               <mc:AlternateContent xmlns:mc="http://schemas.openxmlformats.org/markup-compatibility/2006">
                 <mc:Choice xmlns:v="urn:schemas-microsoft-com:vml" Requires="v">
-                  <p:oleObj spid="_x0000_s3126" name="Document" r:id="rId3" imgW="11163300" imgH="5600700" progId="Word.Document.8">
+                  <p:oleObj spid="_x0000_s3128" name="Document" r:id="rId4" imgW="11163300" imgH="5600700" progId="Word.Document.8">
                     <p:embed/>
                   </p:oleObj>
                 </mc:Choice>
                 <mc:Fallback>
-                  <p:oleObj name="Document" r:id="rId3" imgW="11163300" imgH="5600700" progId="Word.Document.8">
+                  <p:oleObj name="Document" r:id="rId4" imgW="11163300" imgH="5600700" progId="Word.Document.8">
                     <p:embed/>
                     <p:pic>
                       <p:nvPicPr>
@@ -9763,7 +9773,7 @@
                         <p:nvPr/>
                       </p:nvPicPr>
                       <p:blipFill>
-                        <a:blip r:embed="rId4"/>
+                        <a:blip r:embed="rId5"/>
                         <a:srcRect/>
                         <a:stretch>
                           <a:fillRect/>
@@ -9818,7 +9828,7 @@
             </a:ln>
             <a:extLst>
               <a:ext uri="{909E8E84-426E-40dd-AFC4-6F175D3DCCD1}">
-                <a14:hiddenFill xmlns:a14="http://schemas.microsoft.com/office/drawing/2010/main" xmlns="">
+                <a14:hiddenFill xmlns="" xmlns:a14="http://schemas.microsoft.com/office/drawing/2010/main">
                   <a:noFill/>
                 </a14:hiddenFill>
               </a:ext>
